--- a/Presentation/Dons slides  .pptx
+++ b/Presentation/Dons slides  .pptx
@@ -5,21 +5,11 @@
     <p:sldMasterId id="2147483648" r:id="rId1"/>
   </p:sldMasterIdLst>
   <p:notesMasterIdLst>
-    <p:notesMasterId r:id="rId14"/>
+    <p:notesMasterId r:id="rId4"/>
   </p:notesMasterIdLst>
   <p:sldIdLst>
-    <p:sldId id="258" r:id="rId2"/>
-    <p:sldId id="733" r:id="rId3"/>
-    <p:sldId id="257" r:id="rId4"/>
-    <p:sldId id="736" r:id="rId5"/>
-    <p:sldId id="737" r:id="rId6"/>
-    <p:sldId id="735" r:id="rId7"/>
-    <p:sldId id="740" r:id="rId8"/>
-    <p:sldId id="741" r:id="rId9"/>
-    <p:sldId id="745" r:id="rId10"/>
-    <p:sldId id="744" r:id="rId11"/>
-    <p:sldId id="743" r:id="rId12"/>
-    <p:sldId id="742" r:id="rId13"/>
+    <p:sldId id="745" r:id="rId2"/>
+    <p:sldId id="744" r:id="rId3"/>
   </p:sldIdLst>
   <p:sldSz cx="12192000" cy="6858000"/>
   <p:notesSz cx="6858000" cy="9144000"/>
@@ -1074,90 +1064,6 @@
 </p:notesMaster>
 </file>
 
-<file path=ppt/notesSlides/notesSlide1.xml><?xml version="1.0" encoding="utf-8"?>
-<p:notes xmlns:a="http://schemas.openxmlformats.org/drawingml/2006/main" xmlns:r="http://schemas.openxmlformats.org/officeDocument/2006/relationships" xmlns:p="http://schemas.openxmlformats.org/presentationml/2006/main">
-  <p:cSld>
-    <p:spTree>
-      <p:nvGrpSpPr>
-        <p:cNvPr id="1" name=""/>
-        <p:cNvGrpSpPr/>
-        <p:nvPr/>
-      </p:nvGrpSpPr>
-      <p:grpSpPr>
-        <a:xfrm>
-          <a:off x="0" y="0"/>
-          <a:ext cx="0" cy="0"/>
-          <a:chOff x="0" y="0"/>
-          <a:chExt cx="0" cy="0"/>
-        </a:xfrm>
-      </p:grpSpPr>
-      <p:sp>
-        <p:nvSpPr>
-          <p:cNvPr id="2" name="Slide Image Placeholder 1"/>
-          <p:cNvSpPr>
-            <a:spLocks noGrp="1" noRot="1" noChangeAspect="1"/>
-          </p:cNvSpPr>
-          <p:nvPr>
-            <p:ph type="sldImg"/>
-          </p:nvPr>
-        </p:nvSpPr>
-        <p:spPr/>
-      </p:sp>
-      <p:sp>
-        <p:nvSpPr>
-          <p:cNvPr id="3" name="Notes Placeholder 2"/>
-          <p:cNvSpPr>
-            <a:spLocks noGrp="1"/>
-          </p:cNvSpPr>
-          <p:nvPr>
-            <p:ph type="body" idx="1"/>
-          </p:nvPr>
-        </p:nvSpPr>
-        <p:spPr/>
-        <p:txBody>
-          <a:bodyPr/>
-          <a:lstStyle/>
-          <a:p>
-            <a:endParaRPr lang="en-US" dirty="0"/>
-          </a:p>
-        </p:txBody>
-      </p:sp>
-      <p:sp>
-        <p:nvSpPr>
-          <p:cNvPr id="4" name="Slide Number Placeholder 3"/>
-          <p:cNvSpPr>
-            <a:spLocks noGrp="1"/>
-          </p:cNvSpPr>
-          <p:nvPr>
-            <p:ph type="sldNum" sz="quarter" idx="10"/>
-          </p:nvPr>
-        </p:nvSpPr>
-        <p:spPr/>
-        <p:txBody>
-          <a:bodyPr/>
-          <a:lstStyle/>
-          <a:p>
-            <a:fld id="{7F220CB7-DCA5-4E5B-97F1-300CDD8D2AAB}" type="slidenum">
-              <a:rPr lang="en-US" smtClean="0"/>
-              <a:t>2</a:t>
-            </a:fld>
-            <a:endParaRPr lang="en-US" dirty="0"/>
-          </a:p>
-        </p:txBody>
-      </p:sp>
-    </p:spTree>
-    <p:extLst>
-      <p:ext uri="{BB962C8B-B14F-4D97-AF65-F5344CB8AC3E}">
-        <p14:creationId xmlns:p14="http://schemas.microsoft.com/office/powerpoint/2010/main" val="3911923116"/>
-      </p:ext>
-    </p:extLst>
-  </p:cSld>
-  <p:clrMapOvr>
-    <a:masterClrMapping/>
-  </p:clrMapOvr>
-</p:notes>
-</file>
-
 <file path=ppt/slideLayouts/slideLayout1.xml><?xml version="1.0" encoding="utf-8"?>
 <p:sldLayout xmlns:a="http://schemas.openxmlformats.org/drawingml/2006/main" xmlns:r="http://schemas.openxmlformats.org/officeDocument/2006/relationships" xmlns:p="http://schemas.openxmlformats.org/presentationml/2006/main" type="title" preserve="1">
   <p:cSld name="Title Slide">
@@ -8656,36 +8562,6 @@
           <a:chExt cx="0" cy="0"/>
         </a:xfrm>
       </p:grpSpPr>
-    </p:spTree>
-    <p:extLst>
-      <p:ext uri="{BB962C8B-B14F-4D97-AF65-F5344CB8AC3E}">
-        <p14:creationId xmlns:p14="http://schemas.microsoft.com/office/powerpoint/2010/main" val="1761176850"/>
-      </p:ext>
-    </p:extLst>
-  </p:cSld>
-  <p:clrMapOvr>
-    <a:masterClrMapping/>
-  </p:clrMapOvr>
-</p:sld>
-</file>
-
-<file path=ppt/slides/slide10.xml><?xml version="1.0" encoding="utf-8"?>
-<p:sld xmlns:a="http://schemas.openxmlformats.org/drawingml/2006/main" xmlns:r="http://schemas.openxmlformats.org/officeDocument/2006/relationships" xmlns:p="http://schemas.openxmlformats.org/presentationml/2006/main">
-  <p:cSld>
-    <p:spTree>
-      <p:nvGrpSpPr>
-        <p:cNvPr id="1" name=""/>
-        <p:cNvGrpSpPr/>
-        <p:nvPr/>
-      </p:nvGrpSpPr>
-      <p:grpSpPr>
-        <a:xfrm>
-          <a:off x="0" y="0"/>
-          <a:ext cx="0" cy="0"/>
-          <a:chOff x="0" y="0"/>
-          <a:chExt cx="0" cy="0"/>
-        </a:xfrm>
-      </p:grpSpPr>
       <p:sp>
         <p:nvSpPr>
           <p:cNvPr id="2" name="Title 1">
@@ -8716,7 +8592,7 @@
           <a:p>
             <a:r>
               <a:rPr lang="en-US" dirty="0"/>
-              <a:t>Funding by Year – East Coast vs. West Coast</a:t>
+              <a:t>Investment by Category</a:t>
             </a:r>
           </a:p>
         </p:txBody>
@@ -8735,8 +8611,8 @@
         </p:nvSpPr>
         <p:spPr>
           <a:xfrm>
-            <a:off x="820962" y="2539151"/>
-            <a:ext cx="4495317" cy="1754326"/>
+            <a:off x="105295" y="1657409"/>
+            <a:ext cx="4514085" cy="923330"/>
           </a:xfrm>
           <a:prstGeom prst="rect">
             <a:avLst/>
@@ -8750,22 +8626,18 @@
           <a:lstStyle/>
           <a:p>
             <a:r>
-              <a:rPr lang="en-US" dirty="0">
-                <a:solidFill>
-                  <a:srgbClr val="FF0000"/>
-                </a:solidFill>
-              </a:rPr>
-              <a:t>We have observed technology and software as a popular category across all states. When we focus category funding to &gt;$1B, we see New York and San Francisco as popular cities containing companies across most categories.</a:t>
+              <a:rPr lang="en-US" dirty="0"/>
+              <a:t>We have observed that manufacturing, software, and marketing are the leading  categories in total investments.</a:t>
             </a:r>
           </a:p>
         </p:txBody>
       </p:sp>
       <p:pic>
         <p:nvPicPr>
-          <p:cNvPr id="4" name="Picture 3">
+          <p:cNvPr id="6" name="Picture 5">
             <a:extLst>
               <a:ext uri="{FF2B5EF4-FFF2-40B4-BE49-F238E27FC236}">
-                <a16:creationId xmlns:a16="http://schemas.microsoft.com/office/drawing/2014/main" id="{9A3DFD73-5985-8B4D-8497-670445794AFA}"/>
+                <a16:creationId xmlns:a16="http://schemas.microsoft.com/office/drawing/2014/main" id="{8BA45694-77EE-FE40-83CF-835EC8E3FDF9}"/>
               </a:ext>
             </a:extLst>
           </p:cNvPr>
@@ -8782,8 +8654,8 @@
         </p:blipFill>
         <p:spPr>
           <a:xfrm>
-            <a:off x="6237580" y="1149757"/>
-            <a:ext cx="5821416" cy="4989785"/>
+            <a:off x="4619380" y="1235505"/>
+            <a:ext cx="7265307" cy="4670554"/>
           </a:xfrm>
           <a:prstGeom prst="rect">
             <a:avLst/>
@@ -8793,231 +8665,7 @@
     </p:spTree>
     <p:extLst>
       <p:ext uri="{BB962C8B-B14F-4D97-AF65-F5344CB8AC3E}">
-        <p14:creationId xmlns:p14="http://schemas.microsoft.com/office/powerpoint/2010/main" val="2742263466"/>
-      </p:ext>
-    </p:extLst>
-  </p:cSld>
-  <p:clrMapOvr>
-    <a:masterClrMapping/>
-  </p:clrMapOvr>
-</p:sld>
-</file>
-
-<file path=ppt/slides/slide11.xml><?xml version="1.0" encoding="utf-8"?>
-<p:sld xmlns:a="http://schemas.openxmlformats.org/drawingml/2006/main" xmlns:r="http://schemas.openxmlformats.org/officeDocument/2006/relationships" xmlns:p="http://schemas.openxmlformats.org/presentationml/2006/main">
-  <p:cSld>
-    <p:spTree>
-      <p:nvGrpSpPr>
-        <p:cNvPr id="1" name=""/>
-        <p:cNvGrpSpPr/>
-        <p:nvPr/>
-      </p:nvGrpSpPr>
-      <p:grpSpPr>
-        <a:xfrm>
-          <a:off x="0" y="0"/>
-          <a:ext cx="0" cy="0"/>
-          <a:chOff x="0" y="0"/>
-          <a:chExt cx="0" cy="0"/>
-        </a:xfrm>
-      </p:grpSpPr>
-      <p:sp>
-        <p:nvSpPr>
-          <p:cNvPr id="2" name="Title 1">
-            <a:extLst>
-              <a:ext uri="{FF2B5EF4-FFF2-40B4-BE49-F238E27FC236}">
-                <a16:creationId xmlns:a16="http://schemas.microsoft.com/office/drawing/2014/main" id="{CF8AAA4F-9F78-4F95-9666-13ECFEE59A8C}"/>
-              </a:ext>
-            </a:extLst>
-          </p:cNvPr>
-          <p:cNvSpPr>
-            <a:spLocks noGrp="1"/>
-          </p:cNvSpPr>
-          <p:nvPr>
-            <p:ph type="title"/>
-          </p:nvPr>
-        </p:nvSpPr>
-        <p:spPr>
-          <a:xfrm>
-            <a:off x="372687" y="2886652"/>
-            <a:ext cx="10515600" cy="1325563"/>
-          </a:xfrm>
-        </p:spPr>
-        <p:txBody>
-          <a:bodyPr>
-            <a:normAutofit fontScale="90000"/>
-          </a:bodyPr>
-          <a:lstStyle/>
-          <a:p>
-            <a:r>
-              <a:rPr lang="en-US">
-                <a:solidFill>
-                  <a:srgbClr val="FF0000"/>
-                </a:solidFill>
-              </a:rPr>
-              <a:t>  </a:t>
-            </a:r>
-            <a:r>
-              <a:rPr lang="en-US" dirty="0">
-                <a:solidFill>
-                  <a:srgbClr val="FF0000"/>
-                </a:solidFill>
-              </a:rPr>
-              <a:t>* Discuss any difficulties that arose, and how you dealt with them</a:t>
-            </a:r>
-            <a:br>
-              <a:rPr lang="en-US" dirty="0">
-                <a:solidFill>
-                  <a:srgbClr val="FF0000"/>
-                </a:solidFill>
-              </a:rPr>
-            </a:br>
-            <a:r>
-              <a:rPr lang="en-US" dirty="0">
-                <a:solidFill>
-                  <a:srgbClr val="FF0000"/>
-                </a:solidFill>
-              </a:rPr>
-              <a:t>  * Discuss any additional questions that came up, but which you didn't have time to answer: What would you research next, if you had two more weeks?</a:t>
-            </a:r>
-            <a:br>
-              <a:rPr lang="en-US" dirty="0">
-                <a:solidFill>
-                  <a:srgbClr val="FF0000"/>
-                </a:solidFill>
-              </a:rPr>
-            </a:br>
-            <a:endParaRPr lang="en-US" dirty="0">
-              <a:solidFill>
-                <a:srgbClr val="FF0000"/>
-              </a:solidFill>
-            </a:endParaRPr>
-          </a:p>
-        </p:txBody>
-      </p:sp>
-      <p:sp>
-        <p:nvSpPr>
-          <p:cNvPr id="3" name="Title 1">
-            <a:extLst>
-              <a:ext uri="{FF2B5EF4-FFF2-40B4-BE49-F238E27FC236}">
-                <a16:creationId xmlns:a16="http://schemas.microsoft.com/office/drawing/2014/main" id="{1992E939-D41B-4FB7-8EB3-C8BE06C24D0F}"/>
-              </a:ext>
-            </a:extLst>
-          </p:cNvPr>
-          <p:cNvSpPr txBox="1">
-            <a:spLocks/>
-          </p:cNvSpPr>
-          <p:nvPr/>
-        </p:nvSpPr>
-        <p:spPr>
-          <a:xfrm>
-            <a:off x="838200" y="365125"/>
-            <a:ext cx="10515600" cy="1325563"/>
-          </a:xfrm>
-          <a:prstGeom prst="rect">
-            <a:avLst/>
-          </a:prstGeom>
-        </p:spPr>
-        <p:txBody>
-          <a:bodyPr vert="horz" lIns="91440" tIns="45720" rIns="91440" bIns="45720" rtlCol="0" anchor="ctr">
-            <a:normAutofit/>
-          </a:bodyPr>
-          <a:lstStyle>
-            <a:lvl1pPr algn="l" defTabSz="914400" rtl="0" eaLnBrk="1" latinLnBrk="0" hangingPunct="1">
-              <a:lnSpc>
-                <a:spcPct val="90000"/>
-              </a:lnSpc>
-              <a:spcBef>
-                <a:spcPct val="0"/>
-              </a:spcBef>
-              <a:buNone/>
-              <a:defRPr sz="3600" kern="1200">
-                <a:solidFill>
-                  <a:schemeClr val="tx1"/>
-                </a:solidFill>
-                <a:latin typeface="+mj-lt"/>
-                <a:ea typeface="+mj-ea"/>
-                <a:cs typeface="+mj-cs"/>
-              </a:defRPr>
-            </a:lvl1pPr>
-          </a:lstStyle>
-          <a:p>
-            <a:r>
-              <a:rPr lang="en-US" dirty="0"/>
-              <a:t>Post Mortem</a:t>
-            </a:r>
-          </a:p>
-        </p:txBody>
-      </p:sp>
-    </p:spTree>
-    <p:extLst>
-      <p:ext uri="{BB962C8B-B14F-4D97-AF65-F5344CB8AC3E}">
-        <p14:creationId xmlns:p14="http://schemas.microsoft.com/office/powerpoint/2010/main" val="1042443609"/>
-      </p:ext>
-    </p:extLst>
-  </p:cSld>
-  <p:clrMapOvr>
-    <a:masterClrMapping/>
-  </p:clrMapOvr>
-</p:sld>
-</file>
-
-<file path=ppt/slides/slide12.xml><?xml version="1.0" encoding="utf-8"?>
-<p:sld xmlns:a="http://schemas.openxmlformats.org/drawingml/2006/main" xmlns:r="http://schemas.openxmlformats.org/officeDocument/2006/relationships" xmlns:p="http://schemas.openxmlformats.org/presentationml/2006/main">
-  <p:cSld>
-    <p:spTree>
-      <p:nvGrpSpPr>
-        <p:cNvPr id="1" name=""/>
-        <p:cNvGrpSpPr/>
-        <p:nvPr/>
-      </p:nvGrpSpPr>
-      <p:grpSpPr>
-        <a:xfrm>
-          <a:off x="0" y="0"/>
-          <a:ext cx="0" cy="0"/>
-          <a:chOff x="0" y="0"/>
-          <a:chExt cx="0" cy="0"/>
-        </a:xfrm>
-      </p:grpSpPr>
-      <p:sp>
-        <p:nvSpPr>
-          <p:cNvPr id="2" name="Title 1">
-            <a:extLst>
-              <a:ext uri="{FF2B5EF4-FFF2-40B4-BE49-F238E27FC236}">
-                <a16:creationId xmlns:a16="http://schemas.microsoft.com/office/drawing/2014/main" id="{6A22A7E4-5C91-4AE1-9A37-1DE12AC7695D}"/>
-              </a:ext>
-            </a:extLst>
-          </p:cNvPr>
-          <p:cNvSpPr>
-            <a:spLocks noGrp="1"/>
-          </p:cNvSpPr>
-          <p:nvPr>
-            <p:ph type="title"/>
-          </p:nvPr>
-        </p:nvSpPr>
-        <p:spPr>
-          <a:xfrm>
-            <a:off x="838200" y="365125"/>
-            <a:ext cx="10515600" cy="5647748"/>
-          </a:xfrm>
-        </p:spPr>
-        <p:txBody>
-          <a:bodyPr>
-            <a:normAutofit/>
-          </a:bodyPr>
-          <a:lstStyle/>
-          <a:p>
-            <a:pPr algn="ctr"/>
-            <a:r>
-              <a:rPr lang="en-US" sz="11500" dirty="0"/>
-              <a:t>Questions?</a:t>
-            </a:r>
-          </a:p>
-        </p:txBody>
-      </p:sp>
-    </p:spTree>
-    <p:extLst>
-      <p:ext uri="{BB962C8B-B14F-4D97-AF65-F5344CB8AC3E}">
-        <p14:creationId xmlns:p14="http://schemas.microsoft.com/office/powerpoint/2010/main" val="1512139714"/>
+        <p14:creationId xmlns:p14="http://schemas.microsoft.com/office/powerpoint/2010/main" val="2985570959"/>
       </p:ext>
     </p:extLst>
   </p:cSld>
@@ -9046,450 +8694,45 @@
       </p:grpSpPr>
       <p:sp>
         <p:nvSpPr>
-          <p:cNvPr id="24" name="TextBox 23"/>
-          <p:cNvSpPr txBox="1"/>
-          <p:nvPr/>
-        </p:nvSpPr>
-        <p:spPr>
-          <a:xfrm>
-            <a:off x="381000" y="243235"/>
-            <a:ext cx="6099463" cy="495905"/>
-          </a:xfrm>
-          <a:prstGeom prst="rect">
-            <a:avLst/>
-          </a:prstGeom>
-          <a:noFill/>
-        </p:spPr>
-        <p:txBody>
-          <a:bodyPr wrap="square" rtlCol="0">
-            <a:spAutoFit/>
-          </a:bodyPr>
-          <a:lstStyle/>
-          <a:p>
-            <a:pPr>
-              <a:lnSpc>
-                <a:spcPct val="80000"/>
-              </a:lnSpc>
-            </a:pPr>
-            <a:r>
-              <a:rPr lang="en-US" sz="3200" b="1" dirty="0">
-                <a:solidFill>
-                  <a:schemeClr val="accent1"/>
-                </a:solidFill>
-                <a:latin typeface="Lato Black" panose="020F0502020204030203" pitchFamily="34" charset="0"/>
-                <a:ea typeface="Lato Black" panose="020F0502020204030203" pitchFamily="34" charset="0"/>
-                <a:cs typeface="Lato Black" panose="020F0502020204030203" pitchFamily="34" charset="0"/>
-              </a:rPr>
-              <a:t>THE TEAM</a:t>
-            </a:r>
-          </a:p>
-        </p:txBody>
-      </p:sp>
-      <p:grpSp>
-        <p:nvGrpSpPr>
-          <p:cNvPr id="25" name="Group 24">
+          <p:cNvPr id="2" name="Title 1">
             <a:extLst>
-              <a:ext uri="{C183D7F6-B498-43B3-948B-1728B52AA6E4}">
-                <adec:decorative xmlns:adec="http://schemas.microsoft.com/office/drawing/2017/decorative" val="1"/>
+              <a:ext uri="{FF2B5EF4-FFF2-40B4-BE49-F238E27FC236}">
+                <a16:creationId xmlns:a16="http://schemas.microsoft.com/office/drawing/2014/main" id="{77786D41-2C4F-4825-A40F-AD753D613985}"/>
               </a:ext>
             </a:extLst>
           </p:cNvPr>
-          <p:cNvGrpSpPr/>
-          <p:nvPr/>
-        </p:nvGrpSpPr>
-        <p:grpSpPr>
-          <a:xfrm>
-            <a:off x="0" y="148425"/>
-            <a:ext cx="342900" cy="590715"/>
-            <a:chOff x="0" y="148425"/>
-            <a:chExt cx="342900" cy="590715"/>
-          </a:xfrm>
-        </p:grpSpPr>
-        <p:sp>
-          <p:nvSpPr>
-            <p:cNvPr id="26" name="Rectangle 25"/>
-            <p:cNvSpPr/>
-            <p:nvPr/>
-          </p:nvSpPr>
-          <p:spPr>
-            <a:xfrm>
-              <a:off x="0" y="148425"/>
-              <a:ext cx="213360" cy="590715"/>
-            </a:xfrm>
-            <a:prstGeom prst="rect">
-              <a:avLst/>
-            </a:prstGeom>
-            <a:solidFill>
-              <a:schemeClr val="tx2"/>
-            </a:solidFill>
-            <a:ln>
-              <a:noFill/>
-            </a:ln>
-          </p:spPr>
-          <p:style>
-            <a:lnRef idx="2">
-              <a:schemeClr val="accent1">
-                <a:shade val="50000"/>
-              </a:schemeClr>
-            </a:lnRef>
-            <a:fillRef idx="1">
-              <a:schemeClr val="accent1"/>
-            </a:fillRef>
-            <a:effectRef idx="0">
-              <a:schemeClr val="accent1"/>
-            </a:effectRef>
-            <a:fontRef idx="minor">
-              <a:schemeClr val="lt1"/>
-            </a:fontRef>
-          </p:style>
-          <p:txBody>
-            <a:bodyPr rtlCol="0" anchor="ctr"/>
-            <a:lstStyle/>
-            <a:p>
-              <a:pPr algn="ctr"/>
-              <a:endParaRPr lang="en-US" dirty="0"/>
-            </a:p>
-          </p:txBody>
-        </p:sp>
-        <p:sp>
-          <p:nvSpPr>
-            <p:cNvPr id="27" name="Rectangle 26"/>
-            <p:cNvSpPr/>
-            <p:nvPr/>
-          </p:nvSpPr>
-          <p:spPr>
-            <a:xfrm>
-              <a:off x="251460" y="148425"/>
-              <a:ext cx="91440" cy="590715"/>
-            </a:xfrm>
-            <a:prstGeom prst="rect">
-              <a:avLst/>
-            </a:prstGeom>
-            <a:solidFill>
-              <a:schemeClr val="accent1"/>
-            </a:solidFill>
-            <a:ln>
-              <a:noFill/>
-            </a:ln>
-          </p:spPr>
-          <p:style>
-            <a:lnRef idx="2">
-              <a:schemeClr val="accent1">
-                <a:shade val="50000"/>
-              </a:schemeClr>
-            </a:lnRef>
-            <a:fillRef idx="1">
-              <a:schemeClr val="accent1"/>
-            </a:fillRef>
-            <a:effectRef idx="0">
-              <a:schemeClr val="accent1"/>
-            </a:effectRef>
-            <a:fontRef idx="minor">
-              <a:schemeClr val="lt1"/>
-            </a:fontRef>
-          </p:style>
-          <p:txBody>
-            <a:bodyPr rtlCol="0" anchor="ctr"/>
-            <a:lstStyle/>
-            <a:p>
-              <a:pPr algn="ctr"/>
-              <a:endParaRPr lang="en-US" dirty="0"/>
-            </a:p>
-          </p:txBody>
-        </p:sp>
-      </p:grpSp>
-      <p:sp>
-        <p:nvSpPr>
-          <p:cNvPr id="36" name="TextBox 35"/>
-          <p:cNvSpPr txBox="1"/>
-          <p:nvPr/>
-        </p:nvSpPr>
-        <p:spPr>
-          <a:xfrm>
-            <a:off x="1288756" y="5181600"/>
-            <a:ext cx="1291764" cy="276999"/>
-          </a:xfrm>
-          <a:prstGeom prst="rect">
-            <a:avLst/>
-          </a:prstGeom>
-          <a:noFill/>
-        </p:spPr>
-        <p:txBody>
-          <a:bodyPr wrap="none" rtlCol="0">
-            <a:spAutoFit/>
+          <p:cNvSpPr>
+            <a:spLocks noGrp="1"/>
+          </p:cNvSpPr>
+          <p:nvPr>
+            <p:ph type="title"/>
+          </p:nvPr>
+        </p:nvSpPr>
+        <p:spPr>
+          <a:xfrm>
+            <a:off x="105295" y="1"/>
+            <a:ext cx="11953701" cy="725978"/>
+          </a:xfrm>
+        </p:spPr>
+        <p:txBody>
+          <a:bodyPr>
+            <a:normAutofit/>
           </a:bodyPr>
           <a:lstStyle/>
           <a:p>
-            <a:pPr algn="ctr"/>
-            <a:r>
-              <a:rPr lang="en-US" sz="1200" b="1" dirty="0">
-                <a:solidFill>
-                  <a:schemeClr val="accent1"/>
-                </a:solidFill>
-                <a:latin typeface="Lato Black" panose="020F0502020204030203" pitchFamily="34" charset="0"/>
-                <a:ea typeface="Lato Black" panose="020F0502020204030203" pitchFamily="34" charset="0"/>
-                <a:cs typeface="Lato Black" panose="020F0502020204030203" pitchFamily="34" charset="0"/>
-              </a:rPr>
-              <a:t>Group Member</a:t>
-            </a:r>
-          </a:p>
-        </p:txBody>
-      </p:sp>
-      <p:cxnSp>
-        <p:nvCxnSpPr>
-          <p:cNvPr id="38" name="Straight Connector 37">
-            <a:extLst>
-              <a:ext uri="{C183D7F6-B498-43B3-948B-1728B52AA6E4}">
-                <adec:decorative xmlns:adec="http://schemas.microsoft.com/office/drawing/2017/decorative" val="1"/>
-              </a:ext>
-            </a:extLst>
-          </p:cNvPr>
-          <p:cNvCxnSpPr/>
-          <p:nvPr/>
-        </p:nvCxnSpPr>
-        <p:spPr>
-          <a:xfrm>
-            <a:off x="1124681" y="5455919"/>
-            <a:ext cx="1619915" cy="0"/>
-          </a:xfrm>
-          <a:prstGeom prst="line">
-            <a:avLst/>
-          </a:prstGeom>
-        </p:spPr>
-        <p:style>
-          <a:lnRef idx="1">
-            <a:schemeClr val="accent1"/>
-          </a:lnRef>
-          <a:fillRef idx="0">
-            <a:schemeClr val="accent1"/>
-          </a:fillRef>
-          <a:effectRef idx="0">
-            <a:schemeClr val="accent1"/>
-          </a:effectRef>
-          <a:fontRef idx="minor">
-            <a:schemeClr val="tx1"/>
-          </a:fontRef>
-        </p:style>
-      </p:cxnSp>
-      <p:sp>
-        <p:nvSpPr>
-          <p:cNvPr id="37" name="TextBox 36"/>
-          <p:cNvSpPr txBox="1"/>
-          <p:nvPr/>
-        </p:nvSpPr>
-        <p:spPr>
-          <a:xfrm>
-            <a:off x="1145800" y="5430633"/>
-            <a:ext cx="1577676" cy="338554"/>
-          </a:xfrm>
-          <a:prstGeom prst="rect">
-            <a:avLst/>
-          </a:prstGeom>
-          <a:noFill/>
-        </p:spPr>
-        <p:txBody>
-          <a:bodyPr wrap="none" rtlCol="0">
-            <a:spAutoFit/>
-          </a:bodyPr>
-          <a:lstStyle/>
-          <a:p>
-            <a:pPr algn="ctr"/>
-            <a:r>
-              <a:rPr lang="en-US" sz="1600" b="1" dirty="0">
-                <a:solidFill>
-                  <a:schemeClr val="tx2"/>
-                </a:solidFill>
-                <a:latin typeface="Lato" panose="020F0502020204030203" pitchFamily="34" charset="0"/>
-                <a:ea typeface="Lato" panose="020F0502020204030203" pitchFamily="34" charset="0"/>
-                <a:cs typeface="Lato" panose="020F0502020204030203" pitchFamily="34" charset="0"/>
-              </a:rPr>
-              <a:t>Charles </a:t>
-            </a:r>
-            <a:r>
-              <a:rPr lang="en-US" sz="1600" b="1" dirty="0" err="1">
-                <a:solidFill>
-                  <a:schemeClr val="tx2"/>
-                </a:solidFill>
-                <a:latin typeface="Lato" panose="020F0502020204030203" pitchFamily="34" charset="0"/>
-                <a:ea typeface="Lato" panose="020F0502020204030203" pitchFamily="34" charset="0"/>
-                <a:cs typeface="Lato" panose="020F0502020204030203" pitchFamily="34" charset="0"/>
-              </a:rPr>
-              <a:t>Biggar</a:t>
-            </a:r>
-            <a:endParaRPr lang="en-US" sz="1600" b="1" dirty="0">
-              <a:solidFill>
-                <a:schemeClr val="tx2"/>
-              </a:solidFill>
-              <a:latin typeface="Lato" panose="020F0502020204030203" pitchFamily="34" charset="0"/>
-              <a:ea typeface="Lato" panose="020F0502020204030203" pitchFamily="34" charset="0"/>
-              <a:cs typeface="Lato" panose="020F0502020204030203" pitchFamily="34" charset="0"/>
-            </a:endParaRPr>
-          </a:p>
-        </p:txBody>
-      </p:sp>
-      <p:sp>
-        <p:nvSpPr>
-          <p:cNvPr id="40" name="TextBox 39"/>
-          <p:cNvSpPr txBox="1"/>
-          <p:nvPr/>
-        </p:nvSpPr>
-        <p:spPr>
-          <a:xfrm>
-            <a:off x="4138094" y="5181600"/>
-            <a:ext cx="1291764" cy="276999"/>
-          </a:xfrm>
-          <a:prstGeom prst="rect">
-            <a:avLst/>
-          </a:prstGeom>
-          <a:noFill/>
-        </p:spPr>
-        <p:txBody>
-          <a:bodyPr wrap="none" rtlCol="0">
-            <a:spAutoFit/>
-          </a:bodyPr>
-          <a:lstStyle/>
-          <a:p>
-            <a:pPr algn="ctr"/>
-            <a:r>
-              <a:rPr lang="en-US" sz="1200" b="1" dirty="0">
-                <a:solidFill>
-                  <a:schemeClr val="accent1"/>
-                </a:solidFill>
-                <a:latin typeface="Lato Black" panose="020F0502020204030203" pitchFamily="34" charset="0"/>
-                <a:ea typeface="Lato Black" panose="020F0502020204030203" pitchFamily="34" charset="0"/>
-                <a:cs typeface="Lato Black" panose="020F0502020204030203" pitchFamily="34" charset="0"/>
-              </a:rPr>
-              <a:t>Group Member</a:t>
-            </a:r>
-          </a:p>
-        </p:txBody>
-      </p:sp>
-      <p:cxnSp>
-        <p:nvCxnSpPr>
-          <p:cNvPr id="42" name="Straight Connector 41">
-            <a:extLst>
-              <a:ext uri="{C183D7F6-B498-43B3-948B-1728B52AA6E4}">
-                <adec:decorative xmlns:adec="http://schemas.microsoft.com/office/drawing/2017/decorative" val="1"/>
-              </a:ext>
-            </a:extLst>
-          </p:cNvPr>
-          <p:cNvCxnSpPr/>
-          <p:nvPr/>
-        </p:nvCxnSpPr>
-        <p:spPr>
-          <a:xfrm>
-            <a:off x="3974019" y="5455919"/>
-            <a:ext cx="1619915" cy="0"/>
-          </a:xfrm>
-          <a:prstGeom prst="line">
-            <a:avLst/>
-          </a:prstGeom>
-        </p:spPr>
-        <p:style>
-          <a:lnRef idx="1">
-            <a:schemeClr val="accent1"/>
-          </a:lnRef>
-          <a:fillRef idx="0">
-            <a:schemeClr val="accent1"/>
-          </a:fillRef>
-          <a:effectRef idx="0">
-            <a:schemeClr val="accent1"/>
-          </a:effectRef>
-          <a:fontRef idx="minor">
-            <a:schemeClr val="tx1"/>
-          </a:fontRef>
-        </p:style>
-      </p:cxnSp>
-      <p:sp>
-        <p:nvSpPr>
-          <p:cNvPr id="41" name="TextBox 40"/>
-          <p:cNvSpPr txBox="1"/>
-          <p:nvPr/>
-        </p:nvSpPr>
-        <p:spPr>
-          <a:xfrm>
-            <a:off x="4100936" y="5430633"/>
-            <a:ext cx="1366080" cy="338554"/>
-          </a:xfrm>
-          <a:prstGeom prst="rect">
-            <a:avLst/>
-          </a:prstGeom>
-          <a:noFill/>
-        </p:spPr>
-        <p:txBody>
-          <a:bodyPr wrap="none" rtlCol="0">
-            <a:spAutoFit/>
-          </a:bodyPr>
-          <a:lstStyle/>
-          <a:p>
-            <a:pPr algn="ctr"/>
-            <a:r>
-              <a:rPr lang="en-US" sz="1600" b="1" dirty="0">
-                <a:solidFill>
-                  <a:schemeClr val="tx2"/>
-                </a:solidFill>
-                <a:latin typeface="Lato" panose="020F0502020204030203" pitchFamily="34" charset="0"/>
-                <a:ea typeface="Lato" panose="020F0502020204030203" pitchFamily="34" charset="0"/>
-                <a:cs typeface="Lato" panose="020F0502020204030203" pitchFamily="34" charset="0"/>
-              </a:rPr>
-              <a:t>Don </a:t>
-            </a:r>
-            <a:r>
-              <a:rPr lang="en-US" sz="1600" b="1" dirty="0" err="1">
-                <a:solidFill>
-                  <a:schemeClr val="tx2"/>
-                </a:solidFill>
-                <a:latin typeface="Lato" panose="020F0502020204030203" pitchFamily="34" charset="0"/>
-                <a:ea typeface="Lato" panose="020F0502020204030203" pitchFamily="34" charset="0"/>
-                <a:cs typeface="Lato" panose="020F0502020204030203" pitchFamily="34" charset="0"/>
-              </a:rPr>
-              <a:t>Leshem</a:t>
-            </a:r>
-            <a:endParaRPr lang="en-US" sz="1600" b="1" dirty="0">
-              <a:solidFill>
-                <a:schemeClr val="tx2"/>
-              </a:solidFill>
-              <a:latin typeface="Lato" panose="020F0502020204030203" pitchFamily="34" charset="0"/>
-              <a:ea typeface="Lato" panose="020F0502020204030203" pitchFamily="34" charset="0"/>
-              <a:cs typeface="Lato" panose="020F0502020204030203" pitchFamily="34" charset="0"/>
-            </a:endParaRPr>
-          </a:p>
-        </p:txBody>
-      </p:sp>
-      <p:sp>
-        <p:nvSpPr>
-          <p:cNvPr id="2" name="Title 1" hidden="1">
+            <a:r>
+              <a:rPr lang="en-US" dirty="0"/>
+              <a:t>Funding by Year – East Coast vs. West Coast</a:t>
+            </a:r>
+          </a:p>
+        </p:txBody>
+      </p:sp>
+      <p:sp>
+        <p:nvSpPr>
+          <p:cNvPr id="5" name="TextBox 4">
             <a:extLst>
               <a:ext uri="{FF2B5EF4-FFF2-40B4-BE49-F238E27FC236}">
-                <a16:creationId xmlns:a16="http://schemas.microsoft.com/office/drawing/2014/main" id="{049816CA-D25A-4DA3-944B-4F935E1EC6A5}"/>
-              </a:ext>
-            </a:extLst>
-          </p:cNvPr>
-          <p:cNvSpPr>
-            <a:spLocks noGrp="1"/>
-          </p:cNvSpPr>
-          <p:nvPr>
-            <p:ph type="title"/>
-          </p:nvPr>
-        </p:nvSpPr>
-        <p:spPr/>
-        <p:txBody>
-          <a:bodyPr/>
-          <a:lstStyle/>
-          <a:p>
-            <a:r>
-              <a:rPr lang="en-US" dirty="0"/>
-              <a:t>Slide 10</a:t>
-            </a:r>
-          </a:p>
-        </p:txBody>
-      </p:sp>
-      <p:sp>
-        <p:nvSpPr>
-          <p:cNvPr id="34" name="TextBox 33">
-            <a:extLst>
-              <a:ext uri="{FF2B5EF4-FFF2-40B4-BE49-F238E27FC236}">
-                <a16:creationId xmlns:a16="http://schemas.microsoft.com/office/drawing/2014/main" id="{72D3F340-BF1F-4FC5-9737-A64F715762E6}"/>
+                <a16:creationId xmlns:a16="http://schemas.microsoft.com/office/drawing/2014/main" id="{38646FDE-551E-4DA1-84EE-63E48DC47D4A}"/>
               </a:ext>
             </a:extLst>
           </p:cNvPr>
@@ -9498,8 +8741,8 @@
         </p:nvSpPr>
         <p:spPr>
           <a:xfrm>
-            <a:off x="7075254" y="5181600"/>
-            <a:ext cx="1291764" cy="276999"/>
+            <a:off x="555147" y="1309245"/>
+            <a:ext cx="4580378" cy="1200329"/>
           </a:xfrm>
           <a:prstGeom prst="rect">
             <a:avLst/>
@@ -9507,1598 +8750,31 @@
           <a:noFill/>
         </p:spPr>
         <p:txBody>
-          <a:bodyPr wrap="none" rtlCol="0">
-            <a:spAutoFit/>
-          </a:bodyPr>
-          <a:lstStyle/>
-          <a:p>
-            <a:pPr algn="ctr"/>
-            <a:r>
-              <a:rPr lang="en-US" sz="1200" b="1" dirty="0">
-                <a:solidFill>
-                  <a:schemeClr val="accent1"/>
-                </a:solidFill>
-                <a:latin typeface="Lato Black" panose="020F0502020204030203" pitchFamily="34" charset="0"/>
-                <a:ea typeface="Lato Black" panose="020F0502020204030203" pitchFamily="34" charset="0"/>
-                <a:cs typeface="Lato Black" panose="020F0502020204030203" pitchFamily="34" charset="0"/>
-              </a:rPr>
-              <a:t>Group Member</a:t>
-            </a:r>
-          </a:p>
-        </p:txBody>
-      </p:sp>
-      <p:cxnSp>
-        <p:nvCxnSpPr>
-          <p:cNvPr id="35" name="Straight Connector 34">
-            <a:extLst>
-              <a:ext uri="{FF2B5EF4-FFF2-40B4-BE49-F238E27FC236}">
-                <a16:creationId xmlns:a16="http://schemas.microsoft.com/office/drawing/2014/main" id="{ECA6E5BB-4AC5-41AA-A278-4DCD975C6B60}"/>
-              </a:ext>
-              <a:ext uri="{C183D7F6-B498-43B3-948B-1728B52AA6E4}">
-                <adec:decorative xmlns:adec="http://schemas.microsoft.com/office/drawing/2017/decorative" val="1"/>
-              </a:ext>
-            </a:extLst>
-          </p:cNvPr>
-          <p:cNvCxnSpPr/>
-          <p:nvPr/>
-        </p:nvCxnSpPr>
-        <p:spPr>
-          <a:xfrm>
-            <a:off x="6911179" y="5455919"/>
-            <a:ext cx="1619915" cy="0"/>
-          </a:xfrm>
-          <a:prstGeom prst="line">
-            <a:avLst/>
-          </a:prstGeom>
-        </p:spPr>
-        <p:style>
-          <a:lnRef idx="1">
-            <a:schemeClr val="accent1"/>
-          </a:lnRef>
-          <a:fillRef idx="0">
-            <a:schemeClr val="accent1"/>
-          </a:fillRef>
-          <a:effectRef idx="0">
-            <a:schemeClr val="accent1"/>
-          </a:effectRef>
-          <a:fontRef idx="minor">
-            <a:schemeClr val="tx1"/>
-          </a:fontRef>
-        </p:style>
-      </p:cxnSp>
-      <p:sp>
-        <p:nvSpPr>
-          <p:cNvPr id="39" name="TextBox 38">
-            <a:extLst>
-              <a:ext uri="{FF2B5EF4-FFF2-40B4-BE49-F238E27FC236}">
-                <a16:creationId xmlns:a16="http://schemas.microsoft.com/office/drawing/2014/main" id="{CD0BC9E5-1148-4484-96E0-FB0D901E1585}"/>
-              </a:ext>
-            </a:extLst>
-          </p:cNvPr>
-          <p:cNvSpPr txBox="1"/>
-          <p:nvPr/>
-        </p:nvSpPr>
-        <p:spPr>
-          <a:xfrm>
-            <a:off x="7058551" y="5430633"/>
-            <a:ext cx="1325171" cy="338554"/>
-          </a:xfrm>
-          <a:prstGeom prst="rect">
-            <a:avLst/>
-          </a:prstGeom>
-          <a:noFill/>
-        </p:spPr>
-        <p:txBody>
-          <a:bodyPr wrap="none" rtlCol="0">
-            <a:spAutoFit/>
-          </a:bodyPr>
-          <a:lstStyle/>
-          <a:p>
-            <a:pPr algn="ctr"/>
-            <a:r>
-              <a:rPr lang="en-US" sz="1600" b="1" dirty="0">
-                <a:solidFill>
-                  <a:schemeClr val="tx2"/>
-                </a:solidFill>
-                <a:latin typeface="Lato" panose="020F0502020204030203" pitchFamily="34" charset="0"/>
-                <a:ea typeface="Lato" panose="020F0502020204030203" pitchFamily="34" charset="0"/>
-                <a:cs typeface="Lato" panose="020F0502020204030203" pitchFamily="34" charset="0"/>
-              </a:rPr>
-              <a:t>Drew Seelig</a:t>
-            </a:r>
-          </a:p>
-        </p:txBody>
-      </p:sp>
-      <p:sp>
-        <p:nvSpPr>
-          <p:cNvPr id="46" name="TextBox 45">
-            <a:extLst>
-              <a:ext uri="{FF2B5EF4-FFF2-40B4-BE49-F238E27FC236}">
-                <a16:creationId xmlns:a16="http://schemas.microsoft.com/office/drawing/2014/main" id="{C830E957-36A4-42D7-A75D-E698EA5B57DF}"/>
-              </a:ext>
-            </a:extLst>
-          </p:cNvPr>
-          <p:cNvSpPr txBox="1"/>
-          <p:nvPr/>
-        </p:nvSpPr>
-        <p:spPr>
-          <a:xfrm>
-            <a:off x="10132148" y="5181600"/>
-            <a:ext cx="949876" cy="276999"/>
-          </a:xfrm>
-          <a:prstGeom prst="rect">
-            <a:avLst/>
-          </a:prstGeom>
-          <a:noFill/>
-        </p:spPr>
-        <p:txBody>
-          <a:bodyPr wrap="none" rtlCol="0">
-            <a:spAutoFit/>
-          </a:bodyPr>
-          <a:lstStyle/>
-          <a:p>
-            <a:pPr algn="ctr"/>
-            <a:r>
-              <a:rPr lang="en-US" sz="1200" b="1" dirty="0">
-                <a:solidFill>
-                  <a:schemeClr val="accent1"/>
-                </a:solidFill>
-                <a:latin typeface="Lato Black" panose="020F0502020204030203" pitchFamily="34" charset="0"/>
-                <a:ea typeface="Lato Black" panose="020F0502020204030203" pitchFamily="34" charset="0"/>
-                <a:cs typeface="Lato Black" panose="020F0502020204030203" pitchFamily="34" charset="0"/>
-              </a:rPr>
-              <a:t>Team Lead</a:t>
-            </a:r>
-          </a:p>
-        </p:txBody>
-      </p:sp>
-      <p:cxnSp>
-        <p:nvCxnSpPr>
-          <p:cNvPr id="47" name="Straight Connector 46">
-            <a:extLst>
-              <a:ext uri="{FF2B5EF4-FFF2-40B4-BE49-F238E27FC236}">
-                <a16:creationId xmlns:a16="http://schemas.microsoft.com/office/drawing/2014/main" id="{18431808-2743-42AE-8F3A-67EAB41896A2}"/>
-              </a:ext>
-              <a:ext uri="{C183D7F6-B498-43B3-948B-1728B52AA6E4}">
-                <adec:decorative xmlns:adec="http://schemas.microsoft.com/office/drawing/2017/decorative" val="1"/>
-              </a:ext>
-            </a:extLst>
-          </p:cNvPr>
-          <p:cNvCxnSpPr/>
-          <p:nvPr/>
-        </p:nvCxnSpPr>
-        <p:spPr>
-          <a:xfrm>
-            <a:off x="9797129" y="5455919"/>
-            <a:ext cx="1619915" cy="0"/>
-          </a:xfrm>
-          <a:prstGeom prst="line">
-            <a:avLst/>
-          </a:prstGeom>
-        </p:spPr>
-        <p:style>
-          <a:lnRef idx="1">
-            <a:schemeClr val="accent1"/>
-          </a:lnRef>
-          <a:fillRef idx="0">
-            <a:schemeClr val="accent1"/>
-          </a:fillRef>
-          <a:effectRef idx="0">
-            <a:schemeClr val="accent1"/>
-          </a:effectRef>
-          <a:fontRef idx="minor">
-            <a:schemeClr val="tx1"/>
-          </a:fontRef>
-        </p:style>
-      </p:cxnSp>
-      <p:sp>
-        <p:nvSpPr>
-          <p:cNvPr id="48" name="TextBox 47">
-            <a:extLst>
-              <a:ext uri="{FF2B5EF4-FFF2-40B4-BE49-F238E27FC236}">
-                <a16:creationId xmlns:a16="http://schemas.microsoft.com/office/drawing/2014/main" id="{E8FDA6B6-B815-4DB0-8C2C-076741F694FD}"/>
-              </a:ext>
-            </a:extLst>
-          </p:cNvPr>
-          <p:cNvSpPr txBox="1"/>
-          <p:nvPr/>
-        </p:nvSpPr>
-        <p:spPr>
-          <a:xfrm>
-            <a:off x="9908433" y="5430633"/>
-            <a:ext cx="1397306" cy="338554"/>
-          </a:xfrm>
-          <a:prstGeom prst="rect">
-            <a:avLst/>
-          </a:prstGeom>
-          <a:noFill/>
-        </p:spPr>
-        <p:txBody>
-          <a:bodyPr wrap="none" rtlCol="0">
-            <a:spAutoFit/>
-          </a:bodyPr>
-          <a:lstStyle/>
-          <a:p>
-            <a:pPr algn="ctr"/>
-            <a:r>
-              <a:rPr lang="en-US" sz="1600" b="1" dirty="0">
-                <a:solidFill>
-                  <a:schemeClr val="tx2"/>
-                </a:solidFill>
-                <a:latin typeface="Lato" panose="020F0502020204030203" pitchFamily="34" charset="0"/>
-                <a:ea typeface="Lato" panose="020F0502020204030203" pitchFamily="34" charset="0"/>
-                <a:cs typeface="Lato" panose="020F0502020204030203" pitchFamily="34" charset="0"/>
-              </a:rPr>
-              <a:t>Omar </a:t>
-            </a:r>
-            <a:r>
-              <a:rPr lang="en-US" sz="1600" b="1" dirty="0" err="1">
-                <a:solidFill>
-                  <a:schemeClr val="tx2"/>
-                </a:solidFill>
-                <a:latin typeface="Lato" panose="020F0502020204030203" pitchFamily="34" charset="0"/>
-                <a:ea typeface="Lato" panose="020F0502020204030203" pitchFamily="34" charset="0"/>
-                <a:cs typeface="Lato" panose="020F0502020204030203" pitchFamily="34" charset="0"/>
-              </a:rPr>
-              <a:t>Eltorai</a:t>
-            </a:r>
-            <a:endParaRPr lang="en-US" sz="1600" b="1" dirty="0">
-              <a:solidFill>
-                <a:schemeClr val="tx2"/>
-              </a:solidFill>
-              <a:latin typeface="Lato" panose="020F0502020204030203" pitchFamily="34" charset="0"/>
-              <a:ea typeface="Lato" panose="020F0502020204030203" pitchFamily="34" charset="0"/>
-              <a:cs typeface="Lato" panose="020F0502020204030203" pitchFamily="34" charset="0"/>
-            </a:endParaRPr>
-          </a:p>
-        </p:txBody>
-      </p:sp>
-      <p:pic>
-        <p:nvPicPr>
-          <p:cNvPr id="7" name="Picture 6">
-            <a:extLst>
-              <a:ext uri="{FF2B5EF4-FFF2-40B4-BE49-F238E27FC236}">
-                <a16:creationId xmlns:a16="http://schemas.microsoft.com/office/drawing/2014/main" id="{81501F8C-7F79-4BA4-91CD-B8C38E6E015C}"/>
-              </a:ext>
-            </a:extLst>
-          </p:cNvPr>
-          <p:cNvPicPr>
-            <a:picLocks noChangeAspect="1"/>
-          </p:cNvPicPr>
-          <p:nvPr/>
-        </p:nvPicPr>
-        <p:blipFill>
-          <a:blip r:embed="rId3"/>
-          <a:stretch>
-            <a:fillRect/>
-          </a:stretch>
-        </p:blipFill>
-        <p:spPr>
-          <a:xfrm>
-            <a:off x="6643082" y="2261083"/>
-            <a:ext cx="2156108" cy="2201236"/>
-          </a:xfrm>
-          <a:prstGeom prst="ellipse">
-            <a:avLst/>
-          </a:prstGeom>
-          <a:ln w="190500" cap="rnd">
-            <a:solidFill>
-              <a:schemeClr val="accent1"/>
-            </a:solidFill>
-            <a:prstDash val="solid"/>
-          </a:ln>
-          <a:effectLst>
-            <a:outerShdw blurRad="127000" algn="bl" rotWithShape="0">
-              <a:srgbClr val="000000"/>
-            </a:outerShdw>
-          </a:effectLst>
-          <a:scene3d>
-            <a:camera prst="perspectiveFront" fov="5400000"/>
-            <a:lightRig rig="threePt" dir="t">
-              <a:rot lat="0" lon="0" rev="19200000"/>
-            </a:lightRig>
-          </a:scene3d>
-          <a:sp3d extrusionH="25400">
-            <a:bevelT w="304800" h="152400" prst="hardEdge"/>
-            <a:extrusionClr>
-              <a:srgbClr val="000000"/>
-            </a:extrusionClr>
-          </a:sp3d>
-        </p:spPr>
-      </p:pic>
-      <p:pic>
-        <p:nvPicPr>
-          <p:cNvPr id="1026" name="Picture 2" descr="Don Leshem">
-            <a:extLst>
-              <a:ext uri="{FF2B5EF4-FFF2-40B4-BE49-F238E27FC236}">
-                <a16:creationId xmlns:a16="http://schemas.microsoft.com/office/drawing/2014/main" id="{3E6FD32C-D292-4E89-B73A-A9B2577CFC04}"/>
-              </a:ext>
-            </a:extLst>
-          </p:cNvPr>
-          <p:cNvPicPr>
-            <a:picLocks noChangeAspect="1" noChangeArrowheads="1"/>
-          </p:cNvPicPr>
-          <p:nvPr/>
-        </p:nvPicPr>
-        <p:blipFill>
-          <a:blip r:embed="rId4">
-            <a:extLst>
-              <a:ext uri="{28A0092B-C50C-407E-A947-70E740481C1C}">
-                <a14:useLocalDpi xmlns:a14="http://schemas.microsoft.com/office/drawing/2010/main" val="0"/>
-              </a:ext>
-            </a:extLst>
-          </a:blip>
-          <a:srcRect/>
-          <a:stretch>
-            <a:fillRect/>
-          </a:stretch>
-        </p:blipFill>
-        <p:spPr bwMode="auto">
-          <a:xfrm>
-            <a:off x="3705922" y="2283647"/>
-            <a:ext cx="2156108" cy="2156108"/>
-          </a:xfrm>
-          <a:prstGeom prst="ellipse">
-            <a:avLst/>
-          </a:prstGeom>
-          <a:ln w="190500" cap="rnd">
-            <a:solidFill>
-              <a:schemeClr val="accent1"/>
-            </a:solidFill>
-            <a:prstDash val="solid"/>
-          </a:ln>
-          <a:effectLst>
-            <a:outerShdw blurRad="127000" algn="bl" rotWithShape="0">
-              <a:srgbClr val="000000"/>
-            </a:outerShdw>
-          </a:effectLst>
-          <a:scene3d>
-            <a:camera prst="perspectiveFront" fov="5400000"/>
-            <a:lightRig rig="threePt" dir="t">
-              <a:rot lat="0" lon="0" rev="19200000"/>
-            </a:lightRig>
-          </a:scene3d>
-          <a:sp3d extrusionH="25400">
-            <a:bevelT w="304800" h="152400" prst="hardEdge"/>
-            <a:extrusionClr>
-              <a:srgbClr val="000000"/>
-            </a:extrusionClr>
-          </a:sp3d>
-          <a:extLst>
-            <a:ext uri="{909E8E84-426E-40DD-AFC4-6F175D3DCCD1}">
-              <a14:hiddenFill xmlns:a14="http://schemas.microsoft.com/office/drawing/2010/main">
-                <a:solidFill>
-                  <a:srgbClr val="FFFFFF"/>
-                </a:solidFill>
-              </a14:hiddenFill>
-            </a:ext>
-          </a:extLst>
-        </p:spPr>
-      </p:pic>
-      <p:pic>
-        <p:nvPicPr>
-          <p:cNvPr id="1028" name="Picture 4" descr="Charles Biggar">
-            <a:extLst>
-              <a:ext uri="{FF2B5EF4-FFF2-40B4-BE49-F238E27FC236}">
-                <a16:creationId xmlns:a16="http://schemas.microsoft.com/office/drawing/2014/main" id="{E755B987-FD25-455F-9B57-05B14D6D64AE}"/>
-              </a:ext>
-            </a:extLst>
-          </p:cNvPr>
-          <p:cNvPicPr>
-            <a:picLocks noChangeAspect="1" noChangeArrowheads="1"/>
-          </p:cNvPicPr>
-          <p:nvPr/>
-        </p:nvPicPr>
-        <p:blipFill>
-          <a:blip r:embed="rId5">
-            <a:extLst>
-              <a:ext uri="{28A0092B-C50C-407E-A947-70E740481C1C}">
-                <a14:useLocalDpi xmlns:a14="http://schemas.microsoft.com/office/drawing/2010/main" val="0"/>
-              </a:ext>
-            </a:extLst>
-          </a:blip>
-          <a:srcRect/>
-          <a:stretch>
-            <a:fillRect/>
-          </a:stretch>
-        </p:blipFill>
-        <p:spPr bwMode="auto">
-          <a:xfrm>
-            <a:off x="848590" y="2275653"/>
-            <a:ext cx="2172096" cy="2172096"/>
-          </a:xfrm>
-          <a:prstGeom prst="ellipse">
-            <a:avLst/>
-          </a:prstGeom>
-          <a:ln w="190500" cap="rnd">
-            <a:solidFill>
-              <a:schemeClr val="accent1"/>
-            </a:solidFill>
-            <a:prstDash val="solid"/>
-          </a:ln>
-          <a:effectLst>
-            <a:outerShdw blurRad="127000" algn="bl" rotWithShape="0">
-              <a:srgbClr val="000000"/>
-            </a:outerShdw>
-          </a:effectLst>
-          <a:scene3d>
-            <a:camera prst="perspectiveFront" fov="5400000"/>
-            <a:lightRig rig="threePt" dir="t">
-              <a:rot lat="0" lon="0" rev="19200000"/>
-            </a:lightRig>
-          </a:scene3d>
-          <a:sp3d extrusionH="25400">
-            <a:bevelT w="304800" h="152400" prst="hardEdge"/>
-            <a:extrusionClr>
-              <a:srgbClr val="000000"/>
-            </a:extrusionClr>
-          </a:sp3d>
-          <a:extLst>
-            <a:ext uri="{909E8E84-426E-40DD-AFC4-6F175D3DCCD1}">
-              <a14:hiddenFill xmlns:a14="http://schemas.microsoft.com/office/drawing/2010/main">
-                <a:solidFill>
-                  <a:srgbClr val="FFFFFF"/>
-                </a:solidFill>
-              </a14:hiddenFill>
-            </a:ext>
-          </a:extLst>
-        </p:spPr>
-      </p:pic>
-      <p:pic>
-        <p:nvPicPr>
-          <p:cNvPr id="1030" name="Picture 6" descr="Omar Eltorai">
-            <a:extLst>
-              <a:ext uri="{FF2B5EF4-FFF2-40B4-BE49-F238E27FC236}">
-                <a16:creationId xmlns:a16="http://schemas.microsoft.com/office/drawing/2014/main" id="{6023ECB1-B9C5-411A-88F1-D70A7CF7064A}"/>
-              </a:ext>
-            </a:extLst>
-          </p:cNvPr>
-          <p:cNvPicPr>
-            <a:picLocks noChangeAspect="1" noChangeArrowheads="1"/>
-          </p:cNvPicPr>
-          <p:nvPr/>
-        </p:nvPicPr>
-        <p:blipFill>
-          <a:blip r:embed="rId6">
-            <a:extLst>
-              <a:ext uri="{28A0092B-C50C-407E-A947-70E740481C1C}">
-                <a14:useLocalDpi xmlns:a14="http://schemas.microsoft.com/office/drawing/2010/main" val="0"/>
-              </a:ext>
-            </a:extLst>
-          </a:blip>
-          <a:srcRect/>
-          <a:stretch>
-            <a:fillRect/>
-          </a:stretch>
-        </p:blipFill>
-        <p:spPr bwMode="auto">
-          <a:xfrm>
-            <a:off x="9501052" y="2255667"/>
-            <a:ext cx="2212069" cy="2212069"/>
-          </a:xfrm>
-          <a:prstGeom prst="ellipse">
-            <a:avLst/>
-          </a:prstGeom>
-          <a:ln w="190500" cap="rnd">
-            <a:solidFill>
-              <a:schemeClr val="accent1"/>
-            </a:solidFill>
-            <a:prstDash val="solid"/>
-          </a:ln>
-          <a:effectLst>
-            <a:outerShdw blurRad="127000" algn="bl" rotWithShape="0">
-              <a:srgbClr val="000000"/>
-            </a:outerShdw>
-          </a:effectLst>
-          <a:scene3d>
-            <a:camera prst="perspectiveFront" fov="5400000"/>
-            <a:lightRig rig="threePt" dir="t">
-              <a:rot lat="0" lon="0" rev="19200000"/>
-            </a:lightRig>
-          </a:scene3d>
-          <a:sp3d extrusionH="25400">
-            <a:bevelT w="304800" h="152400" prst="hardEdge"/>
-            <a:extrusionClr>
-              <a:srgbClr val="000000"/>
-            </a:extrusionClr>
-          </a:sp3d>
-          <a:extLst>
-            <a:ext uri="{909E8E84-426E-40DD-AFC4-6F175D3DCCD1}">
-              <a14:hiddenFill xmlns:a14="http://schemas.microsoft.com/office/drawing/2010/main">
-                <a:solidFill>
-                  <a:srgbClr val="FFFFFF"/>
-                </a:solidFill>
-              </a14:hiddenFill>
-            </a:ext>
-          </a:extLst>
-        </p:spPr>
-      </p:pic>
-    </p:spTree>
-    <p:extLst>
-      <p:ext uri="{BB962C8B-B14F-4D97-AF65-F5344CB8AC3E}">
-        <p14:creationId xmlns:p14="http://schemas.microsoft.com/office/powerpoint/2010/main" val="2471180125"/>
-      </p:ext>
-    </p:extLst>
-  </p:cSld>
-  <p:clrMapOvr>
-    <a:masterClrMapping/>
-  </p:clrMapOvr>
-  <p:transition spd="slow">
-    <p:push dir="u"/>
-  </p:transition>
-  <p:timing>
-    <p:tnLst>
-      <p:par>
-        <p:cTn id="1" dur="indefinite" restart="never" nodeType="tmRoot">
-          <p:childTnLst>
-            <p:seq concurrent="1" nextAc="seek">
-              <p:cTn id="2" dur="indefinite" nodeType="mainSeq">
-                <p:childTnLst>
-                  <p:par>
-                    <p:cTn id="3" fill="hold">
-                      <p:stCondLst>
-                        <p:cond delay="indefinite"/>
-                        <p:cond evt="onBegin" delay="0">
-                          <p:tn val="2"/>
-                        </p:cond>
-                      </p:stCondLst>
-                      <p:childTnLst>
-                        <p:par>
-                          <p:cTn id="4" fill="hold">
-                            <p:stCondLst>
-                              <p:cond delay="0"/>
-                            </p:stCondLst>
-                            <p:childTnLst>
-                              <p:par>
-                                <p:cTn id="5" presetID="10" presetClass="entr" presetSubtype="0" fill="hold" grpId="0" nodeType="withEffect">
-                                  <p:stCondLst>
-                                    <p:cond delay="0"/>
-                                  </p:stCondLst>
-                                  <p:childTnLst>
-                                    <p:set>
-                                      <p:cBhvr>
-                                        <p:cTn id="6" dur="1" fill="hold">
-                                          <p:stCondLst>
-                                            <p:cond delay="0"/>
-                                          </p:stCondLst>
-                                        </p:cTn>
-                                        <p:tgtEl>
-                                          <p:spTgt spid="24"/>
-                                        </p:tgtEl>
-                                        <p:attrNameLst>
-                                          <p:attrName>style.visibility</p:attrName>
-                                        </p:attrNameLst>
-                                      </p:cBhvr>
-                                      <p:to>
-                                        <p:strVal val="visible"/>
-                                      </p:to>
-                                    </p:set>
-                                    <p:animEffect transition="in" filter="fade">
-                                      <p:cBhvr>
-                                        <p:cTn id="7" dur="500"/>
-                                        <p:tgtEl>
-                                          <p:spTgt spid="24"/>
-                                        </p:tgtEl>
-                                      </p:cBhvr>
-                                    </p:animEffect>
-                                  </p:childTnLst>
-                                </p:cTn>
-                              </p:par>
-                            </p:childTnLst>
-                          </p:cTn>
-                        </p:par>
-                        <p:par>
-                          <p:cTn id="8" fill="hold">
-                            <p:stCondLst>
-                              <p:cond delay="500"/>
-                            </p:stCondLst>
-                            <p:childTnLst>
-                              <p:par>
-                                <p:cTn id="9" presetID="10" presetClass="entr" presetSubtype="0" fill="hold" grpId="0" nodeType="afterEffect">
-                                  <p:stCondLst>
-                                    <p:cond delay="0"/>
-                                  </p:stCondLst>
-                                  <p:childTnLst>
-                                    <p:set>
-                                      <p:cBhvr>
-                                        <p:cTn id="10" dur="1" fill="hold">
-                                          <p:stCondLst>
-                                            <p:cond delay="0"/>
-                                          </p:stCondLst>
-                                        </p:cTn>
-                                        <p:tgtEl>
-                                          <p:spTgt spid="36"/>
-                                        </p:tgtEl>
-                                        <p:attrNameLst>
-                                          <p:attrName>style.visibility</p:attrName>
-                                        </p:attrNameLst>
-                                      </p:cBhvr>
-                                      <p:to>
-                                        <p:strVal val="visible"/>
-                                      </p:to>
-                                    </p:set>
-                                    <p:animEffect transition="in" filter="fade">
-                                      <p:cBhvr>
-                                        <p:cTn id="11" dur="500"/>
-                                        <p:tgtEl>
-                                          <p:spTgt spid="36"/>
-                                        </p:tgtEl>
-                                      </p:cBhvr>
-                                    </p:animEffect>
-                                  </p:childTnLst>
-                                </p:cTn>
-                              </p:par>
-                            </p:childTnLst>
-                          </p:cTn>
-                        </p:par>
-                        <p:par>
-                          <p:cTn id="12" fill="hold">
-                            <p:stCondLst>
-                              <p:cond delay="1000"/>
-                            </p:stCondLst>
-                            <p:childTnLst>
-                              <p:par>
-                                <p:cTn id="13" presetID="16" presetClass="entr" presetSubtype="21" fill="hold" nodeType="afterEffect">
-                                  <p:stCondLst>
-                                    <p:cond delay="0"/>
-                                  </p:stCondLst>
-                                  <p:childTnLst>
-                                    <p:set>
-                                      <p:cBhvr>
-                                        <p:cTn id="14" dur="1" fill="hold">
-                                          <p:stCondLst>
-                                            <p:cond delay="0"/>
-                                          </p:stCondLst>
-                                        </p:cTn>
-                                        <p:tgtEl>
-                                          <p:spTgt spid="38"/>
-                                        </p:tgtEl>
-                                        <p:attrNameLst>
-                                          <p:attrName>style.visibility</p:attrName>
-                                        </p:attrNameLst>
-                                      </p:cBhvr>
-                                      <p:to>
-                                        <p:strVal val="visible"/>
-                                      </p:to>
-                                    </p:set>
-                                    <p:animEffect transition="in" filter="barn(inVertical)">
-                                      <p:cBhvr>
-                                        <p:cTn id="15" dur="500"/>
-                                        <p:tgtEl>
-                                          <p:spTgt spid="38"/>
-                                        </p:tgtEl>
-                                      </p:cBhvr>
-                                    </p:animEffect>
-                                  </p:childTnLst>
-                                </p:cTn>
-                              </p:par>
-                            </p:childTnLst>
-                          </p:cTn>
-                        </p:par>
-                        <p:par>
-                          <p:cTn id="16" fill="hold">
-                            <p:stCondLst>
-                              <p:cond delay="1500"/>
-                            </p:stCondLst>
-                            <p:childTnLst>
-                              <p:par>
-                                <p:cTn id="17" presetID="42" presetClass="entr" presetSubtype="0" fill="hold" grpId="0" nodeType="afterEffect">
-                                  <p:stCondLst>
-                                    <p:cond delay="0"/>
-                                  </p:stCondLst>
-                                  <p:childTnLst>
-                                    <p:set>
-                                      <p:cBhvr>
-                                        <p:cTn id="18" dur="1" fill="hold">
-                                          <p:stCondLst>
-                                            <p:cond delay="0"/>
-                                          </p:stCondLst>
-                                        </p:cTn>
-                                        <p:tgtEl>
-                                          <p:spTgt spid="37"/>
-                                        </p:tgtEl>
-                                        <p:attrNameLst>
-                                          <p:attrName>style.visibility</p:attrName>
-                                        </p:attrNameLst>
-                                      </p:cBhvr>
-                                      <p:to>
-                                        <p:strVal val="visible"/>
-                                      </p:to>
-                                    </p:set>
-                                    <p:animEffect transition="in" filter="fade">
-                                      <p:cBhvr>
-                                        <p:cTn id="19" dur="1000"/>
-                                        <p:tgtEl>
-                                          <p:spTgt spid="37"/>
-                                        </p:tgtEl>
-                                      </p:cBhvr>
-                                    </p:animEffect>
-                                    <p:anim calcmode="lin" valueType="num">
-                                      <p:cBhvr>
-                                        <p:cTn id="20" dur="1000" fill="hold"/>
-                                        <p:tgtEl>
-                                          <p:spTgt spid="37"/>
-                                        </p:tgtEl>
-                                        <p:attrNameLst>
-                                          <p:attrName>ppt_x</p:attrName>
-                                        </p:attrNameLst>
-                                      </p:cBhvr>
-                                      <p:tavLst>
-                                        <p:tav tm="0">
-                                          <p:val>
-                                            <p:strVal val="#ppt_x"/>
-                                          </p:val>
-                                        </p:tav>
-                                        <p:tav tm="100000">
-                                          <p:val>
-                                            <p:strVal val="#ppt_x"/>
-                                          </p:val>
-                                        </p:tav>
-                                      </p:tavLst>
-                                    </p:anim>
-                                    <p:anim calcmode="lin" valueType="num">
-                                      <p:cBhvr>
-                                        <p:cTn id="21" dur="1000" fill="hold"/>
-                                        <p:tgtEl>
-                                          <p:spTgt spid="37"/>
-                                        </p:tgtEl>
-                                        <p:attrNameLst>
-                                          <p:attrName>ppt_y</p:attrName>
-                                        </p:attrNameLst>
-                                      </p:cBhvr>
-                                      <p:tavLst>
-                                        <p:tav tm="0">
-                                          <p:val>
-                                            <p:strVal val="#ppt_y+.1"/>
-                                          </p:val>
-                                        </p:tav>
-                                        <p:tav tm="100000">
-                                          <p:val>
-                                            <p:strVal val="#ppt_y"/>
-                                          </p:val>
-                                        </p:tav>
-                                      </p:tavLst>
-                                    </p:anim>
-                                  </p:childTnLst>
-                                </p:cTn>
-                              </p:par>
-                            </p:childTnLst>
-                          </p:cTn>
-                        </p:par>
-                        <p:par>
-                          <p:cTn id="22" fill="hold">
-                            <p:stCondLst>
-                              <p:cond delay="2500"/>
-                            </p:stCondLst>
-                            <p:childTnLst>
-                              <p:par>
-                                <p:cTn id="23" presetID="10" presetClass="entr" presetSubtype="0" fill="hold" grpId="0" nodeType="afterEffect">
-                                  <p:stCondLst>
-                                    <p:cond delay="0"/>
-                                  </p:stCondLst>
-                                  <p:childTnLst>
-                                    <p:set>
-                                      <p:cBhvr>
-                                        <p:cTn id="24" dur="1" fill="hold">
-                                          <p:stCondLst>
-                                            <p:cond delay="0"/>
-                                          </p:stCondLst>
-                                        </p:cTn>
-                                        <p:tgtEl>
-                                          <p:spTgt spid="40"/>
-                                        </p:tgtEl>
-                                        <p:attrNameLst>
-                                          <p:attrName>style.visibility</p:attrName>
-                                        </p:attrNameLst>
-                                      </p:cBhvr>
-                                      <p:to>
-                                        <p:strVal val="visible"/>
-                                      </p:to>
-                                    </p:set>
-                                    <p:animEffect transition="in" filter="fade">
-                                      <p:cBhvr>
-                                        <p:cTn id="25" dur="500"/>
-                                        <p:tgtEl>
-                                          <p:spTgt spid="40"/>
-                                        </p:tgtEl>
-                                      </p:cBhvr>
-                                    </p:animEffect>
-                                  </p:childTnLst>
-                                </p:cTn>
-                              </p:par>
-                            </p:childTnLst>
-                          </p:cTn>
-                        </p:par>
-                        <p:par>
-                          <p:cTn id="26" fill="hold">
-                            <p:stCondLst>
-                              <p:cond delay="3000"/>
-                            </p:stCondLst>
-                            <p:childTnLst>
-                              <p:par>
-                                <p:cTn id="27" presetID="16" presetClass="entr" presetSubtype="21" fill="hold" nodeType="afterEffect">
-                                  <p:stCondLst>
-                                    <p:cond delay="0"/>
-                                  </p:stCondLst>
-                                  <p:childTnLst>
-                                    <p:set>
-                                      <p:cBhvr>
-                                        <p:cTn id="28" dur="1" fill="hold">
-                                          <p:stCondLst>
-                                            <p:cond delay="0"/>
-                                          </p:stCondLst>
-                                        </p:cTn>
-                                        <p:tgtEl>
-                                          <p:spTgt spid="42"/>
-                                        </p:tgtEl>
-                                        <p:attrNameLst>
-                                          <p:attrName>style.visibility</p:attrName>
-                                        </p:attrNameLst>
-                                      </p:cBhvr>
-                                      <p:to>
-                                        <p:strVal val="visible"/>
-                                      </p:to>
-                                    </p:set>
-                                    <p:animEffect transition="in" filter="barn(inVertical)">
-                                      <p:cBhvr>
-                                        <p:cTn id="29" dur="500"/>
-                                        <p:tgtEl>
-                                          <p:spTgt spid="42"/>
-                                        </p:tgtEl>
-                                      </p:cBhvr>
-                                    </p:animEffect>
-                                  </p:childTnLst>
-                                </p:cTn>
-                              </p:par>
-                            </p:childTnLst>
-                          </p:cTn>
-                        </p:par>
-                        <p:par>
-                          <p:cTn id="30" fill="hold">
-                            <p:stCondLst>
-                              <p:cond delay="3500"/>
-                            </p:stCondLst>
-                            <p:childTnLst>
-                              <p:par>
-                                <p:cTn id="31" presetID="42" presetClass="entr" presetSubtype="0" fill="hold" grpId="0" nodeType="afterEffect">
-                                  <p:stCondLst>
-                                    <p:cond delay="0"/>
-                                  </p:stCondLst>
-                                  <p:childTnLst>
-                                    <p:set>
-                                      <p:cBhvr>
-                                        <p:cTn id="32" dur="1" fill="hold">
-                                          <p:stCondLst>
-                                            <p:cond delay="0"/>
-                                          </p:stCondLst>
-                                        </p:cTn>
-                                        <p:tgtEl>
-                                          <p:spTgt spid="41"/>
-                                        </p:tgtEl>
-                                        <p:attrNameLst>
-                                          <p:attrName>style.visibility</p:attrName>
-                                        </p:attrNameLst>
-                                      </p:cBhvr>
-                                      <p:to>
-                                        <p:strVal val="visible"/>
-                                      </p:to>
-                                    </p:set>
-                                    <p:animEffect transition="in" filter="fade">
-                                      <p:cBhvr>
-                                        <p:cTn id="33" dur="1000"/>
-                                        <p:tgtEl>
-                                          <p:spTgt spid="41"/>
-                                        </p:tgtEl>
-                                      </p:cBhvr>
-                                    </p:animEffect>
-                                    <p:anim calcmode="lin" valueType="num">
-                                      <p:cBhvr>
-                                        <p:cTn id="34" dur="1000" fill="hold"/>
-                                        <p:tgtEl>
-                                          <p:spTgt spid="41"/>
-                                        </p:tgtEl>
-                                        <p:attrNameLst>
-                                          <p:attrName>ppt_x</p:attrName>
-                                        </p:attrNameLst>
-                                      </p:cBhvr>
-                                      <p:tavLst>
-                                        <p:tav tm="0">
-                                          <p:val>
-                                            <p:strVal val="#ppt_x"/>
-                                          </p:val>
-                                        </p:tav>
-                                        <p:tav tm="100000">
-                                          <p:val>
-                                            <p:strVal val="#ppt_x"/>
-                                          </p:val>
-                                        </p:tav>
-                                      </p:tavLst>
-                                    </p:anim>
-                                    <p:anim calcmode="lin" valueType="num">
-                                      <p:cBhvr>
-                                        <p:cTn id="35" dur="1000" fill="hold"/>
-                                        <p:tgtEl>
-                                          <p:spTgt spid="41"/>
-                                        </p:tgtEl>
-                                        <p:attrNameLst>
-                                          <p:attrName>ppt_y</p:attrName>
-                                        </p:attrNameLst>
-                                      </p:cBhvr>
-                                      <p:tavLst>
-                                        <p:tav tm="0">
-                                          <p:val>
-                                            <p:strVal val="#ppt_y+.1"/>
-                                          </p:val>
-                                        </p:tav>
-                                        <p:tav tm="100000">
-                                          <p:val>
-                                            <p:strVal val="#ppt_y"/>
-                                          </p:val>
-                                        </p:tav>
-                                      </p:tavLst>
-                                    </p:anim>
-                                  </p:childTnLst>
-                                </p:cTn>
-                              </p:par>
-                            </p:childTnLst>
-                          </p:cTn>
-                        </p:par>
-                        <p:par>
-                          <p:cTn id="36" fill="hold">
-                            <p:stCondLst>
-                              <p:cond delay="4500"/>
-                            </p:stCondLst>
-                            <p:childTnLst>
-                              <p:par>
-                                <p:cTn id="37" presetID="10" presetClass="entr" presetSubtype="0" fill="hold" grpId="0" nodeType="afterEffect">
-                                  <p:stCondLst>
-                                    <p:cond delay="0"/>
-                                  </p:stCondLst>
-                                  <p:childTnLst>
-                                    <p:set>
-                                      <p:cBhvr>
-                                        <p:cTn id="38" dur="1" fill="hold">
-                                          <p:stCondLst>
-                                            <p:cond delay="0"/>
-                                          </p:stCondLst>
-                                        </p:cTn>
-                                        <p:tgtEl>
-                                          <p:spTgt spid="34"/>
-                                        </p:tgtEl>
-                                        <p:attrNameLst>
-                                          <p:attrName>style.visibility</p:attrName>
-                                        </p:attrNameLst>
-                                      </p:cBhvr>
-                                      <p:to>
-                                        <p:strVal val="visible"/>
-                                      </p:to>
-                                    </p:set>
-                                    <p:animEffect transition="in" filter="fade">
-                                      <p:cBhvr>
-                                        <p:cTn id="39" dur="500"/>
-                                        <p:tgtEl>
-                                          <p:spTgt spid="34"/>
-                                        </p:tgtEl>
-                                      </p:cBhvr>
-                                    </p:animEffect>
-                                  </p:childTnLst>
-                                </p:cTn>
-                              </p:par>
-                            </p:childTnLst>
-                          </p:cTn>
-                        </p:par>
-                        <p:par>
-                          <p:cTn id="40" fill="hold">
-                            <p:stCondLst>
-                              <p:cond delay="5000"/>
-                            </p:stCondLst>
-                            <p:childTnLst>
-                              <p:par>
-                                <p:cTn id="41" presetID="16" presetClass="entr" presetSubtype="21" fill="hold" nodeType="afterEffect">
-                                  <p:stCondLst>
-                                    <p:cond delay="0"/>
-                                  </p:stCondLst>
-                                  <p:childTnLst>
-                                    <p:set>
-                                      <p:cBhvr>
-                                        <p:cTn id="42" dur="1" fill="hold">
-                                          <p:stCondLst>
-                                            <p:cond delay="0"/>
-                                          </p:stCondLst>
-                                        </p:cTn>
-                                        <p:tgtEl>
-                                          <p:spTgt spid="35"/>
-                                        </p:tgtEl>
-                                        <p:attrNameLst>
-                                          <p:attrName>style.visibility</p:attrName>
-                                        </p:attrNameLst>
-                                      </p:cBhvr>
-                                      <p:to>
-                                        <p:strVal val="visible"/>
-                                      </p:to>
-                                    </p:set>
-                                    <p:animEffect transition="in" filter="barn(inVertical)">
-                                      <p:cBhvr>
-                                        <p:cTn id="43" dur="500"/>
-                                        <p:tgtEl>
-                                          <p:spTgt spid="35"/>
-                                        </p:tgtEl>
-                                      </p:cBhvr>
-                                    </p:animEffect>
-                                  </p:childTnLst>
-                                </p:cTn>
-                              </p:par>
-                            </p:childTnLst>
-                          </p:cTn>
-                        </p:par>
-                        <p:par>
-                          <p:cTn id="44" fill="hold">
-                            <p:stCondLst>
-                              <p:cond delay="5500"/>
-                            </p:stCondLst>
-                            <p:childTnLst>
-                              <p:par>
-                                <p:cTn id="45" presetID="42" presetClass="entr" presetSubtype="0" fill="hold" grpId="0" nodeType="afterEffect">
-                                  <p:stCondLst>
-                                    <p:cond delay="0"/>
-                                  </p:stCondLst>
-                                  <p:childTnLst>
-                                    <p:set>
-                                      <p:cBhvr>
-                                        <p:cTn id="46" dur="1" fill="hold">
-                                          <p:stCondLst>
-                                            <p:cond delay="0"/>
-                                          </p:stCondLst>
-                                        </p:cTn>
-                                        <p:tgtEl>
-                                          <p:spTgt spid="39"/>
-                                        </p:tgtEl>
-                                        <p:attrNameLst>
-                                          <p:attrName>style.visibility</p:attrName>
-                                        </p:attrNameLst>
-                                      </p:cBhvr>
-                                      <p:to>
-                                        <p:strVal val="visible"/>
-                                      </p:to>
-                                    </p:set>
-                                    <p:animEffect transition="in" filter="fade">
-                                      <p:cBhvr>
-                                        <p:cTn id="47" dur="1000"/>
-                                        <p:tgtEl>
-                                          <p:spTgt spid="39"/>
-                                        </p:tgtEl>
-                                      </p:cBhvr>
-                                    </p:animEffect>
-                                    <p:anim calcmode="lin" valueType="num">
-                                      <p:cBhvr>
-                                        <p:cTn id="48" dur="1000" fill="hold"/>
-                                        <p:tgtEl>
-                                          <p:spTgt spid="39"/>
-                                        </p:tgtEl>
-                                        <p:attrNameLst>
-                                          <p:attrName>ppt_x</p:attrName>
-                                        </p:attrNameLst>
-                                      </p:cBhvr>
-                                      <p:tavLst>
-                                        <p:tav tm="0">
-                                          <p:val>
-                                            <p:strVal val="#ppt_x"/>
-                                          </p:val>
-                                        </p:tav>
-                                        <p:tav tm="100000">
-                                          <p:val>
-                                            <p:strVal val="#ppt_x"/>
-                                          </p:val>
-                                        </p:tav>
-                                      </p:tavLst>
-                                    </p:anim>
-                                    <p:anim calcmode="lin" valueType="num">
-                                      <p:cBhvr>
-                                        <p:cTn id="49" dur="1000" fill="hold"/>
-                                        <p:tgtEl>
-                                          <p:spTgt spid="39"/>
-                                        </p:tgtEl>
-                                        <p:attrNameLst>
-                                          <p:attrName>ppt_y</p:attrName>
-                                        </p:attrNameLst>
-                                      </p:cBhvr>
-                                      <p:tavLst>
-                                        <p:tav tm="0">
-                                          <p:val>
-                                            <p:strVal val="#ppt_y+.1"/>
-                                          </p:val>
-                                        </p:tav>
-                                        <p:tav tm="100000">
-                                          <p:val>
-                                            <p:strVal val="#ppt_y"/>
-                                          </p:val>
-                                        </p:tav>
-                                      </p:tavLst>
-                                    </p:anim>
-                                  </p:childTnLst>
-                                </p:cTn>
-                              </p:par>
-                            </p:childTnLst>
-                          </p:cTn>
-                        </p:par>
-                        <p:par>
-                          <p:cTn id="50" fill="hold">
-                            <p:stCondLst>
-                              <p:cond delay="6500"/>
-                            </p:stCondLst>
-                            <p:childTnLst>
-                              <p:par>
-                                <p:cTn id="51" presetID="10" presetClass="entr" presetSubtype="0" fill="hold" grpId="0" nodeType="afterEffect">
-                                  <p:stCondLst>
-                                    <p:cond delay="0"/>
-                                  </p:stCondLst>
-                                  <p:childTnLst>
-                                    <p:set>
-                                      <p:cBhvr>
-                                        <p:cTn id="52" dur="1" fill="hold">
-                                          <p:stCondLst>
-                                            <p:cond delay="0"/>
-                                          </p:stCondLst>
-                                        </p:cTn>
-                                        <p:tgtEl>
-                                          <p:spTgt spid="46"/>
-                                        </p:tgtEl>
-                                        <p:attrNameLst>
-                                          <p:attrName>style.visibility</p:attrName>
-                                        </p:attrNameLst>
-                                      </p:cBhvr>
-                                      <p:to>
-                                        <p:strVal val="visible"/>
-                                      </p:to>
-                                    </p:set>
-                                    <p:animEffect transition="in" filter="fade">
-                                      <p:cBhvr>
-                                        <p:cTn id="53" dur="500"/>
-                                        <p:tgtEl>
-                                          <p:spTgt spid="46"/>
-                                        </p:tgtEl>
-                                      </p:cBhvr>
-                                    </p:animEffect>
-                                  </p:childTnLst>
-                                </p:cTn>
-                              </p:par>
-                            </p:childTnLst>
-                          </p:cTn>
-                        </p:par>
-                        <p:par>
-                          <p:cTn id="54" fill="hold">
-                            <p:stCondLst>
-                              <p:cond delay="7000"/>
-                            </p:stCondLst>
-                            <p:childTnLst>
-                              <p:par>
-                                <p:cTn id="55" presetID="16" presetClass="entr" presetSubtype="21" fill="hold" nodeType="afterEffect">
-                                  <p:stCondLst>
-                                    <p:cond delay="0"/>
-                                  </p:stCondLst>
-                                  <p:childTnLst>
-                                    <p:set>
-                                      <p:cBhvr>
-                                        <p:cTn id="56" dur="1" fill="hold">
-                                          <p:stCondLst>
-                                            <p:cond delay="0"/>
-                                          </p:stCondLst>
-                                        </p:cTn>
-                                        <p:tgtEl>
-                                          <p:spTgt spid="47"/>
-                                        </p:tgtEl>
-                                        <p:attrNameLst>
-                                          <p:attrName>style.visibility</p:attrName>
-                                        </p:attrNameLst>
-                                      </p:cBhvr>
-                                      <p:to>
-                                        <p:strVal val="visible"/>
-                                      </p:to>
-                                    </p:set>
-                                    <p:animEffect transition="in" filter="barn(inVertical)">
-                                      <p:cBhvr>
-                                        <p:cTn id="57" dur="500"/>
-                                        <p:tgtEl>
-                                          <p:spTgt spid="47"/>
-                                        </p:tgtEl>
-                                      </p:cBhvr>
-                                    </p:animEffect>
-                                  </p:childTnLst>
-                                </p:cTn>
-                              </p:par>
-                            </p:childTnLst>
-                          </p:cTn>
-                        </p:par>
-                        <p:par>
-                          <p:cTn id="58" fill="hold">
-                            <p:stCondLst>
-                              <p:cond delay="7500"/>
-                            </p:stCondLst>
-                            <p:childTnLst>
-                              <p:par>
-                                <p:cTn id="59" presetID="42" presetClass="entr" presetSubtype="0" fill="hold" grpId="0" nodeType="afterEffect">
-                                  <p:stCondLst>
-                                    <p:cond delay="0"/>
-                                  </p:stCondLst>
-                                  <p:childTnLst>
-                                    <p:set>
-                                      <p:cBhvr>
-                                        <p:cTn id="60" dur="1" fill="hold">
-                                          <p:stCondLst>
-                                            <p:cond delay="0"/>
-                                          </p:stCondLst>
-                                        </p:cTn>
-                                        <p:tgtEl>
-                                          <p:spTgt spid="48"/>
-                                        </p:tgtEl>
-                                        <p:attrNameLst>
-                                          <p:attrName>style.visibility</p:attrName>
-                                        </p:attrNameLst>
-                                      </p:cBhvr>
-                                      <p:to>
-                                        <p:strVal val="visible"/>
-                                      </p:to>
-                                    </p:set>
-                                    <p:animEffect transition="in" filter="fade">
-                                      <p:cBhvr>
-                                        <p:cTn id="61" dur="1000"/>
-                                        <p:tgtEl>
-                                          <p:spTgt spid="48"/>
-                                        </p:tgtEl>
-                                      </p:cBhvr>
-                                    </p:animEffect>
-                                    <p:anim calcmode="lin" valueType="num">
-                                      <p:cBhvr>
-                                        <p:cTn id="62" dur="1000" fill="hold"/>
-                                        <p:tgtEl>
-                                          <p:spTgt spid="48"/>
-                                        </p:tgtEl>
-                                        <p:attrNameLst>
-                                          <p:attrName>ppt_x</p:attrName>
-                                        </p:attrNameLst>
-                                      </p:cBhvr>
-                                      <p:tavLst>
-                                        <p:tav tm="0">
-                                          <p:val>
-                                            <p:strVal val="#ppt_x"/>
-                                          </p:val>
-                                        </p:tav>
-                                        <p:tav tm="100000">
-                                          <p:val>
-                                            <p:strVal val="#ppt_x"/>
-                                          </p:val>
-                                        </p:tav>
-                                      </p:tavLst>
-                                    </p:anim>
-                                    <p:anim calcmode="lin" valueType="num">
-                                      <p:cBhvr>
-                                        <p:cTn id="63" dur="1000" fill="hold"/>
-                                        <p:tgtEl>
-                                          <p:spTgt spid="48"/>
-                                        </p:tgtEl>
-                                        <p:attrNameLst>
-                                          <p:attrName>ppt_y</p:attrName>
-                                        </p:attrNameLst>
-                                      </p:cBhvr>
-                                      <p:tavLst>
-                                        <p:tav tm="0">
-                                          <p:val>
-                                            <p:strVal val="#ppt_y+.1"/>
-                                          </p:val>
-                                        </p:tav>
-                                        <p:tav tm="100000">
-                                          <p:val>
-                                            <p:strVal val="#ppt_y"/>
-                                          </p:val>
-                                        </p:tav>
-                                      </p:tavLst>
-                                    </p:anim>
-                                  </p:childTnLst>
-                                </p:cTn>
-                              </p:par>
-                            </p:childTnLst>
-                          </p:cTn>
-                        </p:par>
-                      </p:childTnLst>
-                    </p:cTn>
-                  </p:par>
-                </p:childTnLst>
-              </p:cTn>
-              <p:prevCondLst>
-                <p:cond evt="onPrev" delay="0">
-                  <p:tgtEl>
-                    <p:sldTgt/>
-                  </p:tgtEl>
-                </p:cond>
-              </p:prevCondLst>
-              <p:nextCondLst>
-                <p:cond evt="onNext" delay="0">
-                  <p:tgtEl>
-                    <p:sldTgt/>
-                  </p:tgtEl>
-                </p:cond>
-              </p:nextCondLst>
-            </p:seq>
-          </p:childTnLst>
-        </p:cTn>
-      </p:par>
-    </p:tnLst>
-    <p:bldLst>
-      <p:bldP spid="24" grpId="0"/>
-      <p:bldP spid="36" grpId="0"/>
-      <p:bldP spid="37" grpId="0"/>
-      <p:bldP spid="40" grpId="0"/>
-      <p:bldP spid="41" grpId="0"/>
-      <p:bldP spid="34" grpId="0"/>
-      <p:bldP spid="39" grpId="0"/>
-      <p:bldP spid="46" grpId="0"/>
-      <p:bldP spid="48" grpId="0"/>
-    </p:bldLst>
-  </p:timing>
-</p:sld>
-</file>
-
-<file path=ppt/slides/slide3.xml><?xml version="1.0" encoding="utf-8"?>
-<p:sld xmlns:a="http://schemas.openxmlformats.org/drawingml/2006/main" xmlns:r="http://schemas.openxmlformats.org/officeDocument/2006/relationships" xmlns:p="http://schemas.openxmlformats.org/presentationml/2006/main">
-  <p:cSld>
-    <p:spTree>
-      <p:nvGrpSpPr>
-        <p:cNvPr id="1" name=""/>
-        <p:cNvGrpSpPr/>
-        <p:nvPr/>
-      </p:nvGrpSpPr>
-      <p:grpSpPr>
-        <a:xfrm>
-          <a:off x="0" y="0"/>
-          <a:ext cx="0" cy="0"/>
-          <a:chOff x="0" y="0"/>
-          <a:chExt cx="0" cy="0"/>
-        </a:xfrm>
-      </p:grpSpPr>
-      <p:sp>
-        <p:nvSpPr>
-          <p:cNvPr id="8" name="Rectangle 7">
-            <a:extLst>
-              <a:ext uri="{FF2B5EF4-FFF2-40B4-BE49-F238E27FC236}">
-                <a16:creationId xmlns:a16="http://schemas.microsoft.com/office/drawing/2014/main" id="{2F10420F-32EA-4759-B1A9-986EDF27F452}"/>
-              </a:ext>
-              <a:ext uri="{C183D7F6-B498-43B3-948B-1728B52AA6E4}">
-                <adec:decorative xmlns:adec="http://schemas.microsoft.com/office/drawing/2017/decorative" val="1"/>
-              </a:ext>
-            </a:extLst>
-          </p:cNvPr>
-          <p:cNvSpPr/>
-          <p:nvPr/>
-        </p:nvSpPr>
-        <p:spPr>
-          <a:xfrm>
-            <a:off x="0" y="0"/>
-            <a:ext cx="12192000" cy="6858000"/>
-          </a:xfrm>
-          <a:prstGeom prst="rect">
-            <a:avLst/>
-          </a:prstGeom>
-          <a:solidFill>
-            <a:schemeClr val="tx1">
-              <a:alpha val="75000"/>
-            </a:schemeClr>
-          </a:solidFill>
-          <a:ln>
-            <a:noFill/>
-          </a:ln>
-        </p:spPr>
-        <p:style>
-          <a:lnRef idx="2">
-            <a:schemeClr val="accent1">
-              <a:shade val="50000"/>
-            </a:schemeClr>
-          </a:lnRef>
-          <a:fillRef idx="1">
-            <a:schemeClr val="accent1"/>
-          </a:fillRef>
-          <a:effectRef idx="0">
-            <a:schemeClr val="accent1"/>
-          </a:effectRef>
-          <a:fontRef idx="minor">
-            <a:schemeClr val="lt1"/>
-          </a:fontRef>
-        </p:style>
-        <p:txBody>
-          <a:bodyPr rtlCol="0" anchor="ctr"/>
-          <a:lstStyle/>
-          <a:p>
-            <a:pPr algn="ctr"/>
-            <a:endParaRPr lang="en-US" dirty="0"/>
-          </a:p>
-        </p:txBody>
-      </p:sp>
-      <p:sp>
-        <p:nvSpPr>
-          <p:cNvPr id="4" name="TextBox 3">
-            <a:extLst>
-              <a:ext uri="{FF2B5EF4-FFF2-40B4-BE49-F238E27FC236}">
-                <a16:creationId xmlns:a16="http://schemas.microsoft.com/office/drawing/2014/main" id="{8FB63A66-C91E-416C-B0B5-A4298180E154}"/>
-              </a:ext>
-            </a:extLst>
-          </p:cNvPr>
-          <p:cNvSpPr txBox="1"/>
-          <p:nvPr/>
-        </p:nvSpPr>
-        <p:spPr>
-          <a:xfrm>
-            <a:off x="6957476" y="2886741"/>
-            <a:ext cx="3623472" cy="486287"/>
-          </a:xfrm>
-          <a:prstGeom prst="rect">
-            <a:avLst/>
-          </a:prstGeom>
-          <a:noFill/>
-        </p:spPr>
-        <p:txBody>
           <a:bodyPr wrap="square" rtlCol="0">
             <a:spAutoFit/>
           </a:bodyPr>
           <a:lstStyle/>
           <a:p>
-            <a:pPr>
-              <a:lnSpc>
-                <a:spcPct val="80000"/>
-              </a:lnSpc>
-            </a:pPr>
-            <a:r>
-              <a:rPr lang="en-US" sz="3200" b="1" dirty="0">
-                <a:solidFill>
-                  <a:schemeClr val="accent1"/>
-                </a:solidFill>
-                <a:latin typeface="Lato Black" panose="020F0502020204030203" pitchFamily="34" charset="0"/>
-                <a:ea typeface="Lato Black" panose="020F0502020204030203" pitchFamily="34" charset="0"/>
-                <a:cs typeface="Lato Black" panose="020F0502020204030203" pitchFamily="34" charset="0"/>
-              </a:rPr>
-              <a:t>Mission</a:t>
-            </a:r>
-          </a:p>
-        </p:txBody>
-      </p:sp>
-      <p:sp>
-        <p:nvSpPr>
-          <p:cNvPr id="5" name="Rectangle 4">
+            <a:endParaRPr lang="en-US" dirty="0">
+              <a:solidFill>
+                <a:srgbClr val="FF0000"/>
+              </a:solidFill>
+            </a:endParaRPr>
+          </a:p>
+          <a:p>
+            <a:r>
+              <a:rPr lang="en-US" dirty="0"/>
+              <a:t>We have observed that the east coast dominates throughout the years, with more funding into its companies.</a:t>
+            </a:r>
+          </a:p>
+        </p:txBody>
+      </p:sp>
+      <p:pic>
+        <p:nvPicPr>
+          <p:cNvPr id="4" name="Picture 3">
             <a:extLst>
               <a:ext uri="{FF2B5EF4-FFF2-40B4-BE49-F238E27FC236}">
-                <a16:creationId xmlns:a16="http://schemas.microsoft.com/office/drawing/2014/main" id="{BD30D1AC-96B4-4AE4-8389-B6B62B4DC9FC}"/>
-              </a:ext>
-            </a:extLst>
-          </p:cNvPr>
-          <p:cNvSpPr/>
-          <p:nvPr/>
-        </p:nvSpPr>
-        <p:spPr>
-          <a:xfrm>
-            <a:off x="6957476" y="3638354"/>
-            <a:ext cx="3961291" cy="2653675"/>
-          </a:xfrm>
-          <a:prstGeom prst="rect">
-            <a:avLst/>
-          </a:prstGeom>
-        </p:spPr>
-        <p:txBody>
-          <a:bodyPr wrap="square">
-            <a:spAutoFit/>
-          </a:bodyPr>
-          <a:lstStyle/>
-          <a:p>
-            <a:pPr algn="just">
-              <a:lnSpc>
-                <a:spcPct val="120000"/>
-              </a:lnSpc>
-            </a:pPr>
-            <a:r>
-              <a:rPr lang="en-US" sz="1400" b="1" dirty="0" err="1">
-                <a:solidFill>
-                  <a:schemeClr val="accent1"/>
-                </a:solidFill>
-                <a:latin typeface="Lato" panose="020F0502020204030203" pitchFamily="34" charset="0"/>
-                <a:ea typeface="Lato" panose="020F0502020204030203" pitchFamily="34" charset="0"/>
-                <a:cs typeface="Lato" panose="020F0502020204030203" pitchFamily="34" charset="0"/>
-              </a:rPr>
-              <a:t>Giter</a:t>
-            </a:r>
-            <a:r>
-              <a:rPr lang="en-US" sz="1400" b="1" dirty="0">
-                <a:solidFill>
-                  <a:schemeClr val="accent1"/>
-                </a:solidFill>
-                <a:latin typeface="Lato" panose="020F0502020204030203" pitchFamily="34" charset="0"/>
-                <a:ea typeface="Lato" panose="020F0502020204030203" pitchFamily="34" charset="0"/>
-                <a:cs typeface="Lato" panose="020F0502020204030203" pitchFamily="34" charset="0"/>
-              </a:rPr>
-              <a:t> Dun </a:t>
-            </a:r>
-            <a:r>
-              <a:rPr lang="en-US" sz="1400" dirty="0">
-                <a:solidFill>
-                  <a:schemeClr val="bg1"/>
-                </a:solidFill>
-                <a:latin typeface="Lato" panose="020F0502020204030203" pitchFamily="34" charset="0"/>
-                <a:ea typeface="Lato" panose="020F0502020204030203" pitchFamily="34" charset="0"/>
-                <a:cs typeface="Lato" panose="020F0502020204030203" pitchFamily="34" charset="0"/>
-              </a:rPr>
-              <a:t>analyzes startup / early-stage company datasets to identify shared traits and characteristics across the companies.</a:t>
-            </a:r>
-          </a:p>
-          <a:p>
-            <a:pPr algn="just">
-              <a:lnSpc>
-                <a:spcPct val="120000"/>
-              </a:lnSpc>
-            </a:pPr>
-            <a:endParaRPr lang="en-US" sz="1400" dirty="0">
-              <a:solidFill>
-                <a:schemeClr val="bg1"/>
-              </a:solidFill>
-              <a:latin typeface="Lato" panose="020F0502020204030203" pitchFamily="34" charset="0"/>
-              <a:ea typeface="Lato" panose="020F0502020204030203" pitchFamily="34" charset="0"/>
-              <a:cs typeface="Lato" panose="020F0502020204030203" pitchFamily="34" charset="0"/>
-            </a:endParaRPr>
-          </a:p>
-          <a:p>
-            <a:pPr algn="just">
-              <a:lnSpc>
-                <a:spcPct val="120000"/>
-              </a:lnSpc>
-            </a:pPr>
-            <a:endParaRPr lang="en-US" sz="1400" dirty="0">
-              <a:solidFill>
-                <a:schemeClr val="bg1"/>
-              </a:solidFill>
-              <a:latin typeface="Lato" panose="020F0502020204030203" pitchFamily="34" charset="0"/>
-              <a:ea typeface="Lato" panose="020F0502020204030203" pitchFamily="34" charset="0"/>
-              <a:cs typeface="Lato" panose="020F0502020204030203" pitchFamily="34" charset="0"/>
-            </a:endParaRPr>
-          </a:p>
-          <a:p>
-            <a:pPr algn="just">
-              <a:lnSpc>
-                <a:spcPct val="120000"/>
-              </a:lnSpc>
-            </a:pPr>
-            <a:r>
-              <a:rPr lang="en-US" sz="1400" dirty="0">
-                <a:solidFill>
-                  <a:srgbClr val="FF0000"/>
-                </a:solidFill>
-                <a:latin typeface="Lato" panose="020F0502020204030203" pitchFamily="34" charset="0"/>
-                <a:ea typeface="Lato" panose="020F0502020204030203" pitchFamily="34" charset="0"/>
-                <a:cs typeface="Lato" panose="020F0502020204030203" pitchFamily="34" charset="0"/>
-              </a:rPr>
-              <a:t>Describe the core message or hypothesis for your project.</a:t>
-            </a:r>
-          </a:p>
-          <a:p>
-            <a:pPr algn="just">
-              <a:lnSpc>
-                <a:spcPct val="120000"/>
-              </a:lnSpc>
-            </a:pPr>
-            <a:r>
-              <a:rPr lang="en-US" sz="1400" dirty="0">
-                <a:solidFill>
-                  <a:srgbClr val="FF0000"/>
-                </a:solidFill>
-                <a:latin typeface="Lato" panose="020F0502020204030203" pitchFamily="34" charset="0"/>
-                <a:ea typeface="Lato" panose="020F0502020204030203" pitchFamily="34" charset="0"/>
-                <a:cs typeface="Lato" panose="020F0502020204030203" pitchFamily="34" charset="0"/>
-              </a:rPr>
-              <a:t>Describe the questions you and your group found interesting, and what motivated you to answer them</a:t>
-            </a:r>
-          </a:p>
-        </p:txBody>
-      </p:sp>
-      <p:pic>
-        <p:nvPicPr>
-          <p:cNvPr id="7" name="Picture 6">
-            <a:extLst>
-              <a:ext uri="{FF2B5EF4-FFF2-40B4-BE49-F238E27FC236}">
-                <a16:creationId xmlns:a16="http://schemas.microsoft.com/office/drawing/2014/main" id="{8402F3A6-D4E9-4D66-86DF-1C07BA872196}"/>
+                <a16:creationId xmlns:a16="http://schemas.microsoft.com/office/drawing/2014/main" id="{9A3DFD73-5985-8B4D-8497-670445794AFA}"/>
               </a:ext>
             </a:extLst>
           </p:cNvPr>
@@ -11115,8 +8791,8 @@
         </p:blipFill>
         <p:spPr>
           <a:xfrm>
-            <a:off x="466898" y="2488275"/>
-            <a:ext cx="3843251" cy="3843251"/>
+            <a:off x="5135525" y="947738"/>
+            <a:ext cx="6413108" cy="5496950"/>
           </a:xfrm>
           <a:prstGeom prst="rect">
             <a:avLst/>
@@ -11126,4996 +8802,7 @@
     </p:spTree>
     <p:extLst>
       <p:ext uri="{BB962C8B-B14F-4D97-AF65-F5344CB8AC3E}">
-        <p14:creationId xmlns:p14="http://schemas.microsoft.com/office/powerpoint/2010/main" val="1234639270"/>
-      </p:ext>
-    </p:extLst>
-  </p:cSld>
-  <p:clrMapOvr>
-    <a:masterClrMapping/>
-  </p:clrMapOvr>
-  <p:timing>
-    <p:tnLst>
-      <p:par>
-        <p:cTn id="1" dur="indefinite" restart="never" nodeType="tmRoot">
-          <p:childTnLst>
-            <p:seq concurrent="1" nextAc="seek">
-              <p:cTn id="2" dur="indefinite" nodeType="mainSeq">
-                <p:childTnLst>
-                  <p:par>
-                    <p:cTn id="3" fill="hold">
-                      <p:stCondLst>
-                        <p:cond delay="indefinite"/>
-                        <p:cond evt="onBegin" delay="0">
-                          <p:tn val="2"/>
-                        </p:cond>
-                      </p:stCondLst>
-                      <p:childTnLst>
-                        <p:par>
-                          <p:cTn id="4" fill="hold">
-                            <p:stCondLst>
-                              <p:cond delay="0"/>
-                            </p:stCondLst>
-                            <p:childTnLst>
-                              <p:par>
-                                <p:cTn id="5" presetID="12" presetClass="entr" presetSubtype="8" fill="hold" grpId="0" nodeType="withEffect">
-                                  <p:stCondLst>
-                                    <p:cond delay="0"/>
-                                  </p:stCondLst>
-                                  <p:childTnLst>
-                                    <p:set>
-                                      <p:cBhvr>
-                                        <p:cTn id="6" dur="1" fill="hold">
-                                          <p:stCondLst>
-                                            <p:cond delay="0"/>
-                                          </p:stCondLst>
-                                        </p:cTn>
-                                        <p:tgtEl>
-                                          <p:spTgt spid="4"/>
-                                        </p:tgtEl>
-                                        <p:attrNameLst>
-                                          <p:attrName>style.visibility</p:attrName>
-                                        </p:attrNameLst>
-                                      </p:cBhvr>
-                                      <p:to>
-                                        <p:strVal val="visible"/>
-                                      </p:to>
-                                    </p:set>
-                                    <p:anim calcmode="lin" valueType="num">
-                                      <p:cBhvr additive="base">
-                                        <p:cTn id="7" dur="500"/>
-                                        <p:tgtEl>
-                                          <p:spTgt spid="4"/>
-                                        </p:tgtEl>
-                                        <p:attrNameLst>
-                                          <p:attrName>ppt_x</p:attrName>
-                                        </p:attrNameLst>
-                                      </p:cBhvr>
-                                      <p:tavLst>
-                                        <p:tav tm="0">
-                                          <p:val>
-                                            <p:strVal val="#ppt_x-#ppt_w*1.125000"/>
-                                          </p:val>
-                                        </p:tav>
-                                        <p:tav tm="100000">
-                                          <p:val>
-                                            <p:strVal val="#ppt_x"/>
-                                          </p:val>
-                                        </p:tav>
-                                      </p:tavLst>
-                                    </p:anim>
-                                    <p:animEffect transition="in" filter="wipe(right)">
-                                      <p:cBhvr>
-                                        <p:cTn id="8" dur="500"/>
-                                        <p:tgtEl>
-                                          <p:spTgt spid="4"/>
-                                        </p:tgtEl>
-                                      </p:cBhvr>
-                                    </p:animEffect>
-                                  </p:childTnLst>
-                                </p:cTn>
-                              </p:par>
-                            </p:childTnLst>
-                          </p:cTn>
-                        </p:par>
-                        <p:par>
-                          <p:cTn id="9" fill="hold">
-                            <p:stCondLst>
-                              <p:cond delay="500"/>
-                            </p:stCondLst>
-                            <p:childTnLst>
-                              <p:par>
-                                <p:cTn id="10" presetID="10" presetClass="entr" presetSubtype="0" fill="hold" grpId="0" nodeType="afterEffect">
-                                  <p:stCondLst>
-                                    <p:cond delay="0"/>
-                                  </p:stCondLst>
-                                  <p:childTnLst>
-                                    <p:set>
-                                      <p:cBhvr>
-                                        <p:cTn id="11" dur="1" fill="hold">
-                                          <p:stCondLst>
-                                            <p:cond delay="0"/>
-                                          </p:stCondLst>
-                                        </p:cTn>
-                                        <p:tgtEl>
-                                          <p:spTgt spid="5"/>
-                                        </p:tgtEl>
-                                        <p:attrNameLst>
-                                          <p:attrName>style.visibility</p:attrName>
-                                        </p:attrNameLst>
-                                      </p:cBhvr>
-                                      <p:to>
-                                        <p:strVal val="visible"/>
-                                      </p:to>
-                                    </p:set>
-                                    <p:animEffect transition="in" filter="fade">
-                                      <p:cBhvr>
-                                        <p:cTn id="12" dur="750"/>
-                                        <p:tgtEl>
-                                          <p:spTgt spid="5"/>
-                                        </p:tgtEl>
-                                      </p:cBhvr>
-                                    </p:animEffect>
-                                  </p:childTnLst>
-                                </p:cTn>
-                              </p:par>
-                            </p:childTnLst>
-                          </p:cTn>
-                        </p:par>
-                      </p:childTnLst>
-                    </p:cTn>
-                  </p:par>
-                </p:childTnLst>
-              </p:cTn>
-              <p:prevCondLst>
-                <p:cond evt="onPrev" delay="0">
-                  <p:tgtEl>
-                    <p:sldTgt/>
-                  </p:tgtEl>
-                </p:cond>
-              </p:prevCondLst>
-              <p:nextCondLst>
-                <p:cond evt="onNext" delay="0">
-                  <p:tgtEl>
-                    <p:sldTgt/>
-                  </p:tgtEl>
-                </p:cond>
-              </p:nextCondLst>
-            </p:seq>
-          </p:childTnLst>
-        </p:cTn>
-      </p:par>
-    </p:tnLst>
-    <p:bldLst>
-      <p:bldP spid="4" grpId="0"/>
-      <p:bldP spid="5" grpId="0"/>
-    </p:bldLst>
-  </p:timing>
-</p:sld>
-</file>
-
-<file path=ppt/slides/slide4.xml><?xml version="1.0" encoding="utf-8"?>
-<p:sld xmlns:a="http://schemas.openxmlformats.org/drawingml/2006/main" xmlns:r="http://schemas.openxmlformats.org/officeDocument/2006/relationships" xmlns:p="http://schemas.openxmlformats.org/presentationml/2006/main">
-  <p:cSld>
-    <p:spTree>
-      <p:nvGrpSpPr>
-        <p:cNvPr id="1" name=""/>
-        <p:cNvGrpSpPr/>
-        <p:nvPr/>
-      </p:nvGrpSpPr>
-      <p:grpSpPr>
-        <a:xfrm>
-          <a:off x="0" y="0"/>
-          <a:ext cx="0" cy="0"/>
-          <a:chOff x="0" y="0"/>
-          <a:chExt cx="0" cy="0"/>
-        </a:xfrm>
-      </p:grpSpPr>
-      <p:sp>
-        <p:nvSpPr>
-          <p:cNvPr id="2" name="Title 1">
-            <a:extLst>
-              <a:ext uri="{FF2B5EF4-FFF2-40B4-BE49-F238E27FC236}">
-                <a16:creationId xmlns:a16="http://schemas.microsoft.com/office/drawing/2014/main" id="{6A22A7E4-5C91-4AE1-9A37-1DE12AC7695D}"/>
-              </a:ext>
-            </a:extLst>
-          </p:cNvPr>
-          <p:cNvSpPr>
-            <a:spLocks noGrp="1"/>
-          </p:cNvSpPr>
-          <p:nvPr>
-            <p:ph type="title"/>
-          </p:nvPr>
-        </p:nvSpPr>
-        <p:spPr/>
-        <p:txBody>
-          <a:bodyPr/>
-          <a:lstStyle/>
-          <a:p>
-            <a:r>
-              <a:rPr lang="en-US" dirty="0"/>
-              <a:t>TOC</a:t>
-            </a:r>
-          </a:p>
-        </p:txBody>
-      </p:sp>
-      <p:sp>
-        <p:nvSpPr>
-          <p:cNvPr id="3" name="Rectangle 2">
-            <a:extLst>
-              <a:ext uri="{FF2B5EF4-FFF2-40B4-BE49-F238E27FC236}">
-                <a16:creationId xmlns:a16="http://schemas.microsoft.com/office/drawing/2014/main" id="{6527710A-FE55-4353-ADEE-D0B59E31B9CE}"/>
-              </a:ext>
-            </a:extLst>
-          </p:cNvPr>
-          <p:cNvSpPr/>
-          <p:nvPr/>
-        </p:nvSpPr>
-        <p:spPr>
-          <a:xfrm>
-            <a:off x="426721" y="1456163"/>
-            <a:ext cx="10695708" cy="1477328"/>
-          </a:xfrm>
-          <a:prstGeom prst="rect">
-            <a:avLst/>
-          </a:prstGeom>
-        </p:spPr>
-        <p:txBody>
-          <a:bodyPr wrap="square">
-            <a:spAutoFit/>
-          </a:bodyPr>
-          <a:lstStyle/>
-          <a:p>
-            <a:pPr marL="342900" indent="-342900" fontAlgn="base">
-              <a:buFont typeface="+mj-lt"/>
-              <a:buAutoNum type="arabicPeriod"/>
-            </a:pPr>
-            <a:r>
-              <a:rPr lang="en-US" dirty="0">
-                <a:solidFill>
-                  <a:schemeClr val="bg1"/>
-                </a:solidFill>
-              </a:rPr>
-              <a:t>Methodology</a:t>
-            </a:r>
-          </a:p>
-          <a:p>
-            <a:pPr marL="342900" indent="-342900" fontAlgn="base">
-              <a:buFont typeface="+mj-lt"/>
-              <a:buAutoNum type="arabicPeriod"/>
-            </a:pPr>
-            <a:r>
-              <a:rPr lang="en-US" dirty="0">
-                <a:solidFill>
-                  <a:schemeClr val="bg1"/>
-                </a:solidFill>
-              </a:rPr>
-              <a:t>Summary</a:t>
-            </a:r>
-          </a:p>
-          <a:p>
-            <a:pPr marL="342900" indent="-342900" fontAlgn="base">
-              <a:buFont typeface="+mj-lt"/>
-              <a:buAutoNum type="arabicPeriod"/>
-            </a:pPr>
-            <a:r>
-              <a:rPr lang="en-US" dirty="0">
-                <a:solidFill>
-                  <a:schemeClr val="bg1"/>
-                </a:solidFill>
-              </a:rPr>
-              <a:t>Data Review</a:t>
-            </a:r>
-          </a:p>
-          <a:p>
-            <a:pPr marL="800100" lvl="1" indent="-342900" fontAlgn="base">
-              <a:buFont typeface="+mj-lt"/>
-              <a:buAutoNum type="alphaLcPeriod"/>
-            </a:pPr>
-            <a:r>
-              <a:rPr lang="en-US" dirty="0">
-                <a:solidFill>
-                  <a:schemeClr val="bg1"/>
-                </a:solidFill>
-              </a:rPr>
-              <a:t>Plot of count of companies vs. funding amounts</a:t>
-            </a:r>
-          </a:p>
-          <a:p>
-            <a:pPr marL="800100" lvl="1" indent="-342900" fontAlgn="base">
-              <a:buFont typeface="+mj-lt"/>
-              <a:buAutoNum type="alphaLcPeriod"/>
-            </a:pPr>
-            <a:r>
-              <a:rPr lang="en-US" dirty="0">
-                <a:solidFill>
-                  <a:schemeClr val="bg1"/>
-                </a:solidFill>
-              </a:rPr>
-              <a:t>Total Funding by Category by City</a:t>
-            </a:r>
-          </a:p>
-        </p:txBody>
-      </p:sp>
-    </p:spTree>
-    <p:extLst>
-      <p:ext uri="{BB962C8B-B14F-4D97-AF65-F5344CB8AC3E}">
-        <p14:creationId xmlns:p14="http://schemas.microsoft.com/office/powerpoint/2010/main" val="3405044072"/>
-      </p:ext>
-    </p:extLst>
-  </p:cSld>
-  <p:clrMapOvr>
-    <a:masterClrMapping/>
-  </p:clrMapOvr>
-</p:sld>
-</file>
-
-<file path=ppt/slides/slide5.xml><?xml version="1.0" encoding="utf-8"?>
-<p:sld xmlns:a="http://schemas.openxmlformats.org/drawingml/2006/main" xmlns:r="http://schemas.openxmlformats.org/officeDocument/2006/relationships" xmlns:p="http://schemas.openxmlformats.org/presentationml/2006/main">
-  <p:cSld>
-    <p:spTree>
-      <p:nvGrpSpPr>
-        <p:cNvPr id="1" name=""/>
-        <p:cNvGrpSpPr/>
-        <p:nvPr/>
-      </p:nvGrpSpPr>
-      <p:grpSpPr>
-        <a:xfrm>
-          <a:off x="0" y="0"/>
-          <a:ext cx="0" cy="0"/>
-          <a:chOff x="0" y="0"/>
-          <a:chExt cx="0" cy="0"/>
-        </a:xfrm>
-      </p:grpSpPr>
-      <p:sp>
-        <p:nvSpPr>
-          <p:cNvPr id="2" name="Title 1">
-            <a:extLst>
-              <a:ext uri="{FF2B5EF4-FFF2-40B4-BE49-F238E27FC236}">
-                <a16:creationId xmlns:a16="http://schemas.microsoft.com/office/drawing/2014/main" id="{CA60F242-51DD-4753-95CC-51243353C4A9}"/>
-              </a:ext>
-            </a:extLst>
-          </p:cNvPr>
-          <p:cNvSpPr>
-            <a:spLocks noGrp="1"/>
-          </p:cNvSpPr>
-          <p:nvPr>
-            <p:ph type="title"/>
-          </p:nvPr>
-        </p:nvSpPr>
-        <p:spPr>
-          <a:xfrm>
-            <a:off x="838200" y="365125"/>
-            <a:ext cx="10515600" cy="1325563"/>
-          </a:xfrm>
-        </p:spPr>
-        <p:txBody>
-          <a:bodyPr/>
-          <a:lstStyle/>
-          <a:p>
-            <a:r>
-              <a:rPr lang="en-US" dirty="0"/>
-              <a:t>Methodology</a:t>
-            </a:r>
-          </a:p>
-        </p:txBody>
-      </p:sp>
-      <p:sp>
-        <p:nvSpPr>
-          <p:cNvPr id="3" name="Rectangle 2">
-            <a:extLst>
-              <a:ext uri="{FF2B5EF4-FFF2-40B4-BE49-F238E27FC236}">
-                <a16:creationId xmlns:a16="http://schemas.microsoft.com/office/drawing/2014/main" id="{147433B9-B272-4ACE-AB87-C00C52F96CF1}"/>
-              </a:ext>
-            </a:extLst>
-          </p:cNvPr>
-          <p:cNvSpPr/>
-          <p:nvPr/>
-        </p:nvSpPr>
-        <p:spPr>
-          <a:xfrm>
-            <a:off x="482138" y="1456163"/>
-            <a:ext cx="10972800" cy="2954655"/>
-          </a:xfrm>
-          <a:prstGeom prst="rect">
-            <a:avLst/>
-          </a:prstGeom>
-        </p:spPr>
-        <p:txBody>
-          <a:bodyPr wrap="square">
-            <a:spAutoFit/>
-          </a:bodyPr>
-          <a:lstStyle/>
-          <a:p>
-            <a:pPr marL="742950" indent="-285750" fontAlgn="base">
-              <a:spcBef>
-                <a:spcPts val="1200"/>
-              </a:spcBef>
-              <a:buFont typeface="Arial" panose="020B0604020202020204" pitchFamily="34" charset="0"/>
-              <a:buChar char="•"/>
-            </a:pPr>
-            <a:r>
-              <a:rPr lang="en-US" dirty="0">
-                <a:solidFill>
-                  <a:srgbClr val="000000"/>
-                </a:solidFill>
-                <a:latin typeface="Lato" panose="020F0502020204030203"/>
-              </a:rPr>
-              <a:t>We identified our main data set of startup investor data on Kaggle</a:t>
-            </a:r>
-          </a:p>
-          <a:p>
-            <a:pPr marL="742950" indent="-285750" fontAlgn="base">
-              <a:spcBef>
-                <a:spcPts val="1200"/>
-              </a:spcBef>
-              <a:buFont typeface="Arial" panose="020B0604020202020204" pitchFamily="34" charset="0"/>
-              <a:buChar char="•"/>
-            </a:pPr>
-            <a:r>
-              <a:rPr lang="en-US" dirty="0">
-                <a:solidFill>
-                  <a:srgbClr val="000000"/>
-                </a:solidFill>
-                <a:latin typeface="Lato" panose="020F0502020204030203"/>
-              </a:rPr>
-              <a:t>We then reviewed the data to ensure it was useful</a:t>
-            </a:r>
-          </a:p>
-          <a:p>
-            <a:pPr marL="742950" indent="-285750" fontAlgn="base">
-              <a:spcBef>
-                <a:spcPts val="1200"/>
-              </a:spcBef>
-              <a:buFont typeface="Arial" panose="020B0604020202020204" pitchFamily="34" charset="0"/>
-              <a:buChar char="•"/>
-            </a:pPr>
-            <a:r>
-              <a:rPr lang="en-US" dirty="0">
-                <a:solidFill>
-                  <a:srgbClr val="000000"/>
-                </a:solidFill>
-                <a:latin typeface="Lato" panose="020F0502020204030203"/>
-              </a:rPr>
-              <a:t>After we had some observations, we cleaned this data utilizing a combination of pandas and </a:t>
-            </a:r>
-            <a:r>
-              <a:rPr lang="en-US" dirty="0" err="1">
-                <a:solidFill>
-                  <a:srgbClr val="000000"/>
-                </a:solidFill>
-                <a:latin typeface="Lato" panose="020F0502020204030203"/>
-              </a:rPr>
-              <a:t>xls</a:t>
-            </a:r>
-            <a:endParaRPr lang="en-US" dirty="0">
-              <a:solidFill>
-                <a:srgbClr val="000000"/>
-              </a:solidFill>
-              <a:latin typeface="Lato" panose="020F0502020204030203"/>
-            </a:endParaRPr>
-          </a:p>
-          <a:p>
-            <a:pPr marL="742950" indent="-285750" fontAlgn="base">
-              <a:spcBef>
-                <a:spcPts val="1200"/>
-              </a:spcBef>
-              <a:buFont typeface="Arial" panose="020B0604020202020204" pitchFamily="34" charset="0"/>
-              <a:buChar char="•"/>
-            </a:pPr>
-            <a:r>
-              <a:rPr lang="en-US" dirty="0">
-                <a:solidFill>
-                  <a:srgbClr val="000000"/>
-                </a:solidFill>
-                <a:latin typeface="Lato" panose="020F0502020204030203"/>
-              </a:rPr>
-              <a:t>We then pulled in weather data from weather </a:t>
-            </a:r>
-            <a:r>
-              <a:rPr lang="en-US" dirty="0" err="1">
-                <a:solidFill>
-                  <a:srgbClr val="000000"/>
-                </a:solidFill>
-                <a:latin typeface="Lato" panose="020F0502020204030203"/>
-              </a:rPr>
-              <a:t>api</a:t>
-            </a:r>
-            <a:r>
-              <a:rPr lang="en-US" dirty="0">
-                <a:solidFill>
-                  <a:srgbClr val="000000"/>
-                </a:solidFill>
-                <a:latin typeface="Lato" panose="020F0502020204030203"/>
-              </a:rPr>
-              <a:t> and combined with main data set</a:t>
-            </a:r>
-          </a:p>
-          <a:p>
-            <a:pPr marL="742950" indent="-285750" fontAlgn="base">
-              <a:spcBef>
-                <a:spcPts val="1200"/>
-              </a:spcBef>
-              <a:buFont typeface="Arial" panose="020B0604020202020204" pitchFamily="34" charset="0"/>
-              <a:buChar char="•"/>
-            </a:pPr>
-            <a:r>
-              <a:rPr lang="en-US" dirty="0">
-                <a:solidFill>
-                  <a:srgbClr val="000000"/>
-                </a:solidFill>
-                <a:latin typeface="Lato" panose="020F0502020204030203"/>
-              </a:rPr>
-              <a:t>We then started to iterate on observations of the data</a:t>
-            </a:r>
-          </a:p>
-          <a:p>
-            <a:pPr marL="742950" indent="-285750" fontAlgn="base">
-              <a:spcBef>
-                <a:spcPts val="1200"/>
-              </a:spcBef>
-              <a:buFont typeface="Arial" panose="020B0604020202020204" pitchFamily="34" charset="0"/>
-              <a:buChar char="•"/>
-            </a:pPr>
-            <a:r>
-              <a:rPr lang="en-US" dirty="0">
-                <a:solidFill>
-                  <a:srgbClr val="000000"/>
-                </a:solidFill>
-                <a:latin typeface="Lato" panose="020F0502020204030203"/>
-              </a:rPr>
-              <a:t>We discussed patterns of the data within the group</a:t>
-            </a:r>
-          </a:p>
-          <a:p>
-            <a:pPr marL="742950" indent="-285750" fontAlgn="base">
-              <a:spcBef>
-                <a:spcPts val="1200"/>
-              </a:spcBef>
-              <a:buFont typeface="Arial" panose="020B0604020202020204" pitchFamily="34" charset="0"/>
-              <a:buChar char="•"/>
-            </a:pPr>
-            <a:r>
-              <a:rPr lang="en-US" dirty="0">
-                <a:solidFill>
-                  <a:srgbClr val="000000"/>
-                </a:solidFill>
-                <a:latin typeface="Lato" panose="020F0502020204030203"/>
-              </a:rPr>
-              <a:t>We then decided which metrics to focus on and create meaningful visualizations of the data</a:t>
-            </a:r>
-          </a:p>
-        </p:txBody>
-      </p:sp>
-      <p:sp>
-        <p:nvSpPr>
-          <p:cNvPr id="4" name="Rectangle 3">
-            <a:extLst>
-              <a:ext uri="{FF2B5EF4-FFF2-40B4-BE49-F238E27FC236}">
-                <a16:creationId xmlns:a16="http://schemas.microsoft.com/office/drawing/2014/main" id="{934F80C8-F285-4816-B22D-BE73DEDE9420}"/>
-              </a:ext>
-            </a:extLst>
-          </p:cNvPr>
-          <p:cNvSpPr/>
-          <p:nvPr/>
-        </p:nvSpPr>
-        <p:spPr>
-          <a:xfrm>
-            <a:off x="2515986" y="5211864"/>
-            <a:ext cx="6096000" cy="1477328"/>
-          </a:xfrm>
-          <a:prstGeom prst="rect">
-            <a:avLst/>
-          </a:prstGeom>
-        </p:spPr>
-        <p:txBody>
-          <a:bodyPr>
-            <a:spAutoFit/>
-          </a:bodyPr>
-          <a:lstStyle/>
-          <a:p>
-            <a:r>
-              <a:rPr lang="en-US" dirty="0">
-                <a:solidFill>
-                  <a:srgbClr val="FF0000"/>
-                </a:solidFill>
-              </a:rPr>
-              <a:t>* [ ] Describe the data exploration and cleanup process (accompanied by your </a:t>
-            </a:r>
-            <a:r>
-              <a:rPr lang="en-US" dirty="0" err="1">
-                <a:solidFill>
-                  <a:srgbClr val="FF0000"/>
-                </a:solidFill>
-              </a:rPr>
-              <a:t>Jupyter</a:t>
-            </a:r>
-            <a:r>
-              <a:rPr lang="en-US" dirty="0">
-                <a:solidFill>
-                  <a:srgbClr val="FF0000"/>
-                </a:solidFill>
-              </a:rPr>
-              <a:t> Notebook)</a:t>
-            </a:r>
-          </a:p>
-          <a:p>
-            <a:endParaRPr lang="en-US" dirty="0">
-              <a:solidFill>
-                <a:srgbClr val="FF0000"/>
-              </a:solidFill>
-            </a:endParaRPr>
-          </a:p>
-          <a:p>
-            <a:r>
-              <a:rPr lang="en-US" dirty="0">
-                <a:solidFill>
-                  <a:srgbClr val="FF0000"/>
-                </a:solidFill>
-              </a:rPr>
-              <a:t>* [ ] Describe the analysis process (accompanied by your </a:t>
-            </a:r>
-            <a:r>
-              <a:rPr lang="en-US" dirty="0" err="1">
-                <a:solidFill>
-                  <a:srgbClr val="FF0000"/>
-                </a:solidFill>
-              </a:rPr>
-              <a:t>Jupyter</a:t>
-            </a:r>
-            <a:r>
-              <a:rPr lang="en-US" dirty="0">
-                <a:solidFill>
-                  <a:srgbClr val="FF0000"/>
-                </a:solidFill>
-              </a:rPr>
-              <a:t> Notebook)</a:t>
-            </a:r>
-          </a:p>
-        </p:txBody>
-      </p:sp>
-    </p:spTree>
-    <p:extLst>
-      <p:ext uri="{BB962C8B-B14F-4D97-AF65-F5344CB8AC3E}">
-        <p14:creationId xmlns:p14="http://schemas.microsoft.com/office/powerpoint/2010/main" val="2000529648"/>
-      </p:ext>
-    </p:extLst>
-  </p:cSld>
-  <p:clrMapOvr>
-    <a:masterClrMapping/>
-  </p:clrMapOvr>
-</p:sld>
-</file>
-
-<file path=ppt/slides/slide6.xml><?xml version="1.0" encoding="utf-8"?>
-<p:sld xmlns:a="http://schemas.openxmlformats.org/drawingml/2006/main" xmlns:r="http://schemas.openxmlformats.org/officeDocument/2006/relationships" xmlns:p="http://schemas.openxmlformats.org/presentationml/2006/main">
-  <p:cSld>
-    <p:spTree>
-      <p:nvGrpSpPr>
-        <p:cNvPr id="1" name=""/>
-        <p:cNvGrpSpPr/>
-        <p:nvPr/>
-      </p:nvGrpSpPr>
-      <p:grpSpPr>
-        <a:xfrm>
-          <a:off x="0" y="0"/>
-          <a:ext cx="0" cy="0"/>
-          <a:chOff x="0" y="0"/>
-          <a:chExt cx="0" cy="0"/>
-        </a:xfrm>
-      </p:grpSpPr>
-      <p:sp>
-        <p:nvSpPr>
-          <p:cNvPr id="2" name="Title 1">
-            <a:extLst>
-              <a:ext uri="{FF2B5EF4-FFF2-40B4-BE49-F238E27FC236}">
-                <a16:creationId xmlns:a16="http://schemas.microsoft.com/office/drawing/2014/main" id="{94EBABD5-927C-40D9-B3DE-DE349CACDF22}"/>
-              </a:ext>
-            </a:extLst>
-          </p:cNvPr>
-          <p:cNvSpPr>
-            <a:spLocks noGrp="1"/>
-          </p:cNvSpPr>
-          <p:nvPr>
-            <p:ph type="title"/>
-          </p:nvPr>
-        </p:nvSpPr>
-        <p:spPr/>
-        <p:txBody>
-          <a:bodyPr/>
-          <a:lstStyle/>
-          <a:p>
-            <a:r>
-              <a:rPr lang="en-US" dirty="0"/>
-              <a:t>Summary</a:t>
-            </a:r>
-          </a:p>
-        </p:txBody>
-      </p:sp>
-      <p:sp>
-        <p:nvSpPr>
-          <p:cNvPr id="4" name="Rectangle 3">
-            <a:extLst>
-              <a:ext uri="{FF2B5EF4-FFF2-40B4-BE49-F238E27FC236}">
-                <a16:creationId xmlns:a16="http://schemas.microsoft.com/office/drawing/2014/main" id="{E1858555-57FD-43D0-BF05-F561DF8C092C}"/>
-              </a:ext>
-            </a:extLst>
-          </p:cNvPr>
-          <p:cNvSpPr/>
-          <p:nvPr/>
-        </p:nvSpPr>
-        <p:spPr>
-          <a:xfrm>
-            <a:off x="360218" y="1506022"/>
-            <a:ext cx="10993582" cy="1938992"/>
-          </a:xfrm>
-          <a:prstGeom prst="rect">
-            <a:avLst/>
-          </a:prstGeom>
-        </p:spPr>
-        <p:txBody>
-          <a:bodyPr wrap="square">
-            <a:spAutoFit/>
-          </a:bodyPr>
-          <a:lstStyle/>
-          <a:p>
-            <a:pPr marL="457200" fontAlgn="base">
-              <a:spcBef>
-                <a:spcPts val="1200"/>
-              </a:spcBef>
-            </a:pPr>
-            <a:r>
-              <a:rPr lang="en-US" dirty="0">
-                <a:solidFill>
-                  <a:srgbClr val="000000"/>
-                </a:solidFill>
-                <a:latin typeface="Lato" panose="020F0502020204030203"/>
-              </a:rPr>
-              <a:t>We have observed strong representations at the coasts for funding of startups, led by San Francisco and New York City.</a:t>
-            </a:r>
-          </a:p>
-          <a:p>
-            <a:pPr marL="457200" fontAlgn="base">
-              <a:spcBef>
-                <a:spcPts val="1200"/>
-              </a:spcBef>
-            </a:pPr>
-            <a:r>
-              <a:rPr lang="en-US" dirty="0">
-                <a:solidFill>
-                  <a:srgbClr val="000000"/>
-                </a:solidFill>
-                <a:latin typeface="Lato" panose="020F0502020204030203"/>
-              </a:rPr>
-              <a:t>Initial thoughts of weather influencing funding success has not been observed.</a:t>
-            </a:r>
-          </a:p>
-          <a:p>
-            <a:pPr marL="457200" fontAlgn="base">
-              <a:spcBef>
-                <a:spcPts val="1200"/>
-              </a:spcBef>
-            </a:pPr>
-            <a:r>
-              <a:rPr lang="en-US" dirty="0">
-                <a:solidFill>
-                  <a:srgbClr val="000000"/>
-                </a:solidFill>
-                <a:latin typeface="Lato" panose="020F0502020204030203"/>
-              </a:rPr>
-              <a:t>California is the top state for start-ups which is in-line with the reputation it has.</a:t>
-            </a:r>
-          </a:p>
-          <a:p>
-            <a:pPr marL="457200" fontAlgn="base">
-              <a:spcBef>
-                <a:spcPts val="1200"/>
-              </a:spcBef>
-            </a:pPr>
-            <a:r>
-              <a:rPr lang="en-US" dirty="0">
-                <a:solidFill>
-                  <a:srgbClr val="000000"/>
-                </a:solidFill>
-                <a:latin typeface="Lato" panose="020F0502020204030203"/>
-              </a:rPr>
-              <a:t>Technology and Software lead the categories of start-ups and are widely spread throughout all states.</a:t>
-            </a:r>
-          </a:p>
-        </p:txBody>
-      </p:sp>
-      <p:graphicFrame>
-        <p:nvGraphicFramePr>
-          <p:cNvPr id="5" name="Table 4">
-            <a:extLst>
-              <a:ext uri="{FF2B5EF4-FFF2-40B4-BE49-F238E27FC236}">
-                <a16:creationId xmlns:a16="http://schemas.microsoft.com/office/drawing/2014/main" id="{7356966A-2B99-461D-902B-DD5085081C67}"/>
-              </a:ext>
-            </a:extLst>
-          </p:cNvPr>
-          <p:cNvGraphicFramePr>
-            <a:graphicFrameLocks noGrp="1"/>
-          </p:cNvGraphicFramePr>
-          <p:nvPr>
-            <p:extLst>
-              <p:ext uri="{D42A27DB-BD31-4B8C-83A1-F6EECF244321}">
-                <p14:modId xmlns:p14="http://schemas.microsoft.com/office/powerpoint/2010/main" val="2419945241"/>
-              </p:ext>
-            </p:extLst>
-          </p:nvPr>
-        </p:nvGraphicFramePr>
-        <p:xfrm>
-          <a:off x="3043958" y="4643853"/>
-          <a:ext cx="5626101" cy="2077090"/>
-        </p:xfrm>
-        <a:graphic>
-          <a:graphicData uri="http://schemas.openxmlformats.org/drawingml/2006/table">
-            <a:tbl>
-              <a:tblPr/>
-              <a:tblGrid>
-                <a:gridCol w="958240">
-                  <a:extLst>
-                    <a:ext uri="{9D8B030D-6E8A-4147-A177-3AD203B41FA5}">
-                      <a16:colId xmlns:a16="http://schemas.microsoft.com/office/drawing/2014/main" val="3813222125"/>
-                    </a:ext>
-                  </a:extLst>
-                </a:gridCol>
-                <a:gridCol w="521815">
-                  <a:extLst>
-                    <a:ext uri="{9D8B030D-6E8A-4147-A177-3AD203B41FA5}">
-                      <a16:colId xmlns:a16="http://schemas.microsoft.com/office/drawing/2014/main" val="2003939830"/>
-                    </a:ext>
-                  </a:extLst>
-                </a:gridCol>
-                <a:gridCol w="1176452">
-                  <a:extLst>
-                    <a:ext uri="{9D8B030D-6E8A-4147-A177-3AD203B41FA5}">
-                      <a16:colId xmlns:a16="http://schemas.microsoft.com/office/drawing/2014/main" val="463145195"/>
-                    </a:ext>
-                  </a:extLst>
-                </a:gridCol>
-                <a:gridCol w="1176452">
-                  <a:extLst>
-                    <a:ext uri="{9D8B030D-6E8A-4147-A177-3AD203B41FA5}">
-                      <a16:colId xmlns:a16="http://schemas.microsoft.com/office/drawing/2014/main" val="2397974668"/>
-                    </a:ext>
-                  </a:extLst>
-                </a:gridCol>
-                <a:gridCol w="1793142">
-                  <a:extLst>
-                    <a:ext uri="{9D8B030D-6E8A-4147-A177-3AD203B41FA5}">
-                      <a16:colId xmlns:a16="http://schemas.microsoft.com/office/drawing/2014/main" val="2602325125"/>
-                    </a:ext>
-                  </a:extLst>
-                </a:gridCol>
-              </a:tblGrid>
-              <a:tr h="176530">
-                <a:tc gridSpan="5">
-                  <a:txBody>
-                    <a:bodyPr/>
-                    <a:lstStyle/>
-                    <a:p>
-                      <a:pPr algn="ctr" fontAlgn="b"/>
-                      <a:r>
-                        <a:rPr lang="en-US" sz="1100" b="1" i="0" u="none" strike="noStrike">
-                          <a:solidFill>
-                            <a:srgbClr val="FFFFFF"/>
-                          </a:solidFill>
-                          <a:effectLst/>
-                          <a:latin typeface="Oswald"/>
-                        </a:rPr>
-                        <a:t>Top 10 Cities by Total Funding</a:t>
-                      </a:r>
-                    </a:p>
-                  </a:txBody>
-                  <a:tcPr marL="4763" marR="4763" marT="4763" marB="0" anchor="b">
-                    <a:lnL w="6350" cap="flat" cmpd="sng" algn="ctr">
-                      <a:solidFill>
-                        <a:srgbClr val="000000"/>
-                      </a:solidFill>
-                      <a:prstDash val="solid"/>
-                      <a:round/>
-                      <a:headEnd type="none" w="med" len="med"/>
-                      <a:tailEnd type="none" w="med" len="med"/>
-                    </a:lnL>
-                    <a:lnR w="6350" cap="flat" cmpd="sng" algn="ctr">
-                      <a:solidFill>
-                        <a:srgbClr val="000000"/>
-                      </a:solidFill>
-                      <a:prstDash val="solid"/>
-                      <a:round/>
-                      <a:headEnd type="none" w="med" len="med"/>
-                      <a:tailEnd type="none" w="med" len="med"/>
-                    </a:lnR>
-                    <a:lnT w="6350" cap="flat" cmpd="sng" algn="ctr">
-                      <a:solidFill>
-                        <a:srgbClr val="000000"/>
-                      </a:solidFill>
-                      <a:prstDash val="solid"/>
-                      <a:round/>
-                      <a:headEnd type="none" w="med" len="med"/>
-                      <a:tailEnd type="none" w="med" len="med"/>
-                    </a:lnT>
-                    <a:lnB w="6350" cap="flat" cmpd="sng" algn="ctr">
-                      <a:solidFill>
-                        <a:srgbClr val="000000"/>
-                      </a:solidFill>
-                      <a:prstDash val="solid"/>
-                      <a:round/>
-                      <a:headEnd type="none" w="med" len="med"/>
-                      <a:tailEnd type="none" w="med" len="med"/>
-                    </a:lnB>
-                    <a:solidFill>
-                      <a:srgbClr val="A6A6A6"/>
-                    </a:solidFill>
-                  </a:tcPr>
-                </a:tc>
-                <a:tc hMerge="1">
-                  <a:txBody>
-                    <a:bodyPr/>
-                    <a:lstStyle/>
-                    <a:p>
-                      <a:endParaRPr lang="en-US"/>
-                    </a:p>
-                  </a:txBody>
-                  <a:tcPr/>
-                </a:tc>
-                <a:tc hMerge="1">
-                  <a:txBody>
-                    <a:bodyPr/>
-                    <a:lstStyle/>
-                    <a:p>
-                      <a:endParaRPr lang="en-US"/>
-                    </a:p>
-                  </a:txBody>
-                  <a:tcPr/>
-                </a:tc>
-                <a:tc hMerge="1">
-                  <a:txBody>
-                    <a:bodyPr/>
-                    <a:lstStyle/>
-                    <a:p>
-                      <a:endParaRPr lang="en-US"/>
-                    </a:p>
-                  </a:txBody>
-                  <a:tcPr/>
-                </a:tc>
-                <a:tc hMerge="1">
-                  <a:txBody>
-                    <a:bodyPr/>
-                    <a:lstStyle/>
-                    <a:p>
-                      <a:endParaRPr lang="en-US"/>
-                    </a:p>
-                  </a:txBody>
-                  <a:tcPr/>
-                </a:tc>
-                <a:extLst>
-                  <a:ext uri="{0D108BD9-81ED-4DB2-BD59-A6C34878D82A}">
-                    <a16:rowId xmlns:a16="http://schemas.microsoft.com/office/drawing/2014/main" val="1121655290"/>
-                  </a:ext>
-                </a:extLst>
-              </a:tr>
-              <a:tr h="176530">
-                <a:tc>
-                  <a:txBody>
-                    <a:bodyPr/>
-                    <a:lstStyle/>
-                    <a:p>
-                      <a:pPr algn="ctr" fontAlgn="b"/>
-                      <a:r>
-                        <a:rPr lang="en-US" sz="1100" b="1" i="0" u="none" strike="noStrike">
-                          <a:solidFill>
-                            <a:srgbClr val="FFFFFF"/>
-                          </a:solidFill>
-                          <a:effectLst/>
-                          <a:latin typeface="Oswald"/>
-                        </a:rPr>
-                        <a:t>City</a:t>
-                      </a:r>
-                    </a:p>
-                  </a:txBody>
-                  <a:tcPr marL="4763" marR="4763" marT="4763" marB="0" anchor="b">
-                    <a:lnL w="6350" cap="flat" cmpd="sng" algn="ctr">
-                      <a:solidFill>
-                        <a:srgbClr val="000000"/>
-                      </a:solidFill>
-                      <a:prstDash val="solid"/>
-                      <a:round/>
-                      <a:headEnd type="none" w="med" len="med"/>
-                      <a:tailEnd type="none" w="med" len="med"/>
-                    </a:lnL>
-                    <a:lnR w="6350" cap="flat" cmpd="sng" algn="ctr">
-                      <a:solidFill>
-                        <a:srgbClr val="000000"/>
-                      </a:solidFill>
-                      <a:prstDash val="solid"/>
-                      <a:round/>
-                      <a:headEnd type="none" w="med" len="med"/>
-                      <a:tailEnd type="none" w="med" len="med"/>
-                    </a:lnR>
-                    <a:lnT w="6350" cap="flat" cmpd="sng" algn="ctr">
-                      <a:solidFill>
-                        <a:srgbClr val="000000"/>
-                      </a:solidFill>
-                      <a:prstDash val="solid"/>
-                      <a:round/>
-                      <a:headEnd type="none" w="med" len="med"/>
-                      <a:tailEnd type="none" w="med" len="med"/>
-                    </a:lnT>
-                    <a:lnB w="6350" cap="flat" cmpd="sng" algn="ctr">
-                      <a:solidFill>
-                        <a:srgbClr val="000000"/>
-                      </a:solidFill>
-                      <a:prstDash val="solid"/>
-                      <a:round/>
-                      <a:headEnd type="none" w="med" len="med"/>
-                      <a:tailEnd type="none" w="med" len="med"/>
-                    </a:lnB>
-                    <a:solidFill>
-                      <a:srgbClr val="A6A6A6"/>
-                    </a:solidFill>
-                  </a:tcPr>
-                </a:tc>
-                <a:tc>
-                  <a:txBody>
-                    <a:bodyPr/>
-                    <a:lstStyle/>
-                    <a:p>
-                      <a:pPr algn="ctr" fontAlgn="b"/>
-                      <a:r>
-                        <a:rPr lang="en-US" sz="1100" b="1" i="0" u="none" strike="noStrike">
-                          <a:solidFill>
-                            <a:srgbClr val="FFFFFF"/>
-                          </a:solidFill>
-                          <a:effectLst/>
-                          <a:latin typeface="Oswald"/>
-                        </a:rPr>
-                        <a:t>State</a:t>
-                      </a:r>
-                    </a:p>
-                  </a:txBody>
-                  <a:tcPr marL="4763" marR="4763" marT="4763" marB="0" anchor="b">
-                    <a:lnL w="6350" cap="flat" cmpd="sng" algn="ctr">
-                      <a:solidFill>
-                        <a:srgbClr val="000000"/>
-                      </a:solidFill>
-                      <a:prstDash val="solid"/>
-                      <a:round/>
-                      <a:headEnd type="none" w="med" len="med"/>
-                      <a:tailEnd type="none" w="med" len="med"/>
-                    </a:lnL>
-                    <a:lnR w="6350" cap="flat" cmpd="sng" algn="ctr">
-                      <a:solidFill>
-                        <a:srgbClr val="000000"/>
-                      </a:solidFill>
-                      <a:prstDash val="solid"/>
-                      <a:round/>
-                      <a:headEnd type="none" w="med" len="med"/>
-                      <a:tailEnd type="none" w="med" len="med"/>
-                    </a:lnR>
-                    <a:lnT w="6350" cap="flat" cmpd="sng" algn="ctr">
-                      <a:solidFill>
-                        <a:srgbClr val="000000"/>
-                      </a:solidFill>
-                      <a:prstDash val="solid"/>
-                      <a:round/>
-                      <a:headEnd type="none" w="med" len="med"/>
-                      <a:tailEnd type="none" w="med" len="med"/>
-                    </a:lnT>
-                    <a:lnB w="6350" cap="flat" cmpd="sng" algn="ctr">
-                      <a:solidFill>
-                        <a:srgbClr val="000000"/>
-                      </a:solidFill>
-                      <a:prstDash val="solid"/>
-                      <a:round/>
-                      <a:headEnd type="none" w="med" len="med"/>
-                      <a:tailEnd type="none" w="med" len="med"/>
-                    </a:lnB>
-                    <a:solidFill>
-                      <a:srgbClr val="A6A6A6"/>
-                    </a:solidFill>
-                  </a:tcPr>
-                </a:tc>
-                <a:tc>
-                  <a:txBody>
-                    <a:bodyPr/>
-                    <a:lstStyle/>
-                    <a:p>
-                      <a:pPr algn="ctr" fontAlgn="b"/>
-                      <a:r>
-                        <a:rPr lang="en-US" sz="1100" b="1" i="0" u="none" strike="noStrike">
-                          <a:solidFill>
-                            <a:srgbClr val="FFFFFF"/>
-                          </a:solidFill>
-                          <a:effectLst/>
-                          <a:latin typeface="Oswald"/>
-                        </a:rPr>
-                        <a:t>Total Funding</a:t>
-                      </a:r>
-                    </a:p>
-                  </a:txBody>
-                  <a:tcPr marL="4763" marR="4763" marT="4763" marB="0" anchor="b">
-                    <a:lnL w="6350" cap="flat" cmpd="sng" algn="ctr">
-                      <a:solidFill>
-                        <a:srgbClr val="000000"/>
-                      </a:solidFill>
-                      <a:prstDash val="solid"/>
-                      <a:round/>
-                      <a:headEnd type="none" w="med" len="med"/>
-                      <a:tailEnd type="none" w="med" len="med"/>
-                    </a:lnL>
-                    <a:lnR w="6350" cap="flat" cmpd="sng" algn="ctr">
-                      <a:solidFill>
-                        <a:srgbClr val="000000"/>
-                      </a:solidFill>
-                      <a:prstDash val="solid"/>
-                      <a:round/>
-                      <a:headEnd type="none" w="med" len="med"/>
-                      <a:tailEnd type="none" w="med" len="med"/>
-                    </a:lnR>
-                    <a:lnT w="6350" cap="flat" cmpd="sng" algn="ctr">
-                      <a:solidFill>
-                        <a:srgbClr val="000000"/>
-                      </a:solidFill>
-                      <a:prstDash val="solid"/>
-                      <a:round/>
-                      <a:headEnd type="none" w="med" len="med"/>
-                      <a:tailEnd type="none" w="med" len="med"/>
-                    </a:lnT>
-                    <a:lnB w="6350" cap="flat" cmpd="sng" algn="ctr">
-                      <a:solidFill>
-                        <a:srgbClr val="000000"/>
-                      </a:solidFill>
-                      <a:prstDash val="solid"/>
-                      <a:round/>
-                      <a:headEnd type="none" w="med" len="med"/>
-                      <a:tailEnd type="none" w="med" len="med"/>
-                    </a:lnB>
-                    <a:solidFill>
-                      <a:srgbClr val="A6A6A6"/>
-                    </a:solidFill>
-                  </a:tcPr>
-                </a:tc>
-                <a:tc>
-                  <a:txBody>
-                    <a:bodyPr/>
-                    <a:lstStyle/>
-                    <a:p>
-                      <a:pPr algn="ctr" fontAlgn="b"/>
-                      <a:r>
-                        <a:rPr lang="en-US" sz="1100" b="1" i="0" u="none" strike="noStrike">
-                          <a:solidFill>
-                            <a:srgbClr val="FFFFFF"/>
-                          </a:solidFill>
-                          <a:effectLst/>
-                          <a:latin typeface="Oswald"/>
-                        </a:rPr>
-                        <a:t>Total Investors</a:t>
-                      </a:r>
-                    </a:p>
-                  </a:txBody>
-                  <a:tcPr marL="4763" marR="4763" marT="4763" marB="0" anchor="b">
-                    <a:lnL w="6350" cap="flat" cmpd="sng" algn="ctr">
-                      <a:solidFill>
-                        <a:srgbClr val="000000"/>
-                      </a:solidFill>
-                      <a:prstDash val="solid"/>
-                      <a:round/>
-                      <a:headEnd type="none" w="med" len="med"/>
-                      <a:tailEnd type="none" w="med" len="med"/>
-                    </a:lnL>
-                    <a:lnR w="6350" cap="flat" cmpd="sng" algn="ctr">
-                      <a:solidFill>
-                        <a:srgbClr val="000000"/>
-                      </a:solidFill>
-                      <a:prstDash val="solid"/>
-                      <a:round/>
-                      <a:headEnd type="none" w="med" len="med"/>
-                      <a:tailEnd type="none" w="med" len="med"/>
-                    </a:lnR>
-                    <a:lnT w="6350" cap="flat" cmpd="sng" algn="ctr">
-                      <a:solidFill>
-                        <a:srgbClr val="000000"/>
-                      </a:solidFill>
-                      <a:prstDash val="solid"/>
-                      <a:round/>
-                      <a:headEnd type="none" w="med" len="med"/>
-                      <a:tailEnd type="none" w="med" len="med"/>
-                    </a:lnT>
-                    <a:lnB w="6350" cap="flat" cmpd="sng" algn="ctr">
-                      <a:solidFill>
-                        <a:srgbClr val="000000"/>
-                      </a:solidFill>
-                      <a:prstDash val="solid"/>
-                      <a:round/>
-                      <a:headEnd type="none" w="med" len="med"/>
-                      <a:tailEnd type="none" w="med" len="med"/>
-                    </a:lnB>
-                    <a:solidFill>
-                      <a:srgbClr val="A6A6A6"/>
-                    </a:solidFill>
-                  </a:tcPr>
-                </a:tc>
-                <a:tc>
-                  <a:txBody>
-                    <a:bodyPr/>
-                    <a:lstStyle/>
-                    <a:p>
-                      <a:pPr algn="ctr" fontAlgn="b"/>
-                      <a:r>
-                        <a:rPr lang="en-US" sz="1100" b="1" i="0" u="none" strike="noStrike">
-                          <a:solidFill>
-                            <a:srgbClr val="FFFFFF"/>
-                          </a:solidFill>
-                          <a:effectLst/>
-                          <a:latin typeface="Oswald"/>
-                        </a:rPr>
-                        <a:t>Average of Max Temp(F)</a:t>
-                      </a:r>
-                    </a:p>
-                  </a:txBody>
-                  <a:tcPr marL="4763" marR="4763" marT="4763" marB="0" anchor="b">
-                    <a:lnL w="6350" cap="flat" cmpd="sng" algn="ctr">
-                      <a:solidFill>
-                        <a:srgbClr val="000000"/>
-                      </a:solidFill>
-                      <a:prstDash val="solid"/>
-                      <a:round/>
-                      <a:headEnd type="none" w="med" len="med"/>
-                      <a:tailEnd type="none" w="med" len="med"/>
-                    </a:lnL>
-                    <a:lnR w="6350" cap="flat" cmpd="sng" algn="ctr">
-                      <a:solidFill>
-                        <a:srgbClr val="000000"/>
-                      </a:solidFill>
-                      <a:prstDash val="solid"/>
-                      <a:round/>
-                      <a:headEnd type="none" w="med" len="med"/>
-                      <a:tailEnd type="none" w="med" len="med"/>
-                    </a:lnR>
-                    <a:lnT w="6350" cap="flat" cmpd="sng" algn="ctr">
-                      <a:solidFill>
-                        <a:srgbClr val="000000"/>
-                      </a:solidFill>
-                      <a:prstDash val="solid"/>
-                      <a:round/>
-                      <a:headEnd type="none" w="med" len="med"/>
-                      <a:tailEnd type="none" w="med" len="med"/>
-                    </a:lnT>
-                    <a:lnB w="6350" cap="flat" cmpd="sng" algn="ctr">
-                      <a:solidFill>
-                        <a:srgbClr val="000000"/>
-                      </a:solidFill>
-                      <a:prstDash val="solid"/>
-                      <a:round/>
-                      <a:headEnd type="none" w="med" len="med"/>
-                      <a:tailEnd type="none" w="med" len="med"/>
-                    </a:lnB>
-                    <a:solidFill>
-                      <a:srgbClr val="A6A6A6"/>
-                    </a:solidFill>
-                  </a:tcPr>
-                </a:tc>
-                <a:extLst>
-                  <a:ext uri="{0D108BD9-81ED-4DB2-BD59-A6C34878D82A}">
-                    <a16:rowId xmlns:a16="http://schemas.microsoft.com/office/drawing/2014/main" val="1084449254"/>
-                  </a:ext>
-                </a:extLst>
-              </a:tr>
-              <a:tr h="171450">
-                <a:tc>
-                  <a:txBody>
-                    <a:bodyPr/>
-                    <a:lstStyle/>
-                    <a:p>
-                      <a:pPr algn="l" fontAlgn="b"/>
-                      <a:r>
-                        <a:rPr lang="en-US" sz="1100" b="0" i="0" u="none" strike="noStrike">
-                          <a:solidFill>
-                            <a:srgbClr val="000000"/>
-                          </a:solidFill>
-                          <a:effectLst/>
-                          <a:latin typeface="Oswald"/>
-                        </a:rPr>
-                        <a:t>San Francisco</a:t>
-                      </a:r>
-                    </a:p>
-                  </a:txBody>
-                  <a:tcPr marL="4763" marR="4763" marT="4763" marB="0" anchor="b">
-                    <a:lnL w="6350" cap="flat" cmpd="sng" algn="ctr">
-                      <a:solidFill>
-                        <a:srgbClr val="000000"/>
-                      </a:solidFill>
-                      <a:prstDash val="solid"/>
-                      <a:round/>
-                      <a:headEnd type="none" w="med" len="med"/>
-                      <a:tailEnd type="none" w="med" len="med"/>
-                    </a:lnL>
-                    <a:lnR w="6350" cap="flat" cmpd="sng" algn="ctr">
-                      <a:solidFill>
-                        <a:srgbClr val="000000"/>
-                      </a:solidFill>
-                      <a:prstDash val="solid"/>
-                      <a:round/>
-                      <a:headEnd type="none" w="med" len="med"/>
-                      <a:tailEnd type="none" w="med" len="med"/>
-                    </a:lnR>
-                    <a:lnT w="6350" cap="flat" cmpd="sng" algn="ctr">
-                      <a:solidFill>
-                        <a:srgbClr val="000000"/>
-                      </a:solidFill>
-                      <a:prstDash val="solid"/>
-                      <a:round/>
-                      <a:headEnd type="none" w="med" len="med"/>
-                      <a:tailEnd type="none" w="med" len="med"/>
-                    </a:lnT>
-                    <a:lnB w="6350" cap="flat" cmpd="sng" algn="ctr">
-                      <a:solidFill>
-                        <a:srgbClr val="000000"/>
-                      </a:solidFill>
-                      <a:prstDash val="solid"/>
-                      <a:round/>
-                      <a:headEnd type="none" w="med" len="med"/>
-                      <a:tailEnd type="none" w="med" len="med"/>
-                    </a:lnB>
-                    <a:solidFill>
-                      <a:srgbClr val="FFFFFF"/>
-                    </a:solidFill>
-                  </a:tcPr>
-                </a:tc>
-                <a:tc>
-                  <a:txBody>
-                    <a:bodyPr/>
-                    <a:lstStyle/>
-                    <a:p>
-                      <a:pPr algn="l" fontAlgn="b"/>
-                      <a:r>
-                        <a:rPr lang="en-US" sz="1100" b="0" i="0" u="none" strike="noStrike">
-                          <a:solidFill>
-                            <a:srgbClr val="000000"/>
-                          </a:solidFill>
-                          <a:effectLst/>
-                          <a:latin typeface="Oswald"/>
-                        </a:rPr>
-                        <a:t>CA</a:t>
-                      </a:r>
-                    </a:p>
-                  </a:txBody>
-                  <a:tcPr marL="4763" marR="4763" marT="4763" marB="0" anchor="b">
-                    <a:lnL w="6350" cap="flat" cmpd="sng" algn="ctr">
-                      <a:solidFill>
-                        <a:srgbClr val="000000"/>
-                      </a:solidFill>
-                      <a:prstDash val="solid"/>
-                      <a:round/>
-                      <a:headEnd type="none" w="med" len="med"/>
-                      <a:tailEnd type="none" w="med" len="med"/>
-                    </a:lnL>
-                    <a:lnR w="6350" cap="flat" cmpd="sng" algn="ctr">
-                      <a:solidFill>
-                        <a:srgbClr val="000000"/>
-                      </a:solidFill>
-                      <a:prstDash val="solid"/>
-                      <a:round/>
-                      <a:headEnd type="none" w="med" len="med"/>
-                      <a:tailEnd type="none" w="med" len="med"/>
-                    </a:lnR>
-                    <a:lnT w="6350" cap="flat" cmpd="sng" algn="ctr">
-                      <a:solidFill>
-                        <a:srgbClr val="000000"/>
-                      </a:solidFill>
-                      <a:prstDash val="solid"/>
-                      <a:round/>
-                      <a:headEnd type="none" w="med" len="med"/>
-                      <a:tailEnd type="none" w="med" len="med"/>
-                    </a:lnT>
-                    <a:lnB w="6350" cap="flat" cmpd="sng" algn="ctr">
-                      <a:solidFill>
-                        <a:srgbClr val="000000"/>
-                      </a:solidFill>
-                      <a:prstDash val="solid"/>
-                      <a:round/>
-                      <a:headEnd type="none" w="med" len="med"/>
-                      <a:tailEnd type="none" w="med" len="med"/>
-                    </a:lnB>
-                    <a:solidFill>
-                      <a:srgbClr val="FFFFFF"/>
-                    </a:solidFill>
-                  </a:tcPr>
-                </a:tc>
-                <a:tc>
-                  <a:txBody>
-                    <a:bodyPr/>
-                    <a:lstStyle/>
-                    <a:p>
-                      <a:pPr algn="l" fontAlgn="b"/>
-                      <a:r>
-                        <a:rPr lang="en-US" sz="1100" b="0" i="0" u="none" strike="noStrike">
-                          <a:solidFill>
-                            <a:srgbClr val="000000"/>
-                          </a:solidFill>
-                          <a:effectLst/>
-                          <a:latin typeface="Oswald"/>
-                        </a:rPr>
-                        <a:t> $58,849,838,747 </a:t>
-                      </a:r>
-                    </a:p>
-                  </a:txBody>
-                  <a:tcPr marL="4763" marR="4763" marT="4763" marB="0" anchor="b">
-                    <a:lnL w="6350" cap="flat" cmpd="sng" algn="ctr">
-                      <a:solidFill>
-                        <a:srgbClr val="000000"/>
-                      </a:solidFill>
-                      <a:prstDash val="solid"/>
-                      <a:round/>
-                      <a:headEnd type="none" w="med" len="med"/>
-                      <a:tailEnd type="none" w="med" len="med"/>
-                    </a:lnL>
-                    <a:lnR w="6350" cap="flat" cmpd="sng" algn="ctr">
-                      <a:solidFill>
-                        <a:srgbClr val="000000"/>
-                      </a:solidFill>
-                      <a:prstDash val="solid"/>
-                      <a:round/>
-                      <a:headEnd type="none" w="med" len="med"/>
-                      <a:tailEnd type="none" w="med" len="med"/>
-                    </a:lnR>
-                    <a:lnT w="6350" cap="flat" cmpd="sng" algn="ctr">
-                      <a:solidFill>
-                        <a:srgbClr val="000000"/>
-                      </a:solidFill>
-                      <a:prstDash val="solid"/>
-                      <a:round/>
-                      <a:headEnd type="none" w="med" len="med"/>
-                      <a:tailEnd type="none" w="med" len="med"/>
-                    </a:lnT>
-                    <a:lnB w="6350" cap="flat" cmpd="sng" algn="ctr">
-                      <a:solidFill>
-                        <a:srgbClr val="000000"/>
-                      </a:solidFill>
-                      <a:prstDash val="solid"/>
-                      <a:round/>
-                      <a:headEnd type="none" w="med" len="med"/>
-                      <a:tailEnd type="none" w="med" len="med"/>
-                    </a:lnB>
-                    <a:solidFill>
-                      <a:srgbClr val="FFFFFF"/>
-                    </a:solidFill>
-                  </a:tcPr>
-                </a:tc>
-                <a:tc>
-                  <a:txBody>
-                    <a:bodyPr/>
-                    <a:lstStyle/>
-                    <a:p>
-                      <a:pPr algn="r" fontAlgn="b"/>
-                      <a:r>
-                        <a:rPr lang="en-US" sz="1100" b="0" i="0" u="none" strike="noStrike">
-                          <a:solidFill>
-                            <a:srgbClr val="000000"/>
-                          </a:solidFill>
-                          <a:effectLst/>
-                          <a:latin typeface="Oswald"/>
-                        </a:rPr>
-                        <a:t>12052</a:t>
-                      </a:r>
-                    </a:p>
-                  </a:txBody>
-                  <a:tcPr marL="4763" marR="4763" marT="4763" marB="0" anchor="b">
-                    <a:lnL w="6350" cap="flat" cmpd="sng" algn="ctr">
-                      <a:solidFill>
-                        <a:srgbClr val="000000"/>
-                      </a:solidFill>
-                      <a:prstDash val="solid"/>
-                      <a:round/>
-                      <a:headEnd type="none" w="med" len="med"/>
-                      <a:tailEnd type="none" w="med" len="med"/>
-                    </a:lnL>
-                    <a:lnR w="6350" cap="flat" cmpd="sng" algn="ctr">
-                      <a:solidFill>
-                        <a:srgbClr val="000000"/>
-                      </a:solidFill>
-                      <a:prstDash val="solid"/>
-                      <a:round/>
-                      <a:headEnd type="none" w="med" len="med"/>
-                      <a:tailEnd type="none" w="med" len="med"/>
-                    </a:lnR>
-                    <a:lnT w="6350" cap="flat" cmpd="sng" algn="ctr">
-                      <a:solidFill>
-                        <a:srgbClr val="000000"/>
-                      </a:solidFill>
-                      <a:prstDash val="solid"/>
-                      <a:round/>
-                      <a:headEnd type="none" w="med" len="med"/>
-                      <a:tailEnd type="none" w="med" len="med"/>
-                    </a:lnT>
-                    <a:lnB w="6350" cap="flat" cmpd="sng" algn="ctr">
-                      <a:solidFill>
-                        <a:srgbClr val="000000"/>
-                      </a:solidFill>
-                      <a:prstDash val="solid"/>
-                      <a:round/>
-                      <a:headEnd type="none" w="med" len="med"/>
-                      <a:tailEnd type="none" w="med" len="med"/>
-                    </a:lnB>
-                    <a:solidFill>
-                      <a:srgbClr val="FFFFFF"/>
-                    </a:solidFill>
-                  </a:tcPr>
-                </a:tc>
-                <a:tc>
-                  <a:txBody>
-                    <a:bodyPr/>
-                    <a:lstStyle/>
-                    <a:p>
-                      <a:pPr algn="r" fontAlgn="b"/>
-                      <a:r>
-                        <a:rPr lang="en-US" sz="1100" b="0" i="0" u="none" strike="noStrike">
-                          <a:solidFill>
-                            <a:srgbClr val="000000"/>
-                          </a:solidFill>
-                          <a:effectLst/>
-                          <a:latin typeface="Oswald"/>
-                        </a:rPr>
-                        <a:t>69.01</a:t>
-                      </a:r>
-                    </a:p>
-                  </a:txBody>
-                  <a:tcPr marL="4763" marR="4763" marT="4763" marB="0" anchor="b">
-                    <a:lnL w="6350" cap="flat" cmpd="sng" algn="ctr">
-                      <a:solidFill>
-                        <a:srgbClr val="000000"/>
-                      </a:solidFill>
-                      <a:prstDash val="solid"/>
-                      <a:round/>
-                      <a:headEnd type="none" w="med" len="med"/>
-                      <a:tailEnd type="none" w="med" len="med"/>
-                    </a:lnL>
-                    <a:lnR w="6350" cap="flat" cmpd="sng" algn="ctr">
-                      <a:solidFill>
-                        <a:srgbClr val="000000"/>
-                      </a:solidFill>
-                      <a:prstDash val="solid"/>
-                      <a:round/>
-                      <a:headEnd type="none" w="med" len="med"/>
-                      <a:tailEnd type="none" w="med" len="med"/>
-                    </a:lnR>
-                    <a:lnT w="6350" cap="flat" cmpd="sng" algn="ctr">
-                      <a:solidFill>
-                        <a:srgbClr val="000000"/>
-                      </a:solidFill>
-                      <a:prstDash val="solid"/>
-                      <a:round/>
-                      <a:headEnd type="none" w="med" len="med"/>
-                      <a:tailEnd type="none" w="med" len="med"/>
-                    </a:lnT>
-                    <a:lnB w="6350" cap="flat" cmpd="sng" algn="ctr">
-                      <a:solidFill>
-                        <a:srgbClr val="000000"/>
-                      </a:solidFill>
-                      <a:prstDash val="solid"/>
-                      <a:round/>
-                      <a:headEnd type="none" w="med" len="med"/>
-                      <a:tailEnd type="none" w="med" len="med"/>
-                    </a:lnB>
-                    <a:solidFill>
-                      <a:srgbClr val="FFFFFF"/>
-                    </a:solidFill>
-                  </a:tcPr>
-                </a:tc>
-                <a:extLst>
-                  <a:ext uri="{0D108BD9-81ED-4DB2-BD59-A6C34878D82A}">
-                    <a16:rowId xmlns:a16="http://schemas.microsoft.com/office/drawing/2014/main" val="3079730178"/>
-                  </a:ext>
-                </a:extLst>
-              </a:tr>
-              <a:tr h="171450">
-                <a:tc>
-                  <a:txBody>
-                    <a:bodyPr/>
-                    <a:lstStyle/>
-                    <a:p>
-                      <a:pPr algn="l" fontAlgn="b"/>
-                      <a:r>
-                        <a:rPr lang="en-US" sz="1100" b="0" i="0" u="none" strike="noStrike">
-                          <a:solidFill>
-                            <a:srgbClr val="000000"/>
-                          </a:solidFill>
-                          <a:effectLst/>
-                          <a:latin typeface="Oswald"/>
-                        </a:rPr>
-                        <a:t>New York</a:t>
-                      </a:r>
-                    </a:p>
-                  </a:txBody>
-                  <a:tcPr marL="4763" marR="4763" marT="4763" marB="0" anchor="b">
-                    <a:lnL w="6350" cap="flat" cmpd="sng" algn="ctr">
-                      <a:solidFill>
-                        <a:srgbClr val="000000"/>
-                      </a:solidFill>
-                      <a:prstDash val="solid"/>
-                      <a:round/>
-                      <a:headEnd type="none" w="med" len="med"/>
-                      <a:tailEnd type="none" w="med" len="med"/>
-                    </a:lnL>
-                    <a:lnR w="6350" cap="flat" cmpd="sng" algn="ctr">
-                      <a:solidFill>
-                        <a:srgbClr val="000000"/>
-                      </a:solidFill>
-                      <a:prstDash val="solid"/>
-                      <a:round/>
-                      <a:headEnd type="none" w="med" len="med"/>
-                      <a:tailEnd type="none" w="med" len="med"/>
-                    </a:lnR>
-                    <a:lnT w="6350" cap="flat" cmpd="sng" algn="ctr">
-                      <a:solidFill>
-                        <a:srgbClr val="000000"/>
-                      </a:solidFill>
-                      <a:prstDash val="solid"/>
-                      <a:round/>
-                      <a:headEnd type="none" w="med" len="med"/>
-                      <a:tailEnd type="none" w="med" len="med"/>
-                    </a:lnT>
-                    <a:lnB w="6350" cap="flat" cmpd="sng" algn="ctr">
-                      <a:solidFill>
-                        <a:srgbClr val="000000"/>
-                      </a:solidFill>
-                      <a:prstDash val="solid"/>
-                      <a:round/>
-                      <a:headEnd type="none" w="med" len="med"/>
-                      <a:tailEnd type="none" w="med" len="med"/>
-                    </a:lnB>
-                    <a:solidFill>
-                      <a:srgbClr val="FFFFFF"/>
-                    </a:solidFill>
-                  </a:tcPr>
-                </a:tc>
-                <a:tc>
-                  <a:txBody>
-                    <a:bodyPr/>
-                    <a:lstStyle/>
-                    <a:p>
-                      <a:pPr algn="l" fontAlgn="b"/>
-                      <a:r>
-                        <a:rPr lang="en-US" sz="1100" b="0" i="0" u="none" strike="noStrike">
-                          <a:solidFill>
-                            <a:srgbClr val="000000"/>
-                          </a:solidFill>
-                          <a:effectLst/>
-                          <a:latin typeface="Oswald"/>
-                        </a:rPr>
-                        <a:t>NY</a:t>
-                      </a:r>
-                    </a:p>
-                  </a:txBody>
-                  <a:tcPr marL="4763" marR="4763" marT="4763" marB="0" anchor="b">
-                    <a:lnL w="6350" cap="flat" cmpd="sng" algn="ctr">
-                      <a:solidFill>
-                        <a:srgbClr val="000000"/>
-                      </a:solidFill>
-                      <a:prstDash val="solid"/>
-                      <a:round/>
-                      <a:headEnd type="none" w="med" len="med"/>
-                      <a:tailEnd type="none" w="med" len="med"/>
-                    </a:lnL>
-                    <a:lnR w="6350" cap="flat" cmpd="sng" algn="ctr">
-                      <a:solidFill>
-                        <a:srgbClr val="000000"/>
-                      </a:solidFill>
-                      <a:prstDash val="solid"/>
-                      <a:round/>
-                      <a:headEnd type="none" w="med" len="med"/>
-                      <a:tailEnd type="none" w="med" len="med"/>
-                    </a:lnR>
-                    <a:lnT w="6350" cap="flat" cmpd="sng" algn="ctr">
-                      <a:solidFill>
-                        <a:srgbClr val="000000"/>
-                      </a:solidFill>
-                      <a:prstDash val="solid"/>
-                      <a:round/>
-                      <a:headEnd type="none" w="med" len="med"/>
-                      <a:tailEnd type="none" w="med" len="med"/>
-                    </a:lnT>
-                    <a:lnB w="6350" cap="flat" cmpd="sng" algn="ctr">
-                      <a:solidFill>
-                        <a:srgbClr val="000000"/>
-                      </a:solidFill>
-                      <a:prstDash val="solid"/>
-                      <a:round/>
-                      <a:headEnd type="none" w="med" len="med"/>
-                      <a:tailEnd type="none" w="med" len="med"/>
-                    </a:lnB>
-                    <a:solidFill>
-                      <a:srgbClr val="FFFFFF"/>
-                    </a:solidFill>
-                  </a:tcPr>
-                </a:tc>
-                <a:tc>
-                  <a:txBody>
-                    <a:bodyPr/>
-                    <a:lstStyle/>
-                    <a:p>
-                      <a:pPr algn="l" fontAlgn="b"/>
-                      <a:r>
-                        <a:rPr lang="en-US" sz="1100" b="0" i="0" u="none" strike="noStrike">
-                          <a:solidFill>
-                            <a:srgbClr val="000000"/>
-                          </a:solidFill>
-                          <a:effectLst/>
-                          <a:latin typeface="Oswald"/>
-                        </a:rPr>
-                        <a:t> $33,405,582,745 </a:t>
-                      </a:r>
-                    </a:p>
-                  </a:txBody>
-                  <a:tcPr marL="4763" marR="4763" marT="4763" marB="0" anchor="b">
-                    <a:lnL w="6350" cap="flat" cmpd="sng" algn="ctr">
-                      <a:solidFill>
-                        <a:srgbClr val="000000"/>
-                      </a:solidFill>
-                      <a:prstDash val="solid"/>
-                      <a:round/>
-                      <a:headEnd type="none" w="med" len="med"/>
-                      <a:tailEnd type="none" w="med" len="med"/>
-                    </a:lnL>
-                    <a:lnR w="6350" cap="flat" cmpd="sng" algn="ctr">
-                      <a:solidFill>
-                        <a:srgbClr val="000000"/>
-                      </a:solidFill>
-                      <a:prstDash val="solid"/>
-                      <a:round/>
-                      <a:headEnd type="none" w="med" len="med"/>
-                      <a:tailEnd type="none" w="med" len="med"/>
-                    </a:lnR>
-                    <a:lnT w="6350" cap="flat" cmpd="sng" algn="ctr">
-                      <a:solidFill>
-                        <a:srgbClr val="000000"/>
-                      </a:solidFill>
-                      <a:prstDash val="solid"/>
-                      <a:round/>
-                      <a:headEnd type="none" w="med" len="med"/>
-                      <a:tailEnd type="none" w="med" len="med"/>
-                    </a:lnT>
-                    <a:lnB w="6350" cap="flat" cmpd="sng" algn="ctr">
-                      <a:solidFill>
-                        <a:srgbClr val="000000"/>
-                      </a:solidFill>
-                      <a:prstDash val="solid"/>
-                      <a:round/>
-                      <a:headEnd type="none" w="med" len="med"/>
-                      <a:tailEnd type="none" w="med" len="med"/>
-                    </a:lnB>
-                    <a:solidFill>
-                      <a:srgbClr val="FFFFFF"/>
-                    </a:solidFill>
-                  </a:tcPr>
-                </a:tc>
-                <a:tc>
-                  <a:txBody>
-                    <a:bodyPr/>
-                    <a:lstStyle/>
-                    <a:p>
-                      <a:pPr algn="r" fontAlgn="b"/>
-                      <a:r>
-                        <a:rPr lang="en-US" sz="1100" b="0" i="0" u="none" strike="noStrike">
-                          <a:solidFill>
-                            <a:srgbClr val="000000"/>
-                          </a:solidFill>
-                          <a:effectLst/>
-                          <a:latin typeface="Oswald"/>
-                        </a:rPr>
-                        <a:t>7149</a:t>
-                      </a:r>
-                    </a:p>
-                  </a:txBody>
-                  <a:tcPr marL="4763" marR="4763" marT="4763" marB="0" anchor="b">
-                    <a:lnL w="6350" cap="flat" cmpd="sng" algn="ctr">
-                      <a:solidFill>
-                        <a:srgbClr val="000000"/>
-                      </a:solidFill>
-                      <a:prstDash val="solid"/>
-                      <a:round/>
-                      <a:headEnd type="none" w="med" len="med"/>
-                      <a:tailEnd type="none" w="med" len="med"/>
-                    </a:lnL>
-                    <a:lnR w="6350" cap="flat" cmpd="sng" algn="ctr">
-                      <a:solidFill>
-                        <a:srgbClr val="000000"/>
-                      </a:solidFill>
-                      <a:prstDash val="solid"/>
-                      <a:round/>
-                      <a:headEnd type="none" w="med" len="med"/>
-                      <a:tailEnd type="none" w="med" len="med"/>
-                    </a:lnR>
-                    <a:lnT w="6350" cap="flat" cmpd="sng" algn="ctr">
-                      <a:solidFill>
-                        <a:srgbClr val="000000"/>
-                      </a:solidFill>
-                      <a:prstDash val="solid"/>
-                      <a:round/>
-                      <a:headEnd type="none" w="med" len="med"/>
-                      <a:tailEnd type="none" w="med" len="med"/>
-                    </a:lnT>
-                    <a:lnB w="6350" cap="flat" cmpd="sng" algn="ctr">
-                      <a:solidFill>
-                        <a:srgbClr val="000000"/>
-                      </a:solidFill>
-                      <a:prstDash val="solid"/>
-                      <a:round/>
-                      <a:headEnd type="none" w="med" len="med"/>
-                      <a:tailEnd type="none" w="med" len="med"/>
-                    </a:lnB>
-                    <a:solidFill>
-                      <a:srgbClr val="FFFFFF"/>
-                    </a:solidFill>
-                  </a:tcPr>
-                </a:tc>
-                <a:tc>
-                  <a:txBody>
-                    <a:bodyPr/>
-                    <a:lstStyle/>
-                    <a:p>
-                      <a:pPr algn="r" fontAlgn="b"/>
-                      <a:r>
-                        <a:rPr lang="en-US" sz="1100" b="0" i="0" u="none" strike="noStrike">
-                          <a:solidFill>
-                            <a:srgbClr val="000000"/>
-                          </a:solidFill>
-                          <a:effectLst/>
-                          <a:latin typeface="Oswald"/>
-                        </a:rPr>
-                        <a:t>80.01</a:t>
-                      </a:r>
-                    </a:p>
-                  </a:txBody>
-                  <a:tcPr marL="4763" marR="4763" marT="4763" marB="0" anchor="b">
-                    <a:lnL w="6350" cap="flat" cmpd="sng" algn="ctr">
-                      <a:solidFill>
-                        <a:srgbClr val="000000"/>
-                      </a:solidFill>
-                      <a:prstDash val="solid"/>
-                      <a:round/>
-                      <a:headEnd type="none" w="med" len="med"/>
-                      <a:tailEnd type="none" w="med" len="med"/>
-                    </a:lnL>
-                    <a:lnR w="6350" cap="flat" cmpd="sng" algn="ctr">
-                      <a:solidFill>
-                        <a:srgbClr val="000000"/>
-                      </a:solidFill>
-                      <a:prstDash val="solid"/>
-                      <a:round/>
-                      <a:headEnd type="none" w="med" len="med"/>
-                      <a:tailEnd type="none" w="med" len="med"/>
-                    </a:lnR>
-                    <a:lnT w="6350" cap="flat" cmpd="sng" algn="ctr">
-                      <a:solidFill>
-                        <a:srgbClr val="000000"/>
-                      </a:solidFill>
-                      <a:prstDash val="solid"/>
-                      <a:round/>
-                      <a:headEnd type="none" w="med" len="med"/>
-                      <a:tailEnd type="none" w="med" len="med"/>
-                    </a:lnT>
-                    <a:lnB w="6350" cap="flat" cmpd="sng" algn="ctr">
-                      <a:solidFill>
-                        <a:srgbClr val="000000"/>
-                      </a:solidFill>
-                      <a:prstDash val="solid"/>
-                      <a:round/>
-                      <a:headEnd type="none" w="med" len="med"/>
-                      <a:tailEnd type="none" w="med" len="med"/>
-                    </a:lnB>
-                    <a:solidFill>
-                      <a:srgbClr val="FFFFFF"/>
-                    </a:solidFill>
-                  </a:tcPr>
-                </a:tc>
-                <a:extLst>
-                  <a:ext uri="{0D108BD9-81ED-4DB2-BD59-A6C34878D82A}">
-                    <a16:rowId xmlns:a16="http://schemas.microsoft.com/office/drawing/2014/main" val="2324711297"/>
-                  </a:ext>
-                </a:extLst>
-              </a:tr>
-              <a:tr h="171450">
-                <a:tc>
-                  <a:txBody>
-                    <a:bodyPr/>
-                    <a:lstStyle/>
-                    <a:p>
-                      <a:pPr algn="l" fontAlgn="b"/>
-                      <a:r>
-                        <a:rPr lang="en-US" sz="1100" b="0" i="0" u="none" strike="noStrike">
-                          <a:solidFill>
-                            <a:srgbClr val="000000"/>
-                          </a:solidFill>
-                          <a:effectLst/>
-                          <a:latin typeface="Oswald"/>
-                        </a:rPr>
-                        <a:t>Palo Alto</a:t>
-                      </a:r>
-                    </a:p>
-                  </a:txBody>
-                  <a:tcPr marL="4763" marR="4763" marT="4763" marB="0" anchor="b">
-                    <a:lnL w="6350" cap="flat" cmpd="sng" algn="ctr">
-                      <a:solidFill>
-                        <a:srgbClr val="000000"/>
-                      </a:solidFill>
-                      <a:prstDash val="solid"/>
-                      <a:round/>
-                      <a:headEnd type="none" w="med" len="med"/>
-                      <a:tailEnd type="none" w="med" len="med"/>
-                    </a:lnL>
-                    <a:lnR w="6350" cap="flat" cmpd="sng" algn="ctr">
-                      <a:solidFill>
-                        <a:srgbClr val="000000"/>
-                      </a:solidFill>
-                      <a:prstDash val="solid"/>
-                      <a:round/>
-                      <a:headEnd type="none" w="med" len="med"/>
-                      <a:tailEnd type="none" w="med" len="med"/>
-                    </a:lnR>
-                    <a:lnT w="6350" cap="flat" cmpd="sng" algn="ctr">
-                      <a:solidFill>
-                        <a:srgbClr val="000000"/>
-                      </a:solidFill>
-                      <a:prstDash val="solid"/>
-                      <a:round/>
-                      <a:headEnd type="none" w="med" len="med"/>
-                      <a:tailEnd type="none" w="med" len="med"/>
-                    </a:lnT>
-                    <a:lnB w="6350" cap="flat" cmpd="sng" algn="ctr">
-                      <a:solidFill>
-                        <a:srgbClr val="000000"/>
-                      </a:solidFill>
-                      <a:prstDash val="solid"/>
-                      <a:round/>
-                      <a:headEnd type="none" w="med" len="med"/>
-                      <a:tailEnd type="none" w="med" len="med"/>
-                    </a:lnB>
-                    <a:solidFill>
-                      <a:srgbClr val="FFFFFF"/>
-                    </a:solidFill>
-                  </a:tcPr>
-                </a:tc>
-                <a:tc>
-                  <a:txBody>
-                    <a:bodyPr/>
-                    <a:lstStyle/>
-                    <a:p>
-                      <a:pPr algn="l" fontAlgn="b"/>
-                      <a:r>
-                        <a:rPr lang="en-US" sz="1100" b="0" i="0" u="none" strike="noStrike">
-                          <a:solidFill>
-                            <a:srgbClr val="000000"/>
-                          </a:solidFill>
-                          <a:effectLst/>
-                          <a:latin typeface="Oswald"/>
-                        </a:rPr>
-                        <a:t>CA</a:t>
-                      </a:r>
-                    </a:p>
-                  </a:txBody>
-                  <a:tcPr marL="4763" marR="4763" marT="4763" marB="0" anchor="b">
-                    <a:lnL w="6350" cap="flat" cmpd="sng" algn="ctr">
-                      <a:solidFill>
-                        <a:srgbClr val="000000"/>
-                      </a:solidFill>
-                      <a:prstDash val="solid"/>
-                      <a:round/>
-                      <a:headEnd type="none" w="med" len="med"/>
-                      <a:tailEnd type="none" w="med" len="med"/>
-                    </a:lnL>
-                    <a:lnR w="6350" cap="flat" cmpd="sng" algn="ctr">
-                      <a:solidFill>
-                        <a:srgbClr val="000000"/>
-                      </a:solidFill>
-                      <a:prstDash val="solid"/>
-                      <a:round/>
-                      <a:headEnd type="none" w="med" len="med"/>
-                      <a:tailEnd type="none" w="med" len="med"/>
-                    </a:lnR>
-                    <a:lnT w="6350" cap="flat" cmpd="sng" algn="ctr">
-                      <a:solidFill>
-                        <a:srgbClr val="000000"/>
-                      </a:solidFill>
-                      <a:prstDash val="solid"/>
-                      <a:round/>
-                      <a:headEnd type="none" w="med" len="med"/>
-                      <a:tailEnd type="none" w="med" len="med"/>
-                    </a:lnT>
-                    <a:lnB w="6350" cap="flat" cmpd="sng" algn="ctr">
-                      <a:solidFill>
-                        <a:srgbClr val="000000"/>
-                      </a:solidFill>
-                      <a:prstDash val="solid"/>
-                      <a:round/>
-                      <a:headEnd type="none" w="med" len="med"/>
-                      <a:tailEnd type="none" w="med" len="med"/>
-                    </a:lnB>
-                    <a:solidFill>
-                      <a:srgbClr val="FFFFFF"/>
-                    </a:solidFill>
-                  </a:tcPr>
-                </a:tc>
-                <a:tc>
-                  <a:txBody>
-                    <a:bodyPr/>
-                    <a:lstStyle/>
-                    <a:p>
-                      <a:pPr algn="l" fontAlgn="b"/>
-                      <a:r>
-                        <a:rPr lang="en-US" sz="1100" b="0" i="0" u="none" strike="noStrike">
-                          <a:solidFill>
-                            <a:srgbClr val="000000"/>
-                          </a:solidFill>
-                          <a:effectLst/>
-                          <a:latin typeface="Oswald"/>
-                        </a:rPr>
-                        <a:t> $13,587,652,470 </a:t>
-                      </a:r>
-                    </a:p>
-                  </a:txBody>
-                  <a:tcPr marL="4763" marR="4763" marT="4763" marB="0" anchor="b">
-                    <a:lnL w="6350" cap="flat" cmpd="sng" algn="ctr">
-                      <a:solidFill>
-                        <a:srgbClr val="000000"/>
-                      </a:solidFill>
-                      <a:prstDash val="solid"/>
-                      <a:round/>
-                      <a:headEnd type="none" w="med" len="med"/>
-                      <a:tailEnd type="none" w="med" len="med"/>
-                    </a:lnL>
-                    <a:lnR w="6350" cap="flat" cmpd="sng" algn="ctr">
-                      <a:solidFill>
-                        <a:srgbClr val="000000"/>
-                      </a:solidFill>
-                      <a:prstDash val="solid"/>
-                      <a:round/>
-                      <a:headEnd type="none" w="med" len="med"/>
-                      <a:tailEnd type="none" w="med" len="med"/>
-                    </a:lnR>
-                    <a:lnT w="6350" cap="flat" cmpd="sng" algn="ctr">
-                      <a:solidFill>
-                        <a:srgbClr val="000000"/>
-                      </a:solidFill>
-                      <a:prstDash val="solid"/>
-                      <a:round/>
-                      <a:headEnd type="none" w="med" len="med"/>
-                      <a:tailEnd type="none" w="med" len="med"/>
-                    </a:lnT>
-                    <a:lnB w="6350" cap="flat" cmpd="sng" algn="ctr">
-                      <a:solidFill>
-                        <a:srgbClr val="000000"/>
-                      </a:solidFill>
-                      <a:prstDash val="solid"/>
-                      <a:round/>
-                      <a:headEnd type="none" w="med" len="med"/>
-                      <a:tailEnd type="none" w="med" len="med"/>
-                    </a:lnB>
-                    <a:solidFill>
-                      <a:srgbClr val="FFFFFF"/>
-                    </a:solidFill>
-                  </a:tcPr>
-                </a:tc>
-                <a:tc>
-                  <a:txBody>
-                    <a:bodyPr/>
-                    <a:lstStyle/>
-                    <a:p>
-                      <a:pPr algn="r" fontAlgn="b"/>
-                      <a:r>
-                        <a:rPr lang="en-US" sz="1100" b="0" i="0" u="none" strike="noStrike">
-                          <a:solidFill>
-                            <a:srgbClr val="000000"/>
-                          </a:solidFill>
-                          <a:effectLst/>
-                          <a:latin typeface="Oswald"/>
-                        </a:rPr>
-                        <a:t>1909</a:t>
-                      </a:r>
-                    </a:p>
-                  </a:txBody>
-                  <a:tcPr marL="4763" marR="4763" marT="4763" marB="0" anchor="b">
-                    <a:lnL w="6350" cap="flat" cmpd="sng" algn="ctr">
-                      <a:solidFill>
-                        <a:srgbClr val="000000"/>
-                      </a:solidFill>
-                      <a:prstDash val="solid"/>
-                      <a:round/>
-                      <a:headEnd type="none" w="med" len="med"/>
-                      <a:tailEnd type="none" w="med" len="med"/>
-                    </a:lnL>
-                    <a:lnR w="6350" cap="flat" cmpd="sng" algn="ctr">
-                      <a:solidFill>
-                        <a:srgbClr val="000000"/>
-                      </a:solidFill>
-                      <a:prstDash val="solid"/>
-                      <a:round/>
-                      <a:headEnd type="none" w="med" len="med"/>
-                      <a:tailEnd type="none" w="med" len="med"/>
-                    </a:lnR>
-                    <a:lnT w="6350" cap="flat" cmpd="sng" algn="ctr">
-                      <a:solidFill>
-                        <a:srgbClr val="000000"/>
-                      </a:solidFill>
-                      <a:prstDash val="solid"/>
-                      <a:round/>
-                      <a:headEnd type="none" w="med" len="med"/>
-                      <a:tailEnd type="none" w="med" len="med"/>
-                    </a:lnT>
-                    <a:lnB w="6350" cap="flat" cmpd="sng" algn="ctr">
-                      <a:solidFill>
-                        <a:srgbClr val="000000"/>
-                      </a:solidFill>
-                      <a:prstDash val="solid"/>
-                      <a:round/>
-                      <a:headEnd type="none" w="med" len="med"/>
-                      <a:tailEnd type="none" w="med" len="med"/>
-                    </a:lnB>
-                    <a:solidFill>
-                      <a:srgbClr val="FFFFFF"/>
-                    </a:solidFill>
-                  </a:tcPr>
-                </a:tc>
-                <a:tc>
-                  <a:txBody>
-                    <a:bodyPr/>
-                    <a:lstStyle/>
-                    <a:p>
-                      <a:pPr algn="r" fontAlgn="b"/>
-                      <a:r>
-                        <a:rPr lang="en-US" sz="1100" b="0" i="0" u="none" strike="noStrike">
-                          <a:solidFill>
-                            <a:srgbClr val="000000"/>
-                          </a:solidFill>
-                          <a:effectLst/>
-                          <a:latin typeface="Oswald"/>
-                        </a:rPr>
-                        <a:t>71.01</a:t>
-                      </a:r>
-                    </a:p>
-                  </a:txBody>
-                  <a:tcPr marL="4763" marR="4763" marT="4763" marB="0" anchor="b">
-                    <a:lnL w="6350" cap="flat" cmpd="sng" algn="ctr">
-                      <a:solidFill>
-                        <a:srgbClr val="000000"/>
-                      </a:solidFill>
-                      <a:prstDash val="solid"/>
-                      <a:round/>
-                      <a:headEnd type="none" w="med" len="med"/>
-                      <a:tailEnd type="none" w="med" len="med"/>
-                    </a:lnL>
-                    <a:lnR w="6350" cap="flat" cmpd="sng" algn="ctr">
-                      <a:solidFill>
-                        <a:srgbClr val="000000"/>
-                      </a:solidFill>
-                      <a:prstDash val="solid"/>
-                      <a:round/>
-                      <a:headEnd type="none" w="med" len="med"/>
-                      <a:tailEnd type="none" w="med" len="med"/>
-                    </a:lnR>
-                    <a:lnT w="6350" cap="flat" cmpd="sng" algn="ctr">
-                      <a:solidFill>
-                        <a:srgbClr val="000000"/>
-                      </a:solidFill>
-                      <a:prstDash val="solid"/>
-                      <a:round/>
-                      <a:headEnd type="none" w="med" len="med"/>
-                      <a:tailEnd type="none" w="med" len="med"/>
-                    </a:lnT>
-                    <a:lnB w="6350" cap="flat" cmpd="sng" algn="ctr">
-                      <a:solidFill>
-                        <a:srgbClr val="000000"/>
-                      </a:solidFill>
-                      <a:prstDash val="solid"/>
-                      <a:round/>
-                      <a:headEnd type="none" w="med" len="med"/>
-                      <a:tailEnd type="none" w="med" len="med"/>
-                    </a:lnB>
-                    <a:solidFill>
-                      <a:srgbClr val="FFFFFF"/>
-                    </a:solidFill>
-                  </a:tcPr>
-                </a:tc>
-                <a:extLst>
-                  <a:ext uri="{0D108BD9-81ED-4DB2-BD59-A6C34878D82A}">
-                    <a16:rowId xmlns:a16="http://schemas.microsoft.com/office/drawing/2014/main" val="2610485397"/>
-                  </a:ext>
-                </a:extLst>
-              </a:tr>
-              <a:tr h="171450">
-                <a:tc>
-                  <a:txBody>
-                    <a:bodyPr/>
-                    <a:lstStyle/>
-                    <a:p>
-                      <a:pPr algn="l" fontAlgn="b"/>
-                      <a:r>
-                        <a:rPr lang="en-US" sz="1100" b="0" i="0" u="none" strike="noStrike">
-                          <a:solidFill>
-                            <a:srgbClr val="000000"/>
-                          </a:solidFill>
-                          <a:effectLst/>
-                          <a:latin typeface="Oswald"/>
-                        </a:rPr>
-                        <a:t>Mountain View</a:t>
-                      </a:r>
-                    </a:p>
-                  </a:txBody>
-                  <a:tcPr marL="4763" marR="4763" marT="4763" marB="0" anchor="b">
-                    <a:lnL w="6350" cap="flat" cmpd="sng" algn="ctr">
-                      <a:solidFill>
-                        <a:srgbClr val="000000"/>
-                      </a:solidFill>
-                      <a:prstDash val="solid"/>
-                      <a:round/>
-                      <a:headEnd type="none" w="med" len="med"/>
-                      <a:tailEnd type="none" w="med" len="med"/>
-                    </a:lnL>
-                    <a:lnR w="6350" cap="flat" cmpd="sng" algn="ctr">
-                      <a:solidFill>
-                        <a:srgbClr val="000000"/>
-                      </a:solidFill>
-                      <a:prstDash val="solid"/>
-                      <a:round/>
-                      <a:headEnd type="none" w="med" len="med"/>
-                      <a:tailEnd type="none" w="med" len="med"/>
-                    </a:lnR>
-                    <a:lnT w="6350" cap="flat" cmpd="sng" algn="ctr">
-                      <a:solidFill>
-                        <a:srgbClr val="000000"/>
-                      </a:solidFill>
-                      <a:prstDash val="solid"/>
-                      <a:round/>
-                      <a:headEnd type="none" w="med" len="med"/>
-                      <a:tailEnd type="none" w="med" len="med"/>
-                    </a:lnT>
-                    <a:lnB w="6350" cap="flat" cmpd="sng" algn="ctr">
-                      <a:solidFill>
-                        <a:srgbClr val="000000"/>
-                      </a:solidFill>
-                      <a:prstDash val="solid"/>
-                      <a:round/>
-                      <a:headEnd type="none" w="med" len="med"/>
-                      <a:tailEnd type="none" w="med" len="med"/>
-                    </a:lnB>
-                    <a:solidFill>
-                      <a:srgbClr val="FFFFFF"/>
-                    </a:solidFill>
-                  </a:tcPr>
-                </a:tc>
-                <a:tc>
-                  <a:txBody>
-                    <a:bodyPr/>
-                    <a:lstStyle/>
-                    <a:p>
-                      <a:pPr algn="l" fontAlgn="b"/>
-                      <a:r>
-                        <a:rPr lang="en-US" sz="1100" b="0" i="0" u="none" strike="noStrike">
-                          <a:solidFill>
-                            <a:srgbClr val="000000"/>
-                          </a:solidFill>
-                          <a:effectLst/>
-                          <a:latin typeface="Oswald"/>
-                        </a:rPr>
-                        <a:t>CA</a:t>
-                      </a:r>
-                    </a:p>
-                  </a:txBody>
-                  <a:tcPr marL="4763" marR="4763" marT="4763" marB="0" anchor="b">
-                    <a:lnL w="6350" cap="flat" cmpd="sng" algn="ctr">
-                      <a:solidFill>
-                        <a:srgbClr val="000000"/>
-                      </a:solidFill>
-                      <a:prstDash val="solid"/>
-                      <a:round/>
-                      <a:headEnd type="none" w="med" len="med"/>
-                      <a:tailEnd type="none" w="med" len="med"/>
-                    </a:lnL>
-                    <a:lnR w="6350" cap="flat" cmpd="sng" algn="ctr">
-                      <a:solidFill>
-                        <a:srgbClr val="000000"/>
-                      </a:solidFill>
-                      <a:prstDash val="solid"/>
-                      <a:round/>
-                      <a:headEnd type="none" w="med" len="med"/>
-                      <a:tailEnd type="none" w="med" len="med"/>
-                    </a:lnR>
-                    <a:lnT w="6350" cap="flat" cmpd="sng" algn="ctr">
-                      <a:solidFill>
-                        <a:srgbClr val="000000"/>
-                      </a:solidFill>
-                      <a:prstDash val="solid"/>
-                      <a:round/>
-                      <a:headEnd type="none" w="med" len="med"/>
-                      <a:tailEnd type="none" w="med" len="med"/>
-                    </a:lnT>
-                    <a:lnB w="6350" cap="flat" cmpd="sng" algn="ctr">
-                      <a:solidFill>
-                        <a:srgbClr val="000000"/>
-                      </a:solidFill>
-                      <a:prstDash val="solid"/>
-                      <a:round/>
-                      <a:headEnd type="none" w="med" len="med"/>
-                      <a:tailEnd type="none" w="med" len="med"/>
-                    </a:lnB>
-                    <a:solidFill>
-                      <a:srgbClr val="FFFFFF"/>
-                    </a:solidFill>
-                  </a:tcPr>
-                </a:tc>
-                <a:tc>
-                  <a:txBody>
-                    <a:bodyPr/>
-                    <a:lstStyle/>
-                    <a:p>
-                      <a:pPr algn="l" fontAlgn="b"/>
-                      <a:r>
-                        <a:rPr lang="en-US" sz="1100" b="0" i="0" u="none" strike="noStrike">
-                          <a:solidFill>
-                            <a:srgbClr val="000000"/>
-                          </a:solidFill>
-                          <a:effectLst/>
-                          <a:latin typeface="Oswald"/>
-                        </a:rPr>
-                        <a:t> $  9,634,591,300 </a:t>
-                      </a:r>
-                    </a:p>
-                  </a:txBody>
-                  <a:tcPr marL="4763" marR="4763" marT="4763" marB="0" anchor="b">
-                    <a:lnL w="6350" cap="flat" cmpd="sng" algn="ctr">
-                      <a:solidFill>
-                        <a:srgbClr val="000000"/>
-                      </a:solidFill>
-                      <a:prstDash val="solid"/>
-                      <a:round/>
-                      <a:headEnd type="none" w="med" len="med"/>
-                      <a:tailEnd type="none" w="med" len="med"/>
-                    </a:lnL>
-                    <a:lnR w="6350" cap="flat" cmpd="sng" algn="ctr">
-                      <a:solidFill>
-                        <a:srgbClr val="000000"/>
-                      </a:solidFill>
-                      <a:prstDash val="solid"/>
-                      <a:round/>
-                      <a:headEnd type="none" w="med" len="med"/>
-                      <a:tailEnd type="none" w="med" len="med"/>
-                    </a:lnR>
-                    <a:lnT w="6350" cap="flat" cmpd="sng" algn="ctr">
-                      <a:solidFill>
-                        <a:srgbClr val="000000"/>
-                      </a:solidFill>
-                      <a:prstDash val="solid"/>
-                      <a:round/>
-                      <a:headEnd type="none" w="med" len="med"/>
-                      <a:tailEnd type="none" w="med" len="med"/>
-                    </a:lnT>
-                    <a:lnB w="6350" cap="flat" cmpd="sng" algn="ctr">
-                      <a:solidFill>
-                        <a:srgbClr val="000000"/>
-                      </a:solidFill>
-                      <a:prstDash val="solid"/>
-                      <a:round/>
-                      <a:headEnd type="none" w="med" len="med"/>
-                      <a:tailEnd type="none" w="med" len="med"/>
-                    </a:lnB>
-                    <a:solidFill>
-                      <a:srgbClr val="FFFFFF"/>
-                    </a:solidFill>
-                  </a:tcPr>
-                </a:tc>
-                <a:tc>
-                  <a:txBody>
-                    <a:bodyPr/>
-                    <a:lstStyle/>
-                    <a:p>
-                      <a:pPr algn="r" fontAlgn="b"/>
-                      <a:r>
-                        <a:rPr lang="en-US" sz="1100" b="0" i="0" u="none" strike="noStrike">
-                          <a:solidFill>
-                            <a:srgbClr val="000000"/>
-                          </a:solidFill>
-                          <a:effectLst/>
-                          <a:latin typeface="Oswald"/>
-                        </a:rPr>
-                        <a:t>1692</a:t>
-                      </a:r>
-                    </a:p>
-                  </a:txBody>
-                  <a:tcPr marL="4763" marR="4763" marT="4763" marB="0" anchor="b">
-                    <a:lnL w="6350" cap="flat" cmpd="sng" algn="ctr">
-                      <a:solidFill>
-                        <a:srgbClr val="000000"/>
-                      </a:solidFill>
-                      <a:prstDash val="solid"/>
-                      <a:round/>
-                      <a:headEnd type="none" w="med" len="med"/>
-                      <a:tailEnd type="none" w="med" len="med"/>
-                    </a:lnL>
-                    <a:lnR w="6350" cap="flat" cmpd="sng" algn="ctr">
-                      <a:solidFill>
-                        <a:srgbClr val="000000"/>
-                      </a:solidFill>
-                      <a:prstDash val="solid"/>
-                      <a:round/>
-                      <a:headEnd type="none" w="med" len="med"/>
-                      <a:tailEnd type="none" w="med" len="med"/>
-                    </a:lnR>
-                    <a:lnT w="6350" cap="flat" cmpd="sng" algn="ctr">
-                      <a:solidFill>
-                        <a:srgbClr val="000000"/>
-                      </a:solidFill>
-                      <a:prstDash val="solid"/>
-                      <a:round/>
-                      <a:headEnd type="none" w="med" len="med"/>
-                      <a:tailEnd type="none" w="med" len="med"/>
-                    </a:lnT>
-                    <a:lnB w="6350" cap="flat" cmpd="sng" algn="ctr">
-                      <a:solidFill>
-                        <a:srgbClr val="000000"/>
-                      </a:solidFill>
-                      <a:prstDash val="solid"/>
-                      <a:round/>
-                      <a:headEnd type="none" w="med" len="med"/>
-                      <a:tailEnd type="none" w="med" len="med"/>
-                    </a:lnB>
-                    <a:solidFill>
-                      <a:srgbClr val="FFFFFF"/>
-                    </a:solidFill>
-                  </a:tcPr>
-                </a:tc>
-                <a:tc>
-                  <a:txBody>
-                    <a:bodyPr/>
-                    <a:lstStyle/>
-                    <a:p>
-                      <a:pPr algn="r" fontAlgn="b"/>
-                      <a:r>
-                        <a:rPr lang="en-US" sz="1100" b="0" i="0" u="none" strike="noStrike">
-                          <a:solidFill>
-                            <a:srgbClr val="000000"/>
-                          </a:solidFill>
-                          <a:effectLst/>
-                          <a:latin typeface="Oswald"/>
-                        </a:rPr>
-                        <a:t>71.01</a:t>
-                      </a:r>
-                    </a:p>
-                  </a:txBody>
-                  <a:tcPr marL="4763" marR="4763" marT="4763" marB="0" anchor="b">
-                    <a:lnL w="6350" cap="flat" cmpd="sng" algn="ctr">
-                      <a:solidFill>
-                        <a:srgbClr val="000000"/>
-                      </a:solidFill>
-                      <a:prstDash val="solid"/>
-                      <a:round/>
-                      <a:headEnd type="none" w="med" len="med"/>
-                      <a:tailEnd type="none" w="med" len="med"/>
-                    </a:lnL>
-                    <a:lnR w="6350" cap="flat" cmpd="sng" algn="ctr">
-                      <a:solidFill>
-                        <a:srgbClr val="000000"/>
-                      </a:solidFill>
-                      <a:prstDash val="solid"/>
-                      <a:round/>
-                      <a:headEnd type="none" w="med" len="med"/>
-                      <a:tailEnd type="none" w="med" len="med"/>
-                    </a:lnR>
-                    <a:lnT w="6350" cap="flat" cmpd="sng" algn="ctr">
-                      <a:solidFill>
-                        <a:srgbClr val="000000"/>
-                      </a:solidFill>
-                      <a:prstDash val="solid"/>
-                      <a:round/>
-                      <a:headEnd type="none" w="med" len="med"/>
-                      <a:tailEnd type="none" w="med" len="med"/>
-                    </a:lnT>
-                    <a:lnB w="6350" cap="flat" cmpd="sng" algn="ctr">
-                      <a:solidFill>
-                        <a:srgbClr val="000000"/>
-                      </a:solidFill>
-                      <a:prstDash val="solid"/>
-                      <a:round/>
-                      <a:headEnd type="none" w="med" len="med"/>
-                      <a:tailEnd type="none" w="med" len="med"/>
-                    </a:lnB>
-                    <a:solidFill>
-                      <a:srgbClr val="FFFFFF"/>
-                    </a:solidFill>
-                  </a:tcPr>
-                </a:tc>
-                <a:extLst>
-                  <a:ext uri="{0D108BD9-81ED-4DB2-BD59-A6C34878D82A}">
-                    <a16:rowId xmlns:a16="http://schemas.microsoft.com/office/drawing/2014/main" val="4030084261"/>
-                  </a:ext>
-                </a:extLst>
-              </a:tr>
-              <a:tr h="171450">
-                <a:tc>
-                  <a:txBody>
-                    <a:bodyPr/>
-                    <a:lstStyle/>
-                    <a:p>
-                      <a:pPr algn="l" fontAlgn="b"/>
-                      <a:r>
-                        <a:rPr lang="en-US" sz="1100" b="0" i="0" u="none" strike="noStrike">
-                          <a:solidFill>
-                            <a:srgbClr val="000000"/>
-                          </a:solidFill>
-                          <a:effectLst/>
-                          <a:latin typeface="Oswald"/>
-                        </a:rPr>
-                        <a:t>Cambridge</a:t>
-                      </a:r>
-                    </a:p>
-                  </a:txBody>
-                  <a:tcPr marL="4763" marR="4763" marT="4763" marB="0" anchor="b">
-                    <a:lnL w="6350" cap="flat" cmpd="sng" algn="ctr">
-                      <a:solidFill>
-                        <a:srgbClr val="000000"/>
-                      </a:solidFill>
-                      <a:prstDash val="solid"/>
-                      <a:round/>
-                      <a:headEnd type="none" w="med" len="med"/>
-                      <a:tailEnd type="none" w="med" len="med"/>
-                    </a:lnL>
-                    <a:lnR w="6350" cap="flat" cmpd="sng" algn="ctr">
-                      <a:solidFill>
-                        <a:srgbClr val="000000"/>
-                      </a:solidFill>
-                      <a:prstDash val="solid"/>
-                      <a:round/>
-                      <a:headEnd type="none" w="med" len="med"/>
-                      <a:tailEnd type="none" w="med" len="med"/>
-                    </a:lnR>
-                    <a:lnT w="6350" cap="flat" cmpd="sng" algn="ctr">
-                      <a:solidFill>
-                        <a:srgbClr val="000000"/>
-                      </a:solidFill>
-                      <a:prstDash val="solid"/>
-                      <a:round/>
-                      <a:headEnd type="none" w="med" len="med"/>
-                      <a:tailEnd type="none" w="med" len="med"/>
-                    </a:lnT>
-                    <a:lnB w="6350" cap="flat" cmpd="sng" algn="ctr">
-                      <a:solidFill>
-                        <a:srgbClr val="000000"/>
-                      </a:solidFill>
-                      <a:prstDash val="solid"/>
-                      <a:round/>
-                      <a:headEnd type="none" w="med" len="med"/>
-                      <a:tailEnd type="none" w="med" len="med"/>
-                    </a:lnB>
-                    <a:solidFill>
-                      <a:srgbClr val="FFFFFF"/>
-                    </a:solidFill>
-                  </a:tcPr>
-                </a:tc>
-                <a:tc>
-                  <a:txBody>
-                    <a:bodyPr/>
-                    <a:lstStyle/>
-                    <a:p>
-                      <a:pPr algn="l" fontAlgn="b"/>
-                      <a:r>
-                        <a:rPr lang="en-US" sz="1100" b="0" i="0" u="none" strike="noStrike">
-                          <a:solidFill>
-                            <a:srgbClr val="000000"/>
-                          </a:solidFill>
-                          <a:effectLst/>
-                          <a:latin typeface="Oswald"/>
-                        </a:rPr>
-                        <a:t>MA</a:t>
-                      </a:r>
-                    </a:p>
-                  </a:txBody>
-                  <a:tcPr marL="4763" marR="4763" marT="4763" marB="0" anchor="b">
-                    <a:lnL w="6350" cap="flat" cmpd="sng" algn="ctr">
-                      <a:solidFill>
-                        <a:srgbClr val="000000"/>
-                      </a:solidFill>
-                      <a:prstDash val="solid"/>
-                      <a:round/>
-                      <a:headEnd type="none" w="med" len="med"/>
-                      <a:tailEnd type="none" w="med" len="med"/>
-                    </a:lnL>
-                    <a:lnR w="6350" cap="flat" cmpd="sng" algn="ctr">
-                      <a:solidFill>
-                        <a:srgbClr val="000000"/>
-                      </a:solidFill>
-                      <a:prstDash val="solid"/>
-                      <a:round/>
-                      <a:headEnd type="none" w="med" len="med"/>
-                      <a:tailEnd type="none" w="med" len="med"/>
-                    </a:lnR>
-                    <a:lnT w="6350" cap="flat" cmpd="sng" algn="ctr">
-                      <a:solidFill>
-                        <a:srgbClr val="000000"/>
-                      </a:solidFill>
-                      <a:prstDash val="solid"/>
-                      <a:round/>
-                      <a:headEnd type="none" w="med" len="med"/>
-                      <a:tailEnd type="none" w="med" len="med"/>
-                    </a:lnT>
-                    <a:lnB w="6350" cap="flat" cmpd="sng" algn="ctr">
-                      <a:solidFill>
-                        <a:srgbClr val="000000"/>
-                      </a:solidFill>
-                      <a:prstDash val="solid"/>
-                      <a:round/>
-                      <a:headEnd type="none" w="med" len="med"/>
-                      <a:tailEnd type="none" w="med" len="med"/>
-                    </a:lnB>
-                    <a:solidFill>
-                      <a:srgbClr val="FFFFFF"/>
-                    </a:solidFill>
-                  </a:tcPr>
-                </a:tc>
-                <a:tc>
-                  <a:txBody>
-                    <a:bodyPr/>
-                    <a:lstStyle/>
-                    <a:p>
-                      <a:pPr algn="l" fontAlgn="b"/>
-                      <a:r>
-                        <a:rPr lang="en-US" sz="1100" b="0" i="0" u="none" strike="noStrike">
-                          <a:solidFill>
-                            <a:srgbClr val="000000"/>
-                          </a:solidFill>
-                          <a:effectLst/>
-                          <a:latin typeface="Oswald"/>
-                        </a:rPr>
-                        <a:t> $  9,589,144,334 </a:t>
-                      </a:r>
-                    </a:p>
-                  </a:txBody>
-                  <a:tcPr marL="4763" marR="4763" marT="4763" marB="0" anchor="b">
-                    <a:lnL w="6350" cap="flat" cmpd="sng" algn="ctr">
-                      <a:solidFill>
-                        <a:srgbClr val="000000"/>
-                      </a:solidFill>
-                      <a:prstDash val="solid"/>
-                      <a:round/>
-                      <a:headEnd type="none" w="med" len="med"/>
-                      <a:tailEnd type="none" w="med" len="med"/>
-                    </a:lnL>
-                    <a:lnR w="6350" cap="flat" cmpd="sng" algn="ctr">
-                      <a:solidFill>
-                        <a:srgbClr val="000000"/>
-                      </a:solidFill>
-                      <a:prstDash val="solid"/>
-                      <a:round/>
-                      <a:headEnd type="none" w="med" len="med"/>
-                      <a:tailEnd type="none" w="med" len="med"/>
-                    </a:lnR>
-                    <a:lnT w="6350" cap="flat" cmpd="sng" algn="ctr">
-                      <a:solidFill>
-                        <a:srgbClr val="000000"/>
-                      </a:solidFill>
-                      <a:prstDash val="solid"/>
-                      <a:round/>
-                      <a:headEnd type="none" w="med" len="med"/>
-                      <a:tailEnd type="none" w="med" len="med"/>
-                    </a:lnT>
-                    <a:lnB w="6350" cap="flat" cmpd="sng" algn="ctr">
-                      <a:solidFill>
-                        <a:srgbClr val="000000"/>
-                      </a:solidFill>
-                      <a:prstDash val="solid"/>
-                      <a:round/>
-                      <a:headEnd type="none" w="med" len="med"/>
-                      <a:tailEnd type="none" w="med" len="med"/>
-                    </a:lnB>
-                    <a:solidFill>
-                      <a:srgbClr val="FFFFFF"/>
-                    </a:solidFill>
-                  </a:tcPr>
-                </a:tc>
-                <a:tc>
-                  <a:txBody>
-                    <a:bodyPr/>
-                    <a:lstStyle/>
-                    <a:p>
-                      <a:pPr algn="r" fontAlgn="b"/>
-                      <a:r>
-                        <a:rPr lang="en-US" sz="1100" b="0" i="0" u="none" strike="noStrike">
-                          <a:solidFill>
-                            <a:srgbClr val="000000"/>
-                          </a:solidFill>
-                          <a:effectLst/>
-                          <a:latin typeface="Oswald"/>
-                        </a:rPr>
-                        <a:t>1092</a:t>
-                      </a:r>
-                    </a:p>
-                  </a:txBody>
-                  <a:tcPr marL="4763" marR="4763" marT="4763" marB="0" anchor="b">
-                    <a:lnL w="6350" cap="flat" cmpd="sng" algn="ctr">
-                      <a:solidFill>
-                        <a:srgbClr val="000000"/>
-                      </a:solidFill>
-                      <a:prstDash val="solid"/>
-                      <a:round/>
-                      <a:headEnd type="none" w="med" len="med"/>
-                      <a:tailEnd type="none" w="med" len="med"/>
-                    </a:lnL>
-                    <a:lnR w="6350" cap="flat" cmpd="sng" algn="ctr">
-                      <a:solidFill>
-                        <a:srgbClr val="000000"/>
-                      </a:solidFill>
-                      <a:prstDash val="solid"/>
-                      <a:round/>
-                      <a:headEnd type="none" w="med" len="med"/>
-                      <a:tailEnd type="none" w="med" len="med"/>
-                    </a:lnR>
-                    <a:lnT w="6350" cap="flat" cmpd="sng" algn="ctr">
-                      <a:solidFill>
-                        <a:srgbClr val="000000"/>
-                      </a:solidFill>
-                      <a:prstDash val="solid"/>
-                      <a:round/>
-                      <a:headEnd type="none" w="med" len="med"/>
-                      <a:tailEnd type="none" w="med" len="med"/>
-                    </a:lnT>
-                    <a:lnB w="6350" cap="flat" cmpd="sng" algn="ctr">
-                      <a:solidFill>
-                        <a:srgbClr val="000000"/>
-                      </a:solidFill>
-                      <a:prstDash val="solid"/>
-                      <a:round/>
-                      <a:headEnd type="none" w="med" len="med"/>
-                      <a:tailEnd type="none" w="med" len="med"/>
-                    </a:lnB>
-                    <a:solidFill>
-                      <a:srgbClr val="FFFFFF"/>
-                    </a:solidFill>
-                  </a:tcPr>
-                </a:tc>
-                <a:tc>
-                  <a:txBody>
-                    <a:bodyPr/>
-                    <a:lstStyle/>
-                    <a:p>
-                      <a:pPr algn="r" fontAlgn="b"/>
-                      <a:r>
-                        <a:rPr lang="en-US" sz="1100" b="0" i="0" u="none" strike="noStrike">
-                          <a:solidFill>
-                            <a:srgbClr val="000000"/>
-                          </a:solidFill>
-                          <a:effectLst/>
-                          <a:latin typeface="Oswald"/>
-                        </a:rPr>
-                        <a:t>71.6</a:t>
-                      </a:r>
-                    </a:p>
-                  </a:txBody>
-                  <a:tcPr marL="4763" marR="4763" marT="4763" marB="0" anchor="b">
-                    <a:lnL w="6350" cap="flat" cmpd="sng" algn="ctr">
-                      <a:solidFill>
-                        <a:srgbClr val="000000"/>
-                      </a:solidFill>
-                      <a:prstDash val="solid"/>
-                      <a:round/>
-                      <a:headEnd type="none" w="med" len="med"/>
-                      <a:tailEnd type="none" w="med" len="med"/>
-                    </a:lnL>
-                    <a:lnR w="6350" cap="flat" cmpd="sng" algn="ctr">
-                      <a:solidFill>
-                        <a:srgbClr val="000000"/>
-                      </a:solidFill>
-                      <a:prstDash val="solid"/>
-                      <a:round/>
-                      <a:headEnd type="none" w="med" len="med"/>
-                      <a:tailEnd type="none" w="med" len="med"/>
-                    </a:lnR>
-                    <a:lnT w="6350" cap="flat" cmpd="sng" algn="ctr">
-                      <a:solidFill>
-                        <a:srgbClr val="000000"/>
-                      </a:solidFill>
-                      <a:prstDash val="solid"/>
-                      <a:round/>
-                      <a:headEnd type="none" w="med" len="med"/>
-                      <a:tailEnd type="none" w="med" len="med"/>
-                    </a:lnT>
-                    <a:lnB w="6350" cap="flat" cmpd="sng" algn="ctr">
-                      <a:solidFill>
-                        <a:srgbClr val="000000"/>
-                      </a:solidFill>
-                      <a:prstDash val="solid"/>
-                      <a:round/>
-                      <a:headEnd type="none" w="med" len="med"/>
-                      <a:tailEnd type="none" w="med" len="med"/>
-                    </a:lnB>
-                    <a:solidFill>
-                      <a:srgbClr val="FFFFFF"/>
-                    </a:solidFill>
-                  </a:tcPr>
-                </a:tc>
-                <a:extLst>
-                  <a:ext uri="{0D108BD9-81ED-4DB2-BD59-A6C34878D82A}">
-                    <a16:rowId xmlns:a16="http://schemas.microsoft.com/office/drawing/2014/main" val="2053189255"/>
-                  </a:ext>
-                </a:extLst>
-              </a:tr>
-              <a:tr h="171450">
-                <a:tc>
-                  <a:txBody>
-                    <a:bodyPr/>
-                    <a:lstStyle/>
-                    <a:p>
-                      <a:pPr algn="l" fontAlgn="b"/>
-                      <a:r>
-                        <a:rPr lang="en-US" sz="1100" b="0" i="0" u="none" strike="noStrike">
-                          <a:solidFill>
-                            <a:srgbClr val="000000"/>
-                          </a:solidFill>
-                          <a:effectLst/>
-                          <a:latin typeface="Oswald"/>
-                        </a:rPr>
-                        <a:t>San Jose</a:t>
-                      </a:r>
-                    </a:p>
-                  </a:txBody>
-                  <a:tcPr marL="4763" marR="4763" marT="4763" marB="0" anchor="b">
-                    <a:lnL w="6350" cap="flat" cmpd="sng" algn="ctr">
-                      <a:solidFill>
-                        <a:srgbClr val="000000"/>
-                      </a:solidFill>
-                      <a:prstDash val="solid"/>
-                      <a:round/>
-                      <a:headEnd type="none" w="med" len="med"/>
-                      <a:tailEnd type="none" w="med" len="med"/>
-                    </a:lnL>
-                    <a:lnR w="6350" cap="flat" cmpd="sng" algn="ctr">
-                      <a:solidFill>
-                        <a:srgbClr val="000000"/>
-                      </a:solidFill>
-                      <a:prstDash val="solid"/>
-                      <a:round/>
-                      <a:headEnd type="none" w="med" len="med"/>
-                      <a:tailEnd type="none" w="med" len="med"/>
-                    </a:lnR>
-                    <a:lnT w="6350" cap="flat" cmpd="sng" algn="ctr">
-                      <a:solidFill>
-                        <a:srgbClr val="000000"/>
-                      </a:solidFill>
-                      <a:prstDash val="solid"/>
-                      <a:round/>
-                      <a:headEnd type="none" w="med" len="med"/>
-                      <a:tailEnd type="none" w="med" len="med"/>
-                    </a:lnT>
-                    <a:lnB w="6350" cap="flat" cmpd="sng" algn="ctr">
-                      <a:solidFill>
-                        <a:srgbClr val="000000"/>
-                      </a:solidFill>
-                      <a:prstDash val="solid"/>
-                      <a:round/>
-                      <a:headEnd type="none" w="med" len="med"/>
-                      <a:tailEnd type="none" w="med" len="med"/>
-                    </a:lnB>
-                    <a:solidFill>
-                      <a:srgbClr val="FFFFFF"/>
-                    </a:solidFill>
-                  </a:tcPr>
-                </a:tc>
-                <a:tc>
-                  <a:txBody>
-                    <a:bodyPr/>
-                    <a:lstStyle/>
-                    <a:p>
-                      <a:pPr algn="l" fontAlgn="b"/>
-                      <a:r>
-                        <a:rPr lang="en-US" sz="1100" b="0" i="0" u="none" strike="noStrike">
-                          <a:solidFill>
-                            <a:srgbClr val="000000"/>
-                          </a:solidFill>
-                          <a:effectLst/>
-                          <a:latin typeface="Oswald"/>
-                        </a:rPr>
-                        <a:t>CA</a:t>
-                      </a:r>
-                    </a:p>
-                  </a:txBody>
-                  <a:tcPr marL="4763" marR="4763" marT="4763" marB="0" anchor="b">
-                    <a:lnL w="6350" cap="flat" cmpd="sng" algn="ctr">
-                      <a:solidFill>
-                        <a:srgbClr val="000000"/>
-                      </a:solidFill>
-                      <a:prstDash val="solid"/>
-                      <a:round/>
-                      <a:headEnd type="none" w="med" len="med"/>
-                      <a:tailEnd type="none" w="med" len="med"/>
-                    </a:lnL>
-                    <a:lnR w="6350" cap="flat" cmpd="sng" algn="ctr">
-                      <a:solidFill>
-                        <a:srgbClr val="000000"/>
-                      </a:solidFill>
-                      <a:prstDash val="solid"/>
-                      <a:round/>
-                      <a:headEnd type="none" w="med" len="med"/>
-                      <a:tailEnd type="none" w="med" len="med"/>
-                    </a:lnR>
-                    <a:lnT w="6350" cap="flat" cmpd="sng" algn="ctr">
-                      <a:solidFill>
-                        <a:srgbClr val="000000"/>
-                      </a:solidFill>
-                      <a:prstDash val="solid"/>
-                      <a:round/>
-                      <a:headEnd type="none" w="med" len="med"/>
-                      <a:tailEnd type="none" w="med" len="med"/>
-                    </a:lnT>
-                    <a:lnB w="6350" cap="flat" cmpd="sng" algn="ctr">
-                      <a:solidFill>
-                        <a:srgbClr val="000000"/>
-                      </a:solidFill>
-                      <a:prstDash val="solid"/>
-                      <a:round/>
-                      <a:headEnd type="none" w="med" len="med"/>
-                      <a:tailEnd type="none" w="med" len="med"/>
-                    </a:lnB>
-                    <a:solidFill>
-                      <a:srgbClr val="FFFFFF"/>
-                    </a:solidFill>
-                  </a:tcPr>
-                </a:tc>
-                <a:tc>
-                  <a:txBody>
-                    <a:bodyPr/>
-                    <a:lstStyle/>
-                    <a:p>
-                      <a:pPr algn="l" fontAlgn="b"/>
-                      <a:r>
-                        <a:rPr lang="en-US" sz="1100" b="0" i="0" u="none" strike="noStrike">
-                          <a:solidFill>
-                            <a:srgbClr val="000000"/>
-                          </a:solidFill>
-                          <a:effectLst/>
-                          <a:latin typeface="Oswald"/>
-                        </a:rPr>
-                        <a:t> $  9,110,671,511 </a:t>
-                      </a:r>
-                    </a:p>
-                  </a:txBody>
-                  <a:tcPr marL="4763" marR="4763" marT="4763" marB="0" anchor="b">
-                    <a:lnL w="6350" cap="flat" cmpd="sng" algn="ctr">
-                      <a:solidFill>
-                        <a:srgbClr val="000000"/>
-                      </a:solidFill>
-                      <a:prstDash val="solid"/>
-                      <a:round/>
-                      <a:headEnd type="none" w="med" len="med"/>
-                      <a:tailEnd type="none" w="med" len="med"/>
-                    </a:lnL>
-                    <a:lnR w="6350" cap="flat" cmpd="sng" algn="ctr">
-                      <a:solidFill>
-                        <a:srgbClr val="000000"/>
-                      </a:solidFill>
-                      <a:prstDash val="solid"/>
-                      <a:round/>
-                      <a:headEnd type="none" w="med" len="med"/>
-                      <a:tailEnd type="none" w="med" len="med"/>
-                    </a:lnR>
-                    <a:lnT w="6350" cap="flat" cmpd="sng" algn="ctr">
-                      <a:solidFill>
-                        <a:srgbClr val="000000"/>
-                      </a:solidFill>
-                      <a:prstDash val="solid"/>
-                      <a:round/>
-                      <a:headEnd type="none" w="med" len="med"/>
-                      <a:tailEnd type="none" w="med" len="med"/>
-                    </a:lnT>
-                    <a:lnB w="6350" cap="flat" cmpd="sng" algn="ctr">
-                      <a:solidFill>
-                        <a:srgbClr val="000000"/>
-                      </a:solidFill>
-                      <a:prstDash val="solid"/>
-                      <a:round/>
-                      <a:headEnd type="none" w="med" len="med"/>
-                      <a:tailEnd type="none" w="med" len="med"/>
-                    </a:lnB>
-                    <a:solidFill>
-                      <a:srgbClr val="FFFFFF"/>
-                    </a:solidFill>
-                  </a:tcPr>
-                </a:tc>
-                <a:tc>
-                  <a:txBody>
-                    <a:bodyPr/>
-                    <a:lstStyle/>
-                    <a:p>
-                      <a:pPr algn="r" fontAlgn="b"/>
-                      <a:r>
-                        <a:rPr lang="en-US" sz="1100" b="0" i="0" u="none" strike="noStrike">
-                          <a:solidFill>
-                            <a:srgbClr val="000000"/>
-                          </a:solidFill>
-                          <a:effectLst/>
-                          <a:latin typeface="Oswald"/>
-                        </a:rPr>
-                        <a:t>906</a:t>
-                      </a:r>
-                    </a:p>
-                  </a:txBody>
-                  <a:tcPr marL="4763" marR="4763" marT="4763" marB="0" anchor="b">
-                    <a:lnL w="6350" cap="flat" cmpd="sng" algn="ctr">
-                      <a:solidFill>
-                        <a:srgbClr val="000000"/>
-                      </a:solidFill>
-                      <a:prstDash val="solid"/>
-                      <a:round/>
-                      <a:headEnd type="none" w="med" len="med"/>
-                      <a:tailEnd type="none" w="med" len="med"/>
-                    </a:lnL>
-                    <a:lnR w="6350" cap="flat" cmpd="sng" algn="ctr">
-                      <a:solidFill>
-                        <a:srgbClr val="000000"/>
-                      </a:solidFill>
-                      <a:prstDash val="solid"/>
-                      <a:round/>
-                      <a:headEnd type="none" w="med" len="med"/>
-                      <a:tailEnd type="none" w="med" len="med"/>
-                    </a:lnR>
-                    <a:lnT w="6350" cap="flat" cmpd="sng" algn="ctr">
-                      <a:solidFill>
-                        <a:srgbClr val="000000"/>
-                      </a:solidFill>
-                      <a:prstDash val="solid"/>
-                      <a:round/>
-                      <a:headEnd type="none" w="med" len="med"/>
-                      <a:tailEnd type="none" w="med" len="med"/>
-                    </a:lnT>
-                    <a:lnB w="6350" cap="flat" cmpd="sng" algn="ctr">
-                      <a:solidFill>
-                        <a:srgbClr val="000000"/>
-                      </a:solidFill>
-                      <a:prstDash val="solid"/>
-                      <a:round/>
-                      <a:headEnd type="none" w="med" len="med"/>
-                      <a:tailEnd type="none" w="med" len="med"/>
-                    </a:lnB>
-                    <a:solidFill>
-                      <a:srgbClr val="FFFFFF"/>
-                    </a:solidFill>
-                  </a:tcPr>
-                </a:tc>
-                <a:tc>
-                  <a:txBody>
-                    <a:bodyPr/>
-                    <a:lstStyle/>
-                    <a:p>
-                      <a:pPr algn="r" fontAlgn="b"/>
-                      <a:r>
-                        <a:rPr lang="en-US" sz="1100" b="0" i="0" u="none" strike="noStrike">
-                          <a:solidFill>
-                            <a:srgbClr val="000000"/>
-                          </a:solidFill>
-                          <a:effectLst/>
-                          <a:latin typeface="Oswald"/>
-                        </a:rPr>
-                        <a:t>87.8</a:t>
-                      </a:r>
-                    </a:p>
-                  </a:txBody>
-                  <a:tcPr marL="4763" marR="4763" marT="4763" marB="0" anchor="b">
-                    <a:lnL w="6350" cap="flat" cmpd="sng" algn="ctr">
-                      <a:solidFill>
-                        <a:srgbClr val="000000"/>
-                      </a:solidFill>
-                      <a:prstDash val="solid"/>
-                      <a:round/>
-                      <a:headEnd type="none" w="med" len="med"/>
-                      <a:tailEnd type="none" w="med" len="med"/>
-                    </a:lnL>
-                    <a:lnR w="6350" cap="flat" cmpd="sng" algn="ctr">
-                      <a:solidFill>
-                        <a:srgbClr val="000000"/>
-                      </a:solidFill>
-                      <a:prstDash val="solid"/>
-                      <a:round/>
-                      <a:headEnd type="none" w="med" len="med"/>
-                      <a:tailEnd type="none" w="med" len="med"/>
-                    </a:lnR>
-                    <a:lnT w="6350" cap="flat" cmpd="sng" algn="ctr">
-                      <a:solidFill>
-                        <a:srgbClr val="000000"/>
-                      </a:solidFill>
-                      <a:prstDash val="solid"/>
-                      <a:round/>
-                      <a:headEnd type="none" w="med" len="med"/>
-                      <a:tailEnd type="none" w="med" len="med"/>
-                    </a:lnT>
-                    <a:lnB w="6350" cap="flat" cmpd="sng" algn="ctr">
-                      <a:solidFill>
-                        <a:srgbClr val="000000"/>
-                      </a:solidFill>
-                      <a:prstDash val="solid"/>
-                      <a:round/>
-                      <a:headEnd type="none" w="med" len="med"/>
-                      <a:tailEnd type="none" w="med" len="med"/>
-                    </a:lnB>
-                    <a:solidFill>
-                      <a:srgbClr val="FFFFFF"/>
-                    </a:solidFill>
-                  </a:tcPr>
-                </a:tc>
-                <a:extLst>
-                  <a:ext uri="{0D108BD9-81ED-4DB2-BD59-A6C34878D82A}">
-                    <a16:rowId xmlns:a16="http://schemas.microsoft.com/office/drawing/2014/main" val="2573639357"/>
-                  </a:ext>
-                </a:extLst>
-              </a:tr>
-              <a:tr h="171450">
-                <a:tc>
-                  <a:txBody>
-                    <a:bodyPr/>
-                    <a:lstStyle/>
-                    <a:p>
-                      <a:pPr algn="l" fontAlgn="b"/>
-                      <a:r>
-                        <a:rPr lang="en-US" sz="1100" b="0" i="0" u="none" strike="noStrike">
-                          <a:solidFill>
-                            <a:srgbClr val="000000"/>
-                          </a:solidFill>
-                          <a:effectLst/>
-                          <a:latin typeface="Oswald"/>
-                        </a:rPr>
-                        <a:t>San Diego</a:t>
-                      </a:r>
-                    </a:p>
-                  </a:txBody>
-                  <a:tcPr marL="4763" marR="4763" marT="4763" marB="0" anchor="b">
-                    <a:lnL w="6350" cap="flat" cmpd="sng" algn="ctr">
-                      <a:solidFill>
-                        <a:srgbClr val="000000"/>
-                      </a:solidFill>
-                      <a:prstDash val="solid"/>
-                      <a:round/>
-                      <a:headEnd type="none" w="med" len="med"/>
-                      <a:tailEnd type="none" w="med" len="med"/>
-                    </a:lnL>
-                    <a:lnR w="6350" cap="flat" cmpd="sng" algn="ctr">
-                      <a:solidFill>
-                        <a:srgbClr val="000000"/>
-                      </a:solidFill>
-                      <a:prstDash val="solid"/>
-                      <a:round/>
-                      <a:headEnd type="none" w="med" len="med"/>
-                      <a:tailEnd type="none" w="med" len="med"/>
-                    </a:lnR>
-                    <a:lnT w="6350" cap="flat" cmpd="sng" algn="ctr">
-                      <a:solidFill>
-                        <a:srgbClr val="000000"/>
-                      </a:solidFill>
-                      <a:prstDash val="solid"/>
-                      <a:round/>
-                      <a:headEnd type="none" w="med" len="med"/>
-                      <a:tailEnd type="none" w="med" len="med"/>
-                    </a:lnT>
-                    <a:lnB w="6350" cap="flat" cmpd="sng" algn="ctr">
-                      <a:solidFill>
-                        <a:srgbClr val="000000"/>
-                      </a:solidFill>
-                      <a:prstDash val="solid"/>
-                      <a:round/>
-                      <a:headEnd type="none" w="med" len="med"/>
-                      <a:tailEnd type="none" w="med" len="med"/>
-                    </a:lnB>
-                    <a:solidFill>
-                      <a:srgbClr val="FFFFFF"/>
-                    </a:solidFill>
-                  </a:tcPr>
-                </a:tc>
-                <a:tc>
-                  <a:txBody>
-                    <a:bodyPr/>
-                    <a:lstStyle/>
-                    <a:p>
-                      <a:pPr algn="l" fontAlgn="b"/>
-                      <a:r>
-                        <a:rPr lang="en-US" sz="1100" b="0" i="0" u="none" strike="noStrike">
-                          <a:solidFill>
-                            <a:srgbClr val="000000"/>
-                          </a:solidFill>
-                          <a:effectLst/>
-                          <a:latin typeface="Oswald"/>
-                        </a:rPr>
-                        <a:t>CA</a:t>
-                      </a:r>
-                    </a:p>
-                  </a:txBody>
-                  <a:tcPr marL="4763" marR="4763" marT="4763" marB="0" anchor="b">
-                    <a:lnL w="6350" cap="flat" cmpd="sng" algn="ctr">
-                      <a:solidFill>
-                        <a:srgbClr val="000000"/>
-                      </a:solidFill>
-                      <a:prstDash val="solid"/>
-                      <a:round/>
-                      <a:headEnd type="none" w="med" len="med"/>
-                      <a:tailEnd type="none" w="med" len="med"/>
-                    </a:lnL>
-                    <a:lnR w="6350" cap="flat" cmpd="sng" algn="ctr">
-                      <a:solidFill>
-                        <a:srgbClr val="000000"/>
-                      </a:solidFill>
-                      <a:prstDash val="solid"/>
-                      <a:round/>
-                      <a:headEnd type="none" w="med" len="med"/>
-                      <a:tailEnd type="none" w="med" len="med"/>
-                    </a:lnR>
-                    <a:lnT w="6350" cap="flat" cmpd="sng" algn="ctr">
-                      <a:solidFill>
-                        <a:srgbClr val="000000"/>
-                      </a:solidFill>
-                      <a:prstDash val="solid"/>
-                      <a:round/>
-                      <a:headEnd type="none" w="med" len="med"/>
-                      <a:tailEnd type="none" w="med" len="med"/>
-                    </a:lnT>
-                    <a:lnB w="6350" cap="flat" cmpd="sng" algn="ctr">
-                      <a:solidFill>
-                        <a:srgbClr val="000000"/>
-                      </a:solidFill>
-                      <a:prstDash val="solid"/>
-                      <a:round/>
-                      <a:headEnd type="none" w="med" len="med"/>
-                      <a:tailEnd type="none" w="med" len="med"/>
-                    </a:lnB>
-                    <a:solidFill>
-                      <a:srgbClr val="FFFFFF"/>
-                    </a:solidFill>
-                  </a:tcPr>
-                </a:tc>
-                <a:tc>
-                  <a:txBody>
-                    <a:bodyPr/>
-                    <a:lstStyle/>
-                    <a:p>
-                      <a:pPr algn="l" fontAlgn="b"/>
-                      <a:r>
-                        <a:rPr lang="en-US" sz="1100" b="0" i="0" u="none" strike="noStrike">
-                          <a:solidFill>
-                            <a:srgbClr val="000000"/>
-                          </a:solidFill>
-                          <a:effectLst/>
-                          <a:latin typeface="Oswald"/>
-                        </a:rPr>
-                        <a:t> $  8,309,128,786 </a:t>
-                      </a:r>
-                    </a:p>
-                  </a:txBody>
-                  <a:tcPr marL="4763" marR="4763" marT="4763" marB="0" anchor="b">
-                    <a:lnL w="6350" cap="flat" cmpd="sng" algn="ctr">
-                      <a:solidFill>
-                        <a:srgbClr val="000000"/>
-                      </a:solidFill>
-                      <a:prstDash val="solid"/>
-                      <a:round/>
-                      <a:headEnd type="none" w="med" len="med"/>
-                      <a:tailEnd type="none" w="med" len="med"/>
-                    </a:lnL>
-                    <a:lnR w="6350" cap="flat" cmpd="sng" algn="ctr">
-                      <a:solidFill>
-                        <a:srgbClr val="000000"/>
-                      </a:solidFill>
-                      <a:prstDash val="solid"/>
-                      <a:round/>
-                      <a:headEnd type="none" w="med" len="med"/>
-                      <a:tailEnd type="none" w="med" len="med"/>
-                    </a:lnR>
-                    <a:lnT w="6350" cap="flat" cmpd="sng" algn="ctr">
-                      <a:solidFill>
-                        <a:srgbClr val="000000"/>
-                      </a:solidFill>
-                      <a:prstDash val="solid"/>
-                      <a:round/>
-                      <a:headEnd type="none" w="med" len="med"/>
-                      <a:tailEnd type="none" w="med" len="med"/>
-                    </a:lnT>
-                    <a:lnB w="6350" cap="flat" cmpd="sng" algn="ctr">
-                      <a:solidFill>
-                        <a:srgbClr val="000000"/>
-                      </a:solidFill>
-                      <a:prstDash val="solid"/>
-                      <a:round/>
-                      <a:headEnd type="none" w="med" len="med"/>
-                      <a:tailEnd type="none" w="med" len="med"/>
-                    </a:lnB>
-                    <a:solidFill>
-                      <a:srgbClr val="FFFFFF"/>
-                    </a:solidFill>
-                  </a:tcPr>
-                </a:tc>
-                <a:tc>
-                  <a:txBody>
-                    <a:bodyPr/>
-                    <a:lstStyle/>
-                    <a:p>
-                      <a:pPr algn="r" fontAlgn="b"/>
-                      <a:r>
-                        <a:rPr lang="en-US" sz="1100" b="0" i="0" u="none" strike="noStrike">
-                          <a:solidFill>
-                            <a:srgbClr val="000000"/>
-                          </a:solidFill>
-                          <a:effectLst/>
-                          <a:latin typeface="Oswald"/>
-                        </a:rPr>
-                        <a:t>843</a:t>
-                      </a:r>
-                    </a:p>
-                  </a:txBody>
-                  <a:tcPr marL="4763" marR="4763" marT="4763" marB="0" anchor="b">
-                    <a:lnL w="6350" cap="flat" cmpd="sng" algn="ctr">
-                      <a:solidFill>
-                        <a:srgbClr val="000000"/>
-                      </a:solidFill>
-                      <a:prstDash val="solid"/>
-                      <a:round/>
-                      <a:headEnd type="none" w="med" len="med"/>
-                      <a:tailEnd type="none" w="med" len="med"/>
-                    </a:lnL>
-                    <a:lnR w="6350" cap="flat" cmpd="sng" algn="ctr">
-                      <a:solidFill>
-                        <a:srgbClr val="000000"/>
-                      </a:solidFill>
-                      <a:prstDash val="solid"/>
-                      <a:round/>
-                      <a:headEnd type="none" w="med" len="med"/>
-                      <a:tailEnd type="none" w="med" len="med"/>
-                    </a:lnR>
-                    <a:lnT w="6350" cap="flat" cmpd="sng" algn="ctr">
-                      <a:solidFill>
-                        <a:srgbClr val="000000"/>
-                      </a:solidFill>
-                      <a:prstDash val="solid"/>
-                      <a:round/>
-                      <a:headEnd type="none" w="med" len="med"/>
-                      <a:tailEnd type="none" w="med" len="med"/>
-                    </a:lnT>
-                    <a:lnB w="6350" cap="flat" cmpd="sng" algn="ctr">
-                      <a:solidFill>
-                        <a:srgbClr val="000000"/>
-                      </a:solidFill>
-                      <a:prstDash val="solid"/>
-                      <a:round/>
-                      <a:headEnd type="none" w="med" len="med"/>
-                      <a:tailEnd type="none" w="med" len="med"/>
-                    </a:lnB>
-                    <a:solidFill>
-                      <a:srgbClr val="FFFFFF"/>
-                    </a:solidFill>
-                  </a:tcPr>
-                </a:tc>
-                <a:tc>
-                  <a:txBody>
-                    <a:bodyPr/>
-                    <a:lstStyle/>
-                    <a:p>
-                      <a:pPr algn="r" fontAlgn="b"/>
-                      <a:r>
-                        <a:rPr lang="en-US" sz="1100" b="0" i="0" u="none" strike="noStrike">
-                          <a:solidFill>
-                            <a:srgbClr val="000000"/>
-                          </a:solidFill>
-                          <a:effectLst/>
-                          <a:latin typeface="Oswald"/>
-                        </a:rPr>
-                        <a:t>73.99</a:t>
-                      </a:r>
-                    </a:p>
-                  </a:txBody>
-                  <a:tcPr marL="4763" marR="4763" marT="4763" marB="0" anchor="b">
-                    <a:lnL w="6350" cap="flat" cmpd="sng" algn="ctr">
-                      <a:solidFill>
-                        <a:srgbClr val="000000"/>
-                      </a:solidFill>
-                      <a:prstDash val="solid"/>
-                      <a:round/>
-                      <a:headEnd type="none" w="med" len="med"/>
-                      <a:tailEnd type="none" w="med" len="med"/>
-                    </a:lnL>
-                    <a:lnR w="6350" cap="flat" cmpd="sng" algn="ctr">
-                      <a:solidFill>
-                        <a:srgbClr val="000000"/>
-                      </a:solidFill>
-                      <a:prstDash val="solid"/>
-                      <a:round/>
-                      <a:headEnd type="none" w="med" len="med"/>
-                      <a:tailEnd type="none" w="med" len="med"/>
-                    </a:lnR>
-                    <a:lnT w="6350" cap="flat" cmpd="sng" algn="ctr">
-                      <a:solidFill>
-                        <a:srgbClr val="000000"/>
-                      </a:solidFill>
-                      <a:prstDash val="solid"/>
-                      <a:round/>
-                      <a:headEnd type="none" w="med" len="med"/>
-                      <a:tailEnd type="none" w="med" len="med"/>
-                    </a:lnT>
-                    <a:lnB w="6350" cap="flat" cmpd="sng" algn="ctr">
-                      <a:solidFill>
-                        <a:srgbClr val="000000"/>
-                      </a:solidFill>
-                      <a:prstDash val="solid"/>
-                      <a:round/>
-                      <a:headEnd type="none" w="med" len="med"/>
-                      <a:tailEnd type="none" w="med" len="med"/>
-                    </a:lnB>
-                    <a:solidFill>
-                      <a:srgbClr val="FFFFFF"/>
-                    </a:solidFill>
-                  </a:tcPr>
-                </a:tc>
-                <a:extLst>
-                  <a:ext uri="{0D108BD9-81ED-4DB2-BD59-A6C34878D82A}">
-                    <a16:rowId xmlns:a16="http://schemas.microsoft.com/office/drawing/2014/main" val="3801332263"/>
-                  </a:ext>
-                </a:extLst>
-              </a:tr>
-              <a:tr h="171450">
-                <a:tc>
-                  <a:txBody>
-                    <a:bodyPr/>
-                    <a:lstStyle/>
-                    <a:p>
-                      <a:pPr algn="l" fontAlgn="b"/>
-                      <a:r>
-                        <a:rPr lang="en-US" sz="1100" b="0" i="0" u="none" strike="noStrike">
-                          <a:solidFill>
-                            <a:srgbClr val="000000"/>
-                          </a:solidFill>
-                          <a:effectLst/>
-                          <a:latin typeface="Oswald"/>
-                        </a:rPr>
-                        <a:t>Boston</a:t>
-                      </a:r>
-                    </a:p>
-                  </a:txBody>
-                  <a:tcPr marL="4763" marR="4763" marT="4763" marB="0" anchor="b">
-                    <a:lnL w="6350" cap="flat" cmpd="sng" algn="ctr">
-                      <a:solidFill>
-                        <a:srgbClr val="000000"/>
-                      </a:solidFill>
-                      <a:prstDash val="solid"/>
-                      <a:round/>
-                      <a:headEnd type="none" w="med" len="med"/>
-                      <a:tailEnd type="none" w="med" len="med"/>
-                    </a:lnL>
-                    <a:lnR w="6350" cap="flat" cmpd="sng" algn="ctr">
-                      <a:solidFill>
-                        <a:srgbClr val="000000"/>
-                      </a:solidFill>
-                      <a:prstDash val="solid"/>
-                      <a:round/>
-                      <a:headEnd type="none" w="med" len="med"/>
-                      <a:tailEnd type="none" w="med" len="med"/>
-                    </a:lnR>
-                    <a:lnT w="6350" cap="flat" cmpd="sng" algn="ctr">
-                      <a:solidFill>
-                        <a:srgbClr val="000000"/>
-                      </a:solidFill>
-                      <a:prstDash val="solid"/>
-                      <a:round/>
-                      <a:headEnd type="none" w="med" len="med"/>
-                      <a:tailEnd type="none" w="med" len="med"/>
-                    </a:lnT>
-                    <a:lnB w="6350" cap="flat" cmpd="sng" algn="ctr">
-                      <a:solidFill>
-                        <a:srgbClr val="000000"/>
-                      </a:solidFill>
-                      <a:prstDash val="solid"/>
-                      <a:round/>
-                      <a:headEnd type="none" w="med" len="med"/>
-                      <a:tailEnd type="none" w="med" len="med"/>
-                    </a:lnB>
-                    <a:solidFill>
-                      <a:srgbClr val="FFFFFF"/>
-                    </a:solidFill>
-                  </a:tcPr>
-                </a:tc>
-                <a:tc>
-                  <a:txBody>
-                    <a:bodyPr/>
-                    <a:lstStyle/>
-                    <a:p>
-                      <a:pPr algn="l" fontAlgn="b"/>
-                      <a:r>
-                        <a:rPr lang="en-US" sz="1100" b="0" i="0" u="none" strike="noStrike">
-                          <a:solidFill>
-                            <a:srgbClr val="000000"/>
-                          </a:solidFill>
-                          <a:effectLst/>
-                          <a:latin typeface="Oswald"/>
-                        </a:rPr>
-                        <a:t>MA</a:t>
-                      </a:r>
-                    </a:p>
-                  </a:txBody>
-                  <a:tcPr marL="4763" marR="4763" marT="4763" marB="0" anchor="b">
-                    <a:lnL w="6350" cap="flat" cmpd="sng" algn="ctr">
-                      <a:solidFill>
-                        <a:srgbClr val="000000"/>
-                      </a:solidFill>
-                      <a:prstDash val="solid"/>
-                      <a:round/>
-                      <a:headEnd type="none" w="med" len="med"/>
-                      <a:tailEnd type="none" w="med" len="med"/>
-                    </a:lnL>
-                    <a:lnR w="6350" cap="flat" cmpd="sng" algn="ctr">
-                      <a:solidFill>
-                        <a:srgbClr val="000000"/>
-                      </a:solidFill>
-                      <a:prstDash val="solid"/>
-                      <a:round/>
-                      <a:headEnd type="none" w="med" len="med"/>
-                      <a:tailEnd type="none" w="med" len="med"/>
-                    </a:lnR>
-                    <a:lnT w="6350" cap="flat" cmpd="sng" algn="ctr">
-                      <a:solidFill>
-                        <a:srgbClr val="000000"/>
-                      </a:solidFill>
-                      <a:prstDash val="solid"/>
-                      <a:round/>
-                      <a:headEnd type="none" w="med" len="med"/>
-                      <a:tailEnd type="none" w="med" len="med"/>
-                    </a:lnT>
-                    <a:lnB w="6350" cap="flat" cmpd="sng" algn="ctr">
-                      <a:solidFill>
-                        <a:srgbClr val="000000"/>
-                      </a:solidFill>
-                      <a:prstDash val="solid"/>
-                      <a:round/>
-                      <a:headEnd type="none" w="med" len="med"/>
-                      <a:tailEnd type="none" w="med" len="med"/>
-                    </a:lnB>
-                    <a:solidFill>
-                      <a:srgbClr val="FFFFFF"/>
-                    </a:solidFill>
-                  </a:tcPr>
-                </a:tc>
-                <a:tc>
-                  <a:txBody>
-                    <a:bodyPr/>
-                    <a:lstStyle/>
-                    <a:p>
-                      <a:pPr algn="l" fontAlgn="b"/>
-                      <a:r>
-                        <a:rPr lang="en-US" sz="1100" b="0" i="0" u="none" strike="noStrike">
-                          <a:solidFill>
-                            <a:srgbClr val="000000"/>
-                          </a:solidFill>
-                          <a:effectLst/>
-                          <a:latin typeface="Oswald"/>
-                        </a:rPr>
-                        <a:t> $  8,278,504,756 </a:t>
-                      </a:r>
-                    </a:p>
-                  </a:txBody>
-                  <a:tcPr marL="4763" marR="4763" marT="4763" marB="0" anchor="b">
-                    <a:lnL w="6350" cap="flat" cmpd="sng" algn="ctr">
-                      <a:solidFill>
-                        <a:srgbClr val="000000"/>
-                      </a:solidFill>
-                      <a:prstDash val="solid"/>
-                      <a:round/>
-                      <a:headEnd type="none" w="med" len="med"/>
-                      <a:tailEnd type="none" w="med" len="med"/>
-                    </a:lnL>
-                    <a:lnR w="6350" cap="flat" cmpd="sng" algn="ctr">
-                      <a:solidFill>
-                        <a:srgbClr val="000000"/>
-                      </a:solidFill>
-                      <a:prstDash val="solid"/>
-                      <a:round/>
-                      <a:headEnd type="none" w="med" len="med"/>
-                      <a:tailEnd type="none" w="med" len="med"/>
-                    </a:lnR>
-                    <a:lnT w="6350" cap="flat" cmpd="sng" algn="ctr">
-                      <a:solidFill>
-                        <a:srgbClr val="000000"/>
-                      </a:solidFill>
-                      <a:prstDash val="solid"/>
-                      <a:round/>
-                      <a:headEnd type="none" w="med" len="med"/>
-                      <a:tailEnd type="none" w="med" len="med"/>
-                    </a:lnT>
-                    <a:lnB w="6350" cap="flat" cmpd="sng" algn="ctr">
-                      <a:solidFill>
-                        <a:srgbClr val="000000"/>
-                      </a:solidFill>
-                      <a:prstDash val="solid"/>
-                      <a:round/>
-                      <a:headEnd type="none" w="med" len="med"/>
-                      <a:tailEnd type="none" w="med" len="med"/>
-                    </a:lnB>
-                    <a:solidFill>
-                      <a:srgbClr val="FFFFFF"/>
-                    </a:solidFill>
-                  </a:tcPr>
-                </a:tc>
-                <a:tc>
-                  <a:txBody>
-                    <a:bodyPr/>
-                    <a:lstStyle/>
-                    <a:p>
-                      <a:pPr algn="r" fontAlgn="b"/>
-                      <a:r>
-                        <a:rPr lang="en-US" sz="1100" b="0" i="0" u="none" strike="noStrike">
-                          <a:solidFill>
-                            <a:srgbClr val="000000"/>
-                          </a:solidFill>
-                          <a:effectLst/>
-                          <a:latin typeface="Oswald"/>
-                        </a:rPr>
-                        <a:t>1503</a:t>
-                      </a:r>
-                    </a:p>
-                  </a:txBody>
-                  <a:tcPr marL="4763" marR="4763" marT="4763" marB="0" anchor="b">
-                    <a:lnL w="6350" cap="flat" cmpd="sng" algn="ctr">
-                      <a:solidFill>
-                        <a:srgbClr val="000000"/>
-                      </a:solidFill>
-                      <a:prstDash val="solid"/>
-                      <a:round/>
-                      <a:headEnd type="none" w="med" len="med"/>
-                      <a:tailEnd type="none" w="med" len="med"/>
-                    </a:lnL>
-                    <a:lnR w="6350" cap="flat" cmpd="sng" algn="ctr">
-                      <a:solidFill>
-                        <a:srgbClr val="000000"/>
-                      </a:solidFill>
-                      <a:prstDash val="solid"/>
-                      <a:round/>
-                      <a:headEnd type="none" w="med" len="med"/>
-                      <a:tailEnd type="none" w="med" len="med"/>
-                    </a:lnR>
-                    <a:lnT w="6350" cap="flat" cmpd="sng" algn="ctr">
-                      <a:solidFill>
-                        <a:srgbClr val="000000"/>
-                      </a:solidFill>
-                      <a:prstDash val="solid"/>
-                      <a:round/>
-                      <a:headEnd type="none" w="med" len="med"/>
-                      <a:tailEnd type="none" w="med" len="med"/>
-                    </a:lnT>
-                    <a:lnB w="6350" cap="flat" cmpd="sng" algn="ctr">
-                      <a:solidFill>
-                        <a:srgbClr val="000000"/>
-                      </a:solidFill>
-                      <a:prstDash val="solid"/>
-                      <a:round/>
-                      <a:headEnd type="none" w="med" len="med"/>
-                      <a:tailEnd type="none" w="med" len="med"/>
-                    </a:lnB>
-                    <a:solidFill>
-                      <a:srgbClr val="FFFFFF"/>
-                    </a:solidFill>
-                  </a:tcPr>
-                </a:tc>
-                <a:tc>
-                  <a:txBody>
-                    <a:bodyPr/>
-                    <a:lstStyle/>
-                    <a:p>
-                      <a:pPr algn="r" fontAlgn="b"/>
-                      <a:r>
-                        <a:rPr lang="en-US" sz="1100" b="0" i="0" u="none" strike="noStrike">
-                          <a:solidFill>
-                            <a:srgbClr val="000000"/>
-                          </a:solidFill>
-                          <a:effectLst/>
-                          <a:latin typeface="Oswald"/>
-                        </a:rPr>
-                        <a:t>78.01</a:t>
-                      </a:r>
-                    </a:p>
-                  </a:txBody>
-                  <a:tcPr marL="4763" marR="4763" marT="4763" marB="0" anchor="b">
-                    <a:lnL w="6350" cap="flat" cmpd="sng" algn="ctr">
-                      <a:solidFill>
-                        <a:srgbClr val="000000"/>
-                      </a:solidFill>
-                      <a:prstDash val="solid"/>
-                      <a:round/>
-                      <a:headEnd type="none" w="med" len="med"/>
-                      <a:tailEnd type="none" w="med" len="med"/>
-                    </a:lnL>
-                    <a:lnR w="6350" cap="flat" cmpd="sng" algn="ctr">
-                      <a:solidFill>
-                        <a:srgbClr val="000000"/>
-                      </a:solidFill>
-                      <a:prstDash val="solid"/>
-                      <a:round/>
-                      <a:headEnd type="none" w="med" len="med"/>
-                      <a:tailEnd type="none" w="med" len="med"/>
-                    </a:lnR>
-                    <a:lnT w="6350" cap="flat" cmpd="sng" algn="ctr">
-                      <a:solidFill>
-                        <a:srgbClr val="000000"/>
-                      </a:solidFill>
-                      <a:prstDash val="solid"/>
-                      <a:round/>
-                      <a:headEnd type="none" w="med" len="med"/>
-                      <a:tailEnd type="none" w="med" len="med"/>
-                    </a:lnT>
-                    <a:lnB w="6350" cap="flat" cmpd="sng" algn="ctr">
-                      <a:solidFill>
-                        <a:srgbClr val="000000"/>
-                      </a:solidFill>
-                      <a:prstDash val="solid"/>
-                      <a:round/>
-                      <a:headEnd type="none" w="med" len="med"/>
-                      <a:tailEnd type="none" w="med" len="med"/>
-                    </a:lnB>
-                    <a:solidFill>
-                      <a:srgbClr val="FFFFFF"/>
-                    </a:solidFill>
-                  </a:tcPr>
-                </a:tc>
-                <a:extLst>
-                  <a:ext uri="{0D108BD9-81ED-4DB2-BD59-A6C34878D82A}">
-                    <a16:rowId xmlns:a16="http://schemas.microsoft.com/office/drawing/2014/main" val="668960420"/>
-                  </a:ext>
-                </a:extLst>
-              </a:tr>
-              <a:tr h="171450">
-                <a:tc>
-                  <a:txBody>
-                    <a:bodyPr/>
-                    <a:lstStyle/>
-                    <a:p>
-                      <a:pPr algn="l" fontAlgn="b"/>
-                      <a:r>
-                        <a:rPr lang="en-US" sz="1100" b="0" i="0" u="none" strike="noStrike">
-                          <a:solidFill>
-                            <a:srgbClr val="000000"/>
-                          </a:solidFill>
-                          <a:effectLst/>
-                          <a:latin typeface="Oswald"/>
-                        </a:rPr>
-                        <a:t>Redwood City</a:t>
-                      </a:r>
-                    </a:p>
-                  </a:txBody>
-                  <a:tcPr marL="4763" marR="4763" marT="4763" marB="0" anchor="b">
-                    <a:lnL w="6350" cap="flat" cmpd="sng" algn="ctr">
-                      <a:solidFill>
-                        <a:srgbClr val="000000"/>
-                      </a:solidFill>
-                      <a:prstDash val="solid"/>
-                      <a:round/>
-                      <a:headEnd type="none" w="med" len="med"/>
-                      <a:tailEnd type="none" w="med" len="med"/>
-                    </a:lnL>
-                    <a:lnR w="6350" cap="flat" cmpd="sng" algn="ctr">
-                      <a:solidFill>
-                        <a:srgbClr val="000000"/>
-                      </a:solidFill>
-                      <a:prstDash val="solid"/>
-                      <a:round/>
-                      <a:headEnd type="none" w="med" len="med"/>
-                      <a:tailEnd type="none" w="med" len="med"/>
-                    </a:lnR>
-                    <a:lnT w="6350" cap="flat" cmpd="sng" algn="ctr">
-                      <a:solidFill>
-                        <a:srgbClr val="000000"/>
-                      </a:solidFill>
-                      <a:prstDash val="solid"/>
-                      <a:round/>
-                      <a:headEnd type="none" w="med" len="med"/>
-                      <a:tailEnd type="none" w="med" len="med"/>
-                    </a:lnT>
-                    <a:lnB w="6350" cap="flat" cmpd="sng" algn="ctr">
-                      <a:solidFill>
-                        <a:srgbClr val="000000"/>
-                      </a:solidFill>
-                      <a:prstDash val="solid"/>
-                      <a:round/>
-                      <a:headEnd type="none" w="med" len="med"/>
-                      <a:tailEnd type="none" w="med" len="med"/>
-                    </a:lnB>
-                    <a:solidFill>
-                      <a:srgbClr val="FFFFFF"/>
-                    </a:solidFill>
-                  </a:tcPr>
-                </a:tc>
-                <a:tc>
-                  <a:txBody>
-                    <a:bodyPr/>
-                    <a:lstStyle/>
-                    <a:p>
-                      <a:pPr algn="l" fontAlgn="b"/>
-                      <a:r>
-                        <a:rPr lang="en-US" sz="1100" b="0" i="0" u="none" strike="noStrike">
-                          <a:solidFill>
-                            <a:srgbClr val="000000"/>
-                          </a:solidFill>
-                          <a:effectLst/>
-                          <a:latin typeface="Oswald"/>
-                        </a:rPr>
-                        <a:t>CA</a:t>
-                      </a:r>
-                    </a:p>
-                  </a:txBody>
-                  <a:tcPr marL="4763" marR="4763" marT="4763" marB="0" anchor="b">
-                    <a:lnL w="6350" cap="flat" cmpd="sng" algn="ctr">
-                      <a:solidFill>
-                        <a:srgbClr val="000000"/>
-                      </a:solidFill>
-                      <a:prstDash val="solid"/>
-                      <a:round/>
-                      <a:headEnd type="none" w="med" len="med"/>
-                      <a:tailEnd type="none" w="med" len="med"/>
-                    </a:lnL>
-                    <a:lnR w="6350" cap="flat" cmpd="sng" algn="ctr">
-                      <a:solidFill>
-                        <a:srgbClr val="000000"/>
-                      </a:solidFill>
-                      <a:prstDash val="solid"/>
-                      <a:round/>
-                      <a:headEnd type="none" w="med" len="med"/>
-                      <a:tailEnd type="none" w="med" len="med"/>
-                    </a:lnR>
-                    <a:lnT w="6350" cap="flat" cmpd="sng" algn="ctr">
-                      <a:solidFill>
-                        <a:srgbClr val="000000"/>
-                      </a:solidFill>
-                      <a:prstDash val="solid"/>
-                      <a:round/>
-                      <a:headEnd type="none" w="med" len="med"/>
-                      <a:tailEnd type="none" w="med" len="med"/>
-                    </a:lnT>
-                    <a:lnB w="6350" cap="flat" cmpd="sng" algn="ctr">
-                      <a:solidFill>
-                        <a:srgbClr val="000000"/>
-                      </a:solidFill>
-                      <a:prstDash val="solid"/>
-                      <a:round/>
-                      <a:headEnd type="none" w="med" len="med"/>
-                      <a:tailEnd type="none" w="med" len="med"/>
-                    </a:lnB>
-                    <a:solidFill>
-                      <a:srgbClr val="FFFFFF"/>
-                    </a:solidFill>
-                  </a:tcPr>
-                </a:tc>
-                <a:tc>
-                  <a:txBody>
-                    <a:bodyPr/>
-                    <a:lstStyle/>
-                    <a:p>
-                      <a:pPr algn="l" fontAlgn="b"/>
-                      <a:r>
-                        <a:rPr lang="en-US" sz="1100" b="0" i="0" u="none" strike="noStrike">
-                          <a:solidFill>
-                            <a:srgbClr val="000000"/>
-                          </a:solidFill>
-                          <a:effectLst/>
-                          <a:latin typeface="Oswald"/>
-                        </a:rPr>
-                        <a:t> $  7,970,115,831 </a:t>
-                      </a:r>
-                    </a:p>
-                  </a:txBody>
-                  <a:tcPr marL="4763" marR="4763" marT="4763" marB="0" anchor="b">
-                    <a:lnL w="6350" cap="flat" cmpd="sng" algn="ctr">
-                      <a:solidFill>
-                        <a:srgbClr val="000000"/>
-                      </a:solidFill>
-                      <a:prstDash val="solid"/>
-                      <a:round/>
-                      <a:headEnd type="none" w="med" len="med"/>
-                      <a:tailEnd type="none" w="med" len="med"/>
-                    </a:lnL>
-                    <a:lnR w="6350" cap="flat" cmpd="sng" algn="ctr">
-                      <a:solidFill>
-                        <a:srgbClr val="000000"/>
-                      </a:solidFill>
-                      <a:prstDash val="solid"/>
-                      <a:round/>
-                      <a:headEnd type="none" w="med" len="med"/>
-                      <a:tailEnd type="none" w="med" len="med"/>
-                    </a:lnR>
-                    <a:lnT w="6350" cap="flat" cmpd="sng" algn="ctr">
-                      <a:solidFill>
-                        <a:srgbClr val="000000"/>
-                      </a:solidFill>
-                      <a:prstDash val="solid"/>
-                      <a:round/>
-                      <a:headEnd type="none" w="med" len="med"/>
-                      <a:tailEnd type="none" w="med" len="med"/>
-                    </a:lnT>
-                    <a:lnB w="6350" cap="flat" cmpd="sng" algn="ctr">
-                      <a:solidFill>
-                        <a:srgbClr val="000000"/>
-                      </a:solidFill>
-                      <a:prstDash val="solid"/>
-                      <a:round/>
-                      <a:headEnd type="none" w="med" len="med"/>
-                      <a:tailEnd type="none" w="med" len="med"/>
-                    </a:lnB>
-                    <a:solidFill>
-                      <a:srgbClr val="FFFFFF"/>
-                    </a:solidFill>
-                  </a:tcPr>
-                </a:tc>
-                <a:tc>
-                  <a:txBody>
-                    <a:bodyPr/>
-                    <a:lstStyle/>
-                    <a:p>
-                      <a:pPr algn="r" fontAlgn="b"/>
-                      <a:r>
-                        <a:rPr lang="en-US" sz="1100" b="0" i="0" u="none" strike="noStrike">
-                          <a:solidFill>
-                            <a:srgbClr val="000000"/>
-                          </a:solidFill>
-                          <a:effectLst/>
-                          <a:latin typeface="Oswald"/>
-                        </a:rPr>
-                        <a:t>945</a:t>
-                      </a:r>
-                    </a:p>
-                  </a:txBody>
-                  <a:tcPr marL="4763" marR="4763" marT="4763" marB="0" anchor="b">
-                    <a:lnL w="6350" cap="flat" cmpd="sng" algn="ctr">
-                      <a:solidFill>
-                        <a:srgbClr val="000000"/>
-                      </a:solidFill>
-                      <a:prstDash val="solid"/>
-                      <a:round/>
-                      <a:headEnd type="none" w="med" len="med"/>
-                      <a:tailEnd type="none" w="med" len="med"/>
-                    </a:lnL>
-                    <a:lnR w="6350" cap="flat" cmpd="sng" algn="ctr">
-                      <a:solidFill>
-                        <a:srgbClr val="000000"/>
-                      </a:solidFill>
-                      <a:prstDash val="solid"/>
-                      <a:round/>
-                      <a:headEnd type="none" w="med" len="med"/>
-                      <a:tailEnd type="none" w="med" len="med"/>
-                    </a:lnR>
-                    <a:lnT w="6350" cap="flat" cmpd="sng" algn="ctr">
-                      <a:solidFill>
-                        <a:srgbClr val="000000"/>
-                      </a:solidFill>
-                      <a:prstDash val="solid"/>
-                      <a:round/>
-                      <a:headEnd type="none" w="med" len="med"/>
-                      <a:tailEnd type="none" w="med" len="med"/>
-                    </a:lnT>
-                    <a:lnB w="6350" cap="flat" cmpd="sng" algn="ctr">
-                      <a:solidFill>
-                        <a:srgbClr val="000000"/>
-                      </a:solidFill>
-                      <a:prstDash val="solid"/>
-                      <a:round/>
-                      <a:headEnd type="none" w="med" len="med"/>
-                      <a:tailEnd type="none" w="med" len="med"/>
-                    </a:lnB>
-                    <a:solidFill>
-                      <a:srgbClr val="FFFFFF"/>
-                    </a:solidFill>
-                  </a:tcPr>
-                </a:tc>
-                <a:tc>
-                  <a:txBody>
-                    <a:bodyPr/>
-                    <a:lstStyle/>
-                    <a:p>
-                      <a:pPr algn="r" fontAlgn="b"/>
-                      <a:r>
-                        <a:rPr lang="en-US" sz="1100" b="0" i="0" u="none" strike="noStrike">
-                          <a:solidFill>
-                            <a:srgbClr val="000000"/>
-                          </a:solidFill>
-                          <a:effectLst/>
-                          <a:latin typeface="Oswald"/>
-                        </a:rPr>
-                        <a:t>71.01</a:t>
-                      </a:r>
-                    </a:p>
-                  </a:txBody>
-                  <a:tcPr marL="4763" marR="4763" marT="4763" marB="0" anchor="b">
-                    <a:lnL w="6350" cap="flat" cmpd="sng" algn="ctr">
-                      <a:solidFill>
-                        <a:srgbClr val="000000"/>
-                      </a:solidFill>
-                      <a:prstDash val="solid"/>
-                      <a:round/>
-                      <a:headEnd type="none" w="med" len="med"/>
-                      <a:tailEnd type="none" w="med" len="med"/>
-                    </a:lnL>
-                    <a:lnR w="6350" cap="flat" cmpd="sng" algn="ctr">
-                      <a:solidFill>
-                        <a:srgbClr val="000000"/>
-                      </a:solidFill>
-                      <a:prstDash val="solid"/>
-                      <a:round/>
-                      <a:headEnd type="none" w="med" len="med"/>
-                      <a:tailEnd type="none" w="med" len="med"/>
-                    </a:lnR>
-                    <a:lnT w="6350" cap="flat" cmpd="sng" algn="ctr">
-                      <a:solidFill>
-                        <a:srgbClr val="000000"/>
-                      </a:solidFill>
-                      <a:prstDash val="solid"/>
-                      <a:round/>
-                      <a:headEnd type="none" w="med" len="med"/>
-                      <a:tailEnd type="none" w="med" len="med"/>
-                    </a:lnT>
-                    <a:lnB w="6350" cap="flat" cmpd="sng" algn="ctr">
-                      <a:solidFill>
-                        <a:srgbClr val="000000"/>
-                      </a:solidFill>
-                      <a:prstDash val="solid"/>
-                      <a:round/>
-                      <a:headEnd type="none" w="med" len="med"/>
-                      <a:tailEnd type="none" w="med" len="med"/>
-                    </a:lnB>
-                    <a:solidFill>
-                      <a:srgbClr val="FFFFFF"/>
-                    </a:solidFill>
-                  </a:tcPr>
-                </a:tc>
-                <a:extLst>
-                  <a:ext uri="{0D108BD9-81ED-4DB2-BD59-A6C34878D82A}">
-                    <a16:rowId xmlns:a16="http://schemas.microsoft.com/office/drawing/2014/main" val="2156672251"/>
-                  </a:ext>
-                </a:extLst>
-              </a:tr>
-              <a:tr h="171450">
-                <a:tc>
-                  <a:txBody>
-                    <a:bodyPr/>
-                    <a:lstStyle/>
-                    <a:p>
-                      <a:pPr algn="l" fontAlgn="b"/>
-                      <a:r>
-                        <a:rPr lang="en-US" sz="1100" b="0" i="0" u="none" strike="noStrike">
-                          <a:solidFill>
-                            <a:srgbClr val="000000"/>
-                          </a:solidFill>
-                          <a:effectLst/>
-                          <a:latin typeface="Oswald"/>
-                        </a:rPr>
-                        <a:t>Chicago</a:t>
-                      </a:r>
-                    </a:p>
-                  </a:txBody>
-                  <a:tcPr marL="4763" marR="4763" marT="4763" marB="0" anchor="b">
-                    <a:lnL w="6350" cap="flat" cmpd="sng" algn="ctr">
-                      <a:solidFill>
-                        <a:srgbClr val="000000"/>
-                      </a:solidFill>
-                      <a:prstDash val="solid"/>
-                      <a:round/>
-                      <a:headEnd type="none" w="med" len="med"/>
-                      <a:tailEnd type="none" w="med" len="med"/>
-                    </a:lnL>
-                    <a:lnR w="6350" cap="flat" cmpd="sng" algn="ctr">
-                      <a:solidFill>
-                        <a:srgbClr val="000000"/>
-                      </a:solidFill>
-                      <a:prstDash val="solid"/>
-                      <a:round/>
-                      <a:headEnd type="none" w="med" len="med"/>
-                      <a:tailEnd type="none" w="med" len="med"/>
-                    </a:lnR>
-                    <a:lnT w="6350" cap="flat" cmpd="sng" algn="ctr">
-                      <a:solidFill>
-                        <a:srgbClr val="000000"/>
-                      </a:solidFill>
-                      <a:prstDash val="solid"/>
-                      <a:round/>
-                      <a:headEnd type="none" w="med" len="med"/>
-                      <a:tailEnd type="none" w="med" len="med"/>
-                    </a:lnT>
-                    <a:lnB w="6350" cap="flat" cmpd="sng" algn="ctr">
-                      <a:solidFill>
-                        <a:srgbClr val="000000"/>
-                      </a:solidFill>
-                      <a:prstDash val="solid"/>
-                      <a:round/>
-                      <a:headEnd type="none" w="med" len="med"/>
-                      <a:tailEnd type="none" w="med" len="med"/>
-                    </a:lnB>
-                    <a:solidFill>
-                      <a:srgbClr val="FFFFFF"/>
-                    </a:solidFill>
-                  </a:tcPr>
-                </a:tc>
-                <a:tc>
-                  <a:txBody>
-                    <a:bodyPr/>
-                    <a:lstStyle/>
-                    <a:p>
-                      <a:pPr algn="l" fontAlgn="b"/>
-                      <a:r>
-                        <a:rPr lang="en-US" sz="1100" b="0" i="0" u="none" strike="noStrike">
-                          <a:solidFill>
-                            <a:srgbClr val="000000"/>
-                          </a:solidFill>
-                          <a:effectLst/>
-                          <a:latin typeface="Oswald"/>
-                        </a:rPr>
-                        <a:t>IL</a:t>
-                      </a:r>
-                    </a:p>
-                  </a:txBody>
-                  <a:tcPr marL="4763" marR="4763" marT="4763" marB="0" anchor="b">
-                    <a:lnL w="6350" cap="flat" cmpd="sng" algn="ctr">
-                      <a:solidFill>
-                        <a:srgbClr val="000000"/>
-                      </a:solidFill>
-                      <a:prstDash val="solid"/>
-                      <a:round/>
-                      <a:headEnd type="none" w="med" len="med"/>
-                      <a:tailEnd type="none" w="med" len="med"/>
-                    </a:lnL>
-                    <a:lnR w="6350" cap="flat" cmpd="sng" algn="ctr">
-                      <a:solidFill>
-                        <a:srgbClr val="000000"/>
-                      </a:solidFill>
-                      <a:prstDash val="solid"/>
-                      <a:round/>
-                      <a:headEnd type="none" w="med" len="med"/>
-                      <a:tailEnd type="none" w="med" len="med"/>
-                    </a:lnR>
-                    <a:lnT w="6350" cap="flat" cmpd="sng" algn="ctr">
-                      <a:solidFill>
-                        <a:srgbClr val="000000"/>
-                      </a:solidFill>
-                      <a:prstDash val="solid"/>
-                      <a:round/>
-                      <a:headEnd type="none" w="med" len="med"/>
-                      <a:tailEnd type="none" w="med" len="med"/>
-                    </a:lnT>
-                    <a:lnB w="6350" cap="flat" cmpd="sng" algn="ctr">
-                      <a:solidFill>
-                        <a:srgbClr val="000000"/>
-                      </a:solidFill>
-                      <a:prstDash val="solid"/>
-                      <a:round/>
-                      <a:headEnd type="none" w="med" len="med"/>
-                      <a:tailEnd type="none" w="med" len="med"/>
-                    </a:lnB>
-                    <a:solidFill>
-                      <a:srgbClr val="FFFFFF"/>
-                    </a:solidFill>
-                  </a:tcPr>
-                </a:tc>
-                <a:tc>
-                  <a:txBody>
-                    <a:bodyPr/>
-                    <a:lstStyle/>
-                    <a:p>
-                      <a:pPr algn="l" fontAlgn="b"/>
-                      <a:r>
-                        <a:rPr lang="en-US" sz="1100" b="0" i="0" u="none" strike="noStrike">
-                          <a:solidFill>
-                            <a:srgbClr val="000000"/>
-                          </a:solidFill>
-                          <a:effectLst/>
-                          <a:latin typeface="Oswald"/>
-                        </a:rPr>
-                        <a:t> $  7,435,861,102 </a:t>
-                      </a:r>
-                    </a:p>
-                  </a:txBody>
-                  <a:tcPr marL="4763" marR="4763" marT="4763" marB="0" anchor="b">
-                    <a:lnL w="6350" cap="flat" cmpd="sng" algn="ctr">
-                      <a:solidFill>
-                        <a:srgbClr val="000000"/>
-                      </a:solidFill>
-                      <a:prstDash val="solid"/>
-                      <a:round/>
-                      <a:headEnd type="none" w="med" len="med"/>
-                      <a:tailEnd type="none" w="med" len="med"/>
-                    </a:lnL>
-                    <a:lnR w="6350" cap="flat" cmpd="sng" algn="ctr">
-                      <a:solidFill>
-                        <a:srgbClr val="000000"/>
-                      </a:solidFill>
-                      <a:prstDash val="solid"/>
-                      <a:round/>
-                      <a:headEnd type="none" w="med" len="med"/>
-                      <a:tailEnd type="none" w="med" len="med"/>
-                    </a:lnR>
-                    <a:lnT w="6350" cap="flat" cmpd="sng" algn="ctr">
-                      <a:solidFill>
-                        <a:srgbClr val="000000"/>
-                      </a:solidFill>
-                      <a:prstDash val="solid"/>
-                      <a:round/>
-                      <a:headEnd type="none" w="med" len="med"/>
-                      <a:tailEnd type="none" w="med" len="med"/>
-                    </a:lnT>
-                    <a:lnB w="6350" cap="flat" cmpd="sng" algn="ctr">
-                      <a:solidFill>
-                        <a:srgbClr val="000000"/>
-                      </a:solidFill>
-                      <a:prstDash val="solid"/>
-                      <a:round/>
-                      <a:headEnd type="none" w="med" len="med"/>
-                      <a:tailEnd type="none" w="med" len="med"/>
-                    </a:lnB>
-                    <a:solidFill>
-                      <a:srgbClr val="FFFFFF"/>
-                    </a:solidFill>
-                  </a:tcPr>
-                </a:tc>
-                <a:tc>
-                  <a:txBody>
-                    <a:bodyPr/>
-                    <a:lstStyle/>
-                    <a:p>
-                      <a:pPr algn="r" fontAlgn="b"/>
-                      <a:r>
-                        <a:rPr lang="en-US" sz="1100" b="0" i="0" u="none" strike="noStrike">
-                          <a:solidFill>
-                            <a:srgbClr val="000000"/>
-                          </a:solidFill>
-                          <a:effectLst/>
-                          <a:latin typeface="Oswald"/>
-                        </a:rPr>
-                        <a:t>1020</a:t>
-                      </a:r>
-                    </a:p>
-                  </a:txBody>
-                  <a:tcPr marL="4763" marR="4763" marT="4763" marB="0" anchor="b">
-                    <a:lnL w="6350" cap="flat" cmpd="sng" algn="ctr">
-                      <a:solidFill>
-                        <a:srgbClr val="000000"/>
-                      </a:solidFill>
-                      <a:prstDash val="solid"/>
-                      <a:round/>
-                      <a:headEnd type="none" w="med" len="med"/>
-                      <a:tailEnd type="none" w="med" len="med"/>
-                    </a:lnL>
-                    <a:lnR w="6350" cap="flat" cmpd="sng" algn="ctr">
-                      <a:solidFill>
-                        <a:srgbClr val="000000"/>
-                      </a:solidFill>
-                      <a:prstDash val="solid"/>
-                      <a:round/>
-                      <a:headEnd type="none" w="med" len="med"/>
-                      <a:tailEnd type="none" w="med" len="med"/>
-                    </a:lnR>
-                    <a:lnT w="6350" cap="flat" cmpd="sng" algn="ctr">
-                      <a:solidFill>
-                        <a:srgbClr val="000000"/>
-                      </a:solidFill>
-                      <a:prstDash val="solid"/>
-                      <a:round/>
-                      <a:headEnd type="none" w="med" len="med"/>
-                      <a:tailEnd type="none" w="med" len="med"/>
-                    </a:lnT>
-                    <a:lnB w="6350" cap="flat" cmpd="sng" algn="ctr">
-                      <a:solidFill>
-                        <a:srgbClr val="000000"/>
-                      </a:solidFill>
-                      <a:prstDash val="solid"/>
-                      <a:round/>
-                      <a:headEnd type="none" w="med" len="med"/>
-                      <a:tailEnd type="none" w="med" len="med"/>
-                    </a:lnB>
-                    <a:solidFill>
-                      <a:srgbClr val="FFFFFF"/>
-                    </a:solidFill>
-                  </a:tcPr>
-                </a:tc>
-                <a:tc>
-                  <a:txBody>
-                    <a:bodyPr/>
-                    <a:lstStyle/>
-                    <a:p>
-                      <a:pPr algn="r" fontAlgn="b"/>
-                      <a:r>
-                        <a:rPr lang="en-US" sz="1100" b="0" i="0" u="none" strike="noStrike" dirty="0">
-                          <a:solidFill>
-                            <a:srgbClr val="000000"/>
-                          </a:solidFill>
-                          <a:effectLst/>
-                          <a:latin typeface="Oswald"/>
-                        </a:rPr>
-                        <a:t>72</a:t>
-                      </a:r>
-                    </a:p>
-                  </a:txBody>
-                  <a:tcPr marL="4763" marR="4763" marT="4763" marB="0" anchor="b">
-                    <a:lnL w="6350" cap="flat" cmpd="sng" algn="ctr">
-                      <a:solidFill>
-                        <a:srgbClr val="000000"/>
-                      </a:solidFill>
-                      <a:prstDash val="solid"/>
-                      <a:round/>
-                      <a:headEnd type="none" w="med" len="med"/>
-                      <a:tailEnd type="none" w="med" len="med"/>
-                    </a:lnL>
-                    <a:lnR w="6350" cap="flat" cmpd="sng" algn="ctr">
-                      <a:solidFill>
-                        <a:srgbClr val="000000"/>
-                      </a:solidFill>
-                      <a:prstDash val="solid"/>
-                      <a:round/>
-                      <a:headEnd type="none" w="med" len="med"/>
-                      <a:tailEnd type="none" w="med" len="med"/>
-                    </a:lnR>
-                    <a:lnT w="6350" cap="flat" cmpd="sng" algn="ctr">
-                      <a:solidFill>
-                        <a:srgbClr val="000000"/>
-                      </a:solidFill>
-                      <a:prstDash val="solid"/>
-                      <a:round/>
-                      <a:headEnd type="none" w="med" len="med"/>
-                      <a:tailEnd type="none" w="med" len="med"/>
-                    </a:lnT>
-                    <a:lnB w="6350" cap="flat" cmpd="sng" algn="ctr">
-                      <a:solidFill>
-                        <a:srgbClr val="000000"/>
-                      </a:solidFill>
-                      <a:prstDash val="solid"/>
-                      <a:round/>
-                      <a:headEnd type="none" w="med" len="med"/>
-                      <a:tailEnd type="none" w="med" len="med"/>
-                    </a:lnB>
-                    <a:solidFill>
-                      <a:srgbClr val="FFFFFF"/>
-                    </a:solidFill>
-                  </a:tcPr>
-                </a:tc>
-                <a:extLst>
-                  <a:ext uri="{0D108BD9-81ED-4DB2-BD59-A6C34878D82A}">
-                    <a16:rowId xmlns:a16="http://schemas.microsoft.com/office/drawing/2014/main" val="2813992209"/>
-                  </a:ext>
-                </a:extLst>
-              </a:tr>
-            </a:tbl>
-          </a:graphicData>
-        </a:graphic>
-      </p:graphicFrame>
-      <p:sp>
-        <p:nvSpPr>
-          <p:cNvPr id="3" name="Rectangle 2">
-            <a:extLst>
-              <a:ext uri="{FF2B5EF4-FFF2-40B4-BE49-F238E27FC236}">
-                <a16:creationId xmlns:a16="http://schemas.microsoft.com/office/drawing/2014/main" id="{C8B64127-E294-457C-A6BA-DFEE57C43E42}"/>
-              </a:ext>
-            </a:extLst>
-          </p:cNvPr>
-          <p:cNvSpPr/>
-          <p:nvPr/>
-        </p:nvSpPr>
-        <p:spPr>
-          <a:xfrm>
-            <a:off x="2407030" y="3859767"/>
-            <a:ext cx="4451860" cy="369332"/>
-          </a:xfrm>
-          <a:prstGeom prst="rect">
-            <a:avLst/>
-          </a:prstGeom>
-        </p:spPr>
-        <p:txBody>
-          <a:bodyPr wrap="none">
-            <a:spAutoFit/>
-          </a:bodyPr>
-          <a:lstStyle/>
-          <a:p>
-            <a:r>
-              <a:rPr lang="en-US" dirty="0">
-                <a:solidFill>
-                  <a:srgbClr val="FF0000"/>
-                </a:solidFill>
-              </a:rPr>
-              <a:t>This should include a numerical summary</a:t>
-            </a:r>
-          </a:p>
-        </p:txBody>
-      </p:sp>
-    </p:spTree>
-    <p:extLst>
-      <p:ext uri="{BB962C8B-B14F-4D97-AF65-F5344CB8AC3E}">
-        <p14:creationId xmlns:p14="http://schemas.microsoft.com/office/powerpoint/2010/main" val="1033262323"/>
-      </p:ext>
-    </p:extLst>
-  </p:cSld>
-  <p:clrMapOvr>
-    <a:masterClrMapping/>
-  </p:clrMapOvr>
-</p:sld>
-</file>
-
-<file path=ppt/slides/slide7.xml><?xml version="1.0" encoding="utf-8"?>
-<p:sld xmlns:a="http://schemas.openxmlformats.org/drawingml/2006/main" xmlns:r="http://schemas.openxmlformats.org/officeDocument/2006/relationships" xmlns:p="http://schemas.openxmlformats.org/presentationml/2006/main">
-  <p:cSld>
-    <p:spTree>
-      <p:nvGrpSpPr>
-        <p:cNvPr id="1" name=""/>
-        <p:cNvGrpSpPr/>
-        <p:nvPr/>
-      </p:nvGrpSpPr>
-      <p:grpSpPr>
-        <a:xfrm>
-          <a:off x="0" y="0"/>
-          <a:ext cx="0" cy="0"/>
-          <a:chOff x="0" y="0"/>
-          <a:chExt cx="0" cy="0"/>
-        </a:xfrm>
-      </p:grpSpPr>
-      <p:sp>
-        <p:nvSpPr>
-          <p:cNvPr id="2" name="Title 1">
-            <a:extLst>
-              <a:ext uri="{FF2B5EF4-FFF2-40B4-BE49-F238E27FC236}">
-                <a16:creationId xmlns:a16="http://schemas.microsoft.com/office/drawing/2014/main" id="{77786D41-2C4F-4825-A40F-AD753D613985}"/>
-              </a:ext>
-            </a:extLst>
-          </p:cNvPr>
-          <p:cNvSpPr>
-            <a:spLocks noGrp="1"/>
-          </p:cNvSpPr>
-          <p:nvPr>
-            <p:ph type="title"/>
-          </p:nvPr>
-        </p:nvSpPr>
-        <p:spPr>
-          <a:xfrm>
-            <a:off x="105295" y="1"/>
-            <a:ext cx="11953701" cy="725978"/>
-          </a:xfrm>
-        </p:spPr>
-        <p:txBody>
-          <a:bodyPr>
-            <a:normAutofit/>
-          </a:bodyPr>
-          <a:lstStyle/>
-          <a:p>
-            <a:r>
-              <a:rPr lang="en-US" dirty="0"/>
-              <a:t>Plot of count of companies vs. funding amounts</a:t>
-            </a:r>
-          </a:p>
-        </p:txBody>
-      </p:sp>
-      <p:pic>
-        <p:nvPicPr>
-          <p:cNvPr id="3" name="Picture 2">
-            <a:extLst>
-              <a:ext uri="{FF2B5EF4-FFF2-40B4-BE49-F238E27FC236}">
-                <a16:creationId xmlns:a16="http://schemas.microsoft.com/office/drawing/2014/main" id="{63FD0D75-CBBF-44EC-9DE2-6827169AABB8}"/>
-              </a:ext>
-            </a:extLst>
-          </p:cNvPr>
-          <p:cNvPicPr>
-            <a:picLocks noChangeAspect="1"/>
-          </p:cNvPicPr>
-          <p:nvPr/>
-        </p:nvPicPr>
-        <p:blipFill>
-          <a:blip r:embed="rId2"/>
-          <a:stretch>
-            <a:fillRect/>
-          </a:stretch>
-        </p:blipFill>
-        <p:spPr>
-          <a:xfrm>
-            <a:off x="4338113" y="675497"/>
-            <a:ext cx="7513061" cy="3028826"/>
-          </a:xfrm>
-          <a:prstGeom prst="rect">
-            <a:avLst/>
-          </a:prstGeom>
-        </p:spPr>
-      </p:pic>
-      <p:pic>
-        <p:nvPicPr>
-          <p:cNvPr id="4" name="Picture 3">
-            <a:extLst>
-              <a:ext uri="{FF2B5EF4-FFF2-40B4-BE49-F238E27FC236}">
-                <a16:creationId xmlns:a16="http://schemas.microsoft.com/office/drawing/2014/main" id="{C1798D22-4E9C-4D64-9A97-3013ADE0A980}"/>
-              </a:ext>
-            </a:extLst>
-          </p:cNvPr>
-          <p:cNvPicPr>
-            <a:picLocks noChangeAspect="1"/>
-          </p:cNvPicPr>
-          <p:nvPr/>
-        </p:nvPicPr>
-        <p:blipFill>
-          <a:blip r:embed="rId3"/>
-          <a:stretch>
-            <a:fillRect/>
-          </a:stretch>
-        </p:blipFill>
-        <p:spPr>
-          <a:xfrm>
-            <a:off x="4338114" y="3748149"/>
-            <a:ext cx="7513061" cy="3028826"/>
-          </a:xfrm>
-          <a:prstGeom prst="rect">
-            <a:avLst/>
-          </a:prstGeom>
-        </p:spPr>
-      </p:pic>
-      <p:sp>
-        <p:nvSpPr>
-          <p:cNvPr id="5" name="TextBox 4">
-            <a:extLst>
-              <a:ext uri="{FF2B5EF4-FFF2-40B4-BE49-F238E27FC236}">
-                <a16:creationId xmlns:a16="http://schemas.microsoft.com/office/drawing/2014/main" id="{38646FDE-551E-4DA1-84EE-63E48DC47D4A}"/>
-              </a:ext>
-            </a:extLst>
-          </p:cNvPr>
-          <p:cNvSpPr txBox="1"/>
-          <p:nvPr/>
-        </p:nvSpPr>
-        <p:spPr>
-          <a:xfrm>
-            <a:off x="205047" y="1363287"/>
-            <a:ext cx="2781993" cy="2339102"/>
-          </a:xfrm>
-          <a:prstGeom prst="rect">
-            <a:avLst/>
-          </a:prstGeom>
-          <a:noFill/>
-        </p:spPr>
-        <p:txBody>
-          <a:bodyPr wrap="square" rtlCol="0">
-            <a:spAutoFit/>
-          </a:bodyPr>
-          <a:lstStyle/>
-          <a:p>
-            <a:r>
-              <a:rPr lang="en-US" dirty="0"/>
-              <a:t>We have observed a high number of companies in NY and CA, however total funding is more apparent in other states such as Colorado, Texas, Illinois, Washington and Florida.</a:t>
-            </a:r>
-          </a:p>
-        </p:txBody>
-      </p:sp>
-    </p:spTree>
-    <p:extLst>
-      <p:ext uri="{BB962C8B-B14F-4D97-AF65-F5344CB8AC3E}">
-        <p14:creationId xmlns:p14="http://schemas.microsoft.com/office/powerpoint/2010/main" val="917463774"/>
-      </p:ext>
-    </p:extLst>
-  </p:cSld>
-  <p:clrMapOvr>
-    <a:masterClrMapping/>
-  </p:clrMapOvr>
-</p:sld>
-</file>
-
-<file path=ppt/slides/slide8.xml><?xml version="1.0" encoding="utf-8"?>
-<p:sld xmlns:a="http://schemas.openxmlformats.org/drawingml/2006/main" xmlns:r="http://schemas.openxmlformats.org/officeDocument/2006/relationships" xmlns:p="http://schemas.openxmlformats.org/presentationml/2006/main">
-  <p:cSld>
-    <p:spTree>
-      <p:nvGrpSpPr>
-        <p:cNvPr id="1" name=""/>
-        <p:cNvGrpSpPr/>
-        <p:nvPr/>
-      </p:nvGrpSpPr>
-      <p:grpSpPr>
-        <a:xfrm>
-          <a:off x="0" y="0"/>
-          <a:ext cx="0" cy="0"/>
-          <a:chOff x="0" y="0"/>
-          <a:chExt cx="0" cy="0"/>
-        </a:xfrm>
-      </p:grpSpPr>
-      <p:sp>
-        <p:nvSpPr>
-          <p:cNvPr id="2" name="Title 1">
-            <a:extLst>
-              <a:ext uri="{FF2B5EF4-FFF2-40B4-BE49-F238E27FC236}">
-                <a16:creationId xmlns:a16="http://schemas.microsoft.com/office/drawing/2014/main" id="{77786D41-2C4F-4825-A40F-AD753D613985}"/>
-              </a:ext>
-            </a:extLst>
-          </p:cNvPr>
-          <p:cNvSpPr>
-            <a:spLocks noGrp="1"/>
-          </p:cNvSpPr>
-          <p:nvPr>
-            <p:ph type="title"/>
-          </p:nvPr>
-        </p:nvSpPr>
-        <p:spPr>
-          <a:xfrm>
-            <a:off x="105295" y="1"/>
-            <a:ext cx="11953701" cy="725978"/>
-          </a:xfrm>
-        </p:spPr>
-        <p:txBody>
-          <a:bodyPr>
-            <a:normAutofit/>
-          </a:bodyPr>
-          <a:lstStyle/>
-          <a:p>
-            <a:r>
-              <a:rPr lang="en-US" dirty="0"/>
-              <a:t>Total Funding by Category by City</a:t>
-            </a:r>
-          </a:p>
-        </p:txBody>
-      </p:sp>
-      <p:sp>
-        <p:nvSpPr>
-          <p:cNvPr id="5" name="TextBox 4">
-            <a:extLst>
-              <a:ext uri="{FF2B5EF4-FFF2-40B4-BE49-F238E27FC236}">
-                <a16:creationId xmlns:a16="http://schemas.microsoft.com/office/drawing/2014/main" id="{38646FDE-551E-4DA1-84EE-63E48DC47D4A}"/>
-              </a:ext>
-            </a:extLst>
-          </p:cNvPr>
-          <p:cNvSpPr txBox="1"/>
-          <p:nvPr/>
-        </p:nvSpPr>
-        <p:spPr>
-          <a:xfrm>
-            <a:off x="55418" y="1756757"/>
-            <a:ext cx="11743113" cy="923330"/>
-          </a:xfrm>
-          <a:prstGeom prst="rect">
-            <a:avLst/>
-          </a:prstGeom>
-          <a:noFill/>
-        </p:spPr>
-        <p:txBody>
-          <a:bodyPr wrap="square" rtlCol="0">
-            <a:spAutoFit/>
-          </a:bodyPr>
-          <a:lstStyle/>
-          <a:p>
-            <a:r>
-              <a:rPr lang="en-US" dirty="0"/>
-              <a:t>We have observed technology and software as a popular category across all states. When we focus category funding to &gt;$1B, we see New York and San Francisco as popular cities containing companies across most categories.</a:t>
-            </a:r>
-          </a:p>
-        </p:txBody>
-      </p:sp>
-      <p:pic>
-        <p:nvPicPr>
-          <p:cNvPr id="6" name="Picture 5">
-            <a:extLst>
-              <a:ext uri="{FF2B5EF4-FFF2-40B4-BE49-F238E27FC236}">
-                <a16:creationId xmlns:a16="http://schemas.microsoft.com/office/drawing/2014/main" id="{FB0E675E-39D1-418C-BEBD-88CF16F6595B}"/>
-              </a:ext>
-            </a:extLst>
-          </p:cNvPr>
-          <p:cNvPicPr>
-            <a:picLocks noChangeAspect="1"/>
-          </p:cNvPicPr>
-          <p:nvPr/>
-        </p:nvPicPr>
-        <p:blipFill>
-          <a:blip r:embed="rId2"/>
-          <a:stretch>
-            <a:fillRect/>
-          </a:stretch>
-        </p:blipFill>
-        <p:spPr>
-          <a:xfrm>
-            <a:off x="94213" y="3021305"/>
-            <a:ext cx="5902036" cy="3794166"/>
-          </a:xfrm>
-          <a:prstGeom prst="rect">
-            <a:avLst/>
-          </a:prstGeom>
-        </p:spPr>
-      </p:pic>
-      <p:pic>
-        <p:nvPicPr>
-          <p:cNvPr id="7" name="Picture 6">
-            <a:extLst>
-              <a:ext uri="{FF2B5EF4-FFF2-40B4-BE49-F238E27FC236}">
-                <a16:creationId xmlns:a16="http://schemas.microsoft.com/office/drawing/2014/main" id="{BD076EE3-6715-4435-8E32-83114069CA5F}"/>
-              </a:ext>
-            </a:extLst>
-          </p:cNvPr>
-          <p:cNvPicPr>
-            <a:picLocks noChangeAspect="1"/>
-          </p:cNvPicPr>
-          <p:nvPr/>
-        </p:nvPicPr>
-        <p:blipFill>
-          <a:blip r:embed="rId3"/>
-          <a:stretch>
-            <a:fillRect/>
-          </a:stretch>
-        </p:blipFill>
-        <p:spPr>
-          <a:xfrm>
-            <a:off x="6179127" y="3021305"/>
-            <a:ext cx="5902036" cy="3794166"/>
-          </a:xfrm>
-          <a:prstGeom prst="rect">
-            <a:avLst/>
-          </a:prstGeom>
-        </p:spPr>
-      </p:pic>
-      <p:pic>
-        <p:nvPicPr>
-          <p:cNvPr id="9" name="Graphic 8" descr="Arrow Straight">
-            <a:extLst>
-              <a:ext uri="{FF2B5EF4-FFF2-40B4-BE49-F238E27FC236}">
-                <a16:creationId xmlns:a16="http://schemas.microsoft.com/office/drawing/2014/main" id="{20DB4F5F-5708-46FB-BA73-F9E6963FCBBC}"/>
-              </a:ext>
-            </a:extLst>
-          </p:cNvPr>
-          <p:cNvPicPr>
-            <a:picLocks noChangeAspect="1"/>
-          </p:cNvPicPr>
-          <p:nvPr/>
-        </p:nvPicPr>
-        <p:blipFill>
-          <a:blip r:embed="rId4">
-            <a:extLst>
-              <a:ext uri="{96DAC541-7B7A-43D3-8B79-37D633B846F1}">
-                <asvg:svgBlip xmlns:asvg="http://schemas.microsoft.com/office/drawing/2016/SVG/main" r:embed="rId5"/>
-              </a:ext>
-            </a:extLst>
-          </a:blip>
-          <a:stretch>
-            <a:fillRect/>
-          </a:stretch>
-        </p:blipFill>
-        <p:spPr>
-          <a:xfrm>
-            <a:off x="5267498" y="4975167"/>
-            <a:ext cx="457200" cy="457200"/>
-          </a:xfrm>
-          <a:prstGeom prst="rect">
-            <a:avLst/>
-          </a:prstGeom>
-        </p:spPr>
-      </p:pic>
-      <p:pic>
-        <p:nvPicPr>
-          <p:cNvPr id="10" name="Graphic 9" descr="Arrow Straight">
-            <a:extLst>
-              <a:ext uri="{FF2B5EF4-FFF2-40B4-BE49-F238E27FC236}">
-                <a16:creationId xmlns:a16="http://schemas.microsoft.com/office/drawing/2014/main" id="{C87F3092-1CB7-4D4C-A15D-29052F2941F0}"/>
-              </a:ext>
-            </a:extLst>
-          </p:cNvPr>
-          <p:cNvPicPr>
-            <a:picLocks noChangeAspect="1"/>
-          </p:cNvPicPr>
-          <p:nvPr/>
-        </p:nvPicPr>
-        <p:blipFill>
-          <a:blip r:embed="rId4">
-            <a:extLst>
-              <a:ext uri="{96DAC541-7B7A-43D3-8B79-37D633B846F1}">
-                <asvg:svgBlip xmlns:asvg="http://schemas.microsoft.com/office/drawing/2016/SVG/main" r:embed="rId5"/>
-              </a:ext>
-            </a:extLst>
-          </a:blip>
-          <a:stretch>
-            <a:fillRect/>
-          </a:stretch>
-        </p:blipFill>
-        <p:spPr>
-          <a:xfrm>
-            <a:off x="5267498" y="5467003"/>
-            <a:ext cx="457200" cy="457200"/>
-          </a:xfrm>
-          <a:prstGeom prst="rect">
-            <a:avLst/>
-          </a:prstGeom>
-        </p:spPr>
-      </p:pic>
-      <p:pic>
-        <p:nvPicPr>
-          <p:cNvPr id="11" name="Graphic 10" descr="Arrow Straight">
-            <a:extLst>
-              <a:ext uri="{FF2B5EF4-FFF2-40B4-BE49-F238E27FC236}">
-                <a16:creationId xmlns:a16="http://schemas.microsoft.com/office/drawing/2014/main" id="{93448A0F-79DB-4F20-979E-0514AA39A6EF}"/>
-              </a:ext>
-            </a:extLst>
-          </p:cNvPr>
-          <p:cNvPicPr>
-            <a:picLocks noChangeAspect="1"/>
-          </p:cNvPicPr>
-          <p:nvPr/>
-        </p:nvPicPr>
-        <p:blipFill>
-          <a:blip r:embed="rId4">
-            <a:extLst>
-              <a:ext uri="{96DAC541-7B7A-43D3-8B79-37D633B846F1}">
-                <asvg:svgBlip xmlns:asvg="http://schemas.microsoft.com/office/drawing/2016/SVG/main" r:embed="rId5"/>
-              </a:ext>
-            </a:extLst>
-          </a:blip>
-          <a:stretch>
-            <a:fillRect/>
-          </a:stretch>
-        </p:blipFill>
-        <p:spPr>
-          <a:xfrm rot="16200000">
-            <a:off x="3995651" y="3682539"/>
-            <a:ext cx="457200" cy="457200"/>
-          </a:xfrm>
-          <a:prstGeom prst="rect">
-            <a:avLst/>
-          </a:prstGeom>
-        </p:spPr>
-      </p:pic>
-      <p:pic>
-        <p:nvPicPr>
-          <p:cNvPr id="12" name="Graphic 11" descr="Arrow Straight">
-            <a:extLst>
-              <a:ext uri="{FF2B5EF4-FFF2-40B4-BE49-F238E27FC236}">
-                <a16:creationId xmlns:a16="http://schemas.microsoft.com/office/drawing/2014/main" id="{55538381-C2DD-4B0A-AE7D-F214BB6521F1}"/>
-              </a:ext>
-            </a:extLst>
-          </p:cNvPr>
-          <p:cNvPicPr>
-            <a:picLocks noChangeAspect="1"/>
-          </p:cNvPicPr>
-          <p:nvPr/>
-        </p:nvPicPr>
-        <p:blipFill>
-          <a:blip r:embed="rId4">
-            <a:extLst>
-              <a:ext uri="{96DAC541-7B7A-43D3-8B79-37D633B846F1}">
-                <asvg:svgBlip xmlns:asvg="http://schemas.microsoft.com/office/drawing/2016/SVG/main" r:embed="rId5"/>
-              </a:ext>
-            </a:extLst>
-          </a:blip>
-          <a:stretch>
-            <a:fillRect/>
-          </a:stretch>
-        </p:blipFill>
-        <p:spPr>
-          <a:xfrm rot="16200000">
-            <a:off x="3161608" y="3682538"/>
-            <a:ext cx="457200" cy="457200"/>
-          </a:xfrm>
-          <a:prstGeom prst="rect">
-            <a:avLst/>
-          </a:prstGeom>
-        </p:spPr>
-      </p:pic>
-    </p:spTree>
-    <p:extLst>
-      <p:ext uri="{BB962C8B-B14F-4D97-AF65-F5344CB8AC3E}">
-        <p14:creationId xmlns:p14="http://schemas.microsoft.com/office/powerpoint/2010/main" val="3881965936"/>
-      </p:ext>
-    </p:extLst>
-  </p:cSld>
-  <p:clrMapOvr>
-    <a:masterClrMapping/>
-  </p:clrMapOvr>
-</p:sld>
-</file>
-
-<file path=ppt/slides/slide9.xml><?xml version="1.0" encoding="utf-8"?>
-<p:sld xmlns:a="http://schemas.openxmlformats.org/drawingml/2006/main" xmlns:r="http://schemas.openxmlformats.org/officeDocument/2006/relationships" xmlns:p="http://schemas.openxmlformats.org/presentationml/2006/main">
-  <p:cSld>
-    <p:spTree>
-      <p:nvGrpSpPr>
-        <p:cNvPr id="1" name=""/>
-        <p:cNvGrpSpPr/>
-        <p:nvPr/>
-      </p:nvGrpSpPr>
-      <p:grpSpPr>
-        <a:xfrm>
-          <a:off x="0" y="0"/>
-          <a:ext cx="0" cy="0"/>
-          <a:chOff x="0" y="0"/>
-          <a:chExt cx="0" cy="0"/>
-        </a:xfrm>
-      </p:grpSpPr>
-      <p:sp>
-        <p:nvSpPr>
-          <p:cNvPr id="2" name="Title 1">
-            <a:extLst>
-              <a:ext uri="{FF2B5EF4-FFF2-40B4-BE49-F238E27FC236}">
-                <a16:creationId xmlns:a16="http://schemas.microsoft.com/office/drawing/2014/main" id="{77786D41-2C4F-4825-A40F-AD753D613985}"/>
-              </a:ext>
-            </a:extLst>
-          </p:cNvPr>
-          <p:cNvSpPr>
-            <a:spLocks noGrp="1"/>
-          </p:cNvSpPr>
-          <p:nvPr>
-            <p:ph type="title"/>
-          </p:nvPr>
-        </p:nvSpPr>
-        <p:spPr>
-          <a:xfrm>
-            <a:off x="105295" y="1"/>
-            <a:ext cx="11953701" cy="725978"/>
-          </a:xfrm>
-        </p:spPr>
-        <p:txBody>
-          <a:bodyPr>
-            <a:normAutofit/>
-          </a:bodyPr>
-          <a:lstStyle/>
-          <a:p>
-            <a:r>
-              <a:rPr lang="en-US" dirty="0"/>
-              <a:t>Investment by Category</a:t>
-            </a:r>
-          </a:p>
-        </p:txBody>
-      </p:sp>
-      <p:sp>
-        <p:nvSpPr>
-          <p:cNvPr id="5" name="TextBox 4">
-            <a:extLst>
-              <a:ext uri="{FF2B5EF4-FFF2-40B4-BE49-F238E27FC236}">
-                <a16:creationId xmlns:a16="http://schemas.microsoft.com/office/drawing/2014/main" id="{38646FDE-551E-4DA1-84EE-63E48DC47D4A}"/>
-              </a:ext>
-            </a:extLst>
-          </p:cNvPr>
-          <p:cNvSpPr txBox="1"/>
-          <p:nvPr/>
-        </p:nvSpPr>
-        <p:spPr>
-          <a:xfrm>
-            <a:off x="586475" y="885900"/>
-            <a:ext cx="11743113" cy="923330"/>
-          </a:xfrm>
-          <a:prstGeom prst="rect">
-            <a:avLst/>
-          </a:prstGeom>
-          <a:noFill/>
-        </p:spPr>
-        <p:txBody>
-          <a:bodyPr wrap="square" rtlCol="0">
-            <a:spAutoFit/>
-          </a:bodyPr>
-          <a:lstStyle/>
-          <a:p>
-            <a:r>
-              <a:rPr lang="en-US" dirty="0">
-                <a:solidFill>
-                  <a:srgbClr val="FF0000"/>
-                </a:solidFill>
-              </a:rPr>
-              <a:t>We have observed technology and software as a popular category across all states. When we focus category funding to &gt;$1B, we see New York and San Francisco as popular cities containing companies across most categories.</a:t>
-            </a:r>
-          </a:p>
-        </p:txBody>
-      </p:sp>
-      <p:pic>
-        <p:nvPicPr>
-          <p:cNvPr id="6" name="Picture 5">
-            <a:extLst>
-              <a:ext uri="{FF2B5EF4-FFF2-40B4-BE49-F238E27FC236}">
-                <a16:creationId xmlns:a16="http://schemas.microsoft.com/office/drawing/2014/main" id="{8BA45694-77EE-FE40-83CF-835EC8E3FDF9}"/>
-              </a:ext>
-            </a:extLst>
-          </p:cNvPr>
-          <p:cNvPicPr>
-            <a:picLocks noChangeAspect="1"/>
-          </p:cNvPicPr>
-          <p:nvPr/>
-        </p:nvPicPr>
-        <p:blipFill>
-          <a:blip r:embed="rId2"/>
-          <a:stretch>
-            <a:fillRect/>
-          </a:stretch>
-        </p:blipFill>
-        <p:spPr>
-          <a:xfrm>
-            <a:off x="2720521" y="1969151"/>
-            <a:ext cx="7265307" cy="4670554"/>
-          </a:xfrm>
-          <a:prstGeom prst="rect">
-            <a:avLst/>
-          </a:prstGeom>
-        </p:spPr>
-      </p:pic>
-    </p:spTree>
-    <p:extLst>
-      <p:ext uri="{BB962C8B-B14F-4D97-AF65-F5344CB8AC3E}">
-        <p14:creationId xmlns:p14="http://schemas.microsoft.com/office/powerpoint/2010/main" val="2985570959"/>
+        <p14:creationId xmlns:p14="http://schemas.microsoft.com/office/powerpoint/2010/main" val="2742263466"/>
       </p:ext>
     </p:extLst>
   </p:cSld>
